--- a/Лекции/2/Память, указатели, ссылки, передача параметров в функцию.pptx
+++ b/Лекции/2/Память, указатели, ссылки, передача параметров в функцию.pptx
@@ -5,7 +5,7 @@
     <p:sldMasterId id="2147483648" r:id="rId1"/>
   </p:sldMasterIdLst>
   <p:notesMasterIdLst>
-    <p:notesMasterId r:id="rId20"/>
+    <p:notesMasterId r:id="rId22"/>
   </p:notesMasterIdLst>
   <p:sldIdLst>
     <p:sldId id="256" r:id="rId2"/>
@@ -13,19 +13,21 @@
     <p:sldId id="258" r:id="rId4"/>
     <p:sldId id="259" r:id="rId5"/>
     <p:sldId id="260" r:id="rId6"/>
-    <p:sldId id="261" r:id="rId7"/>
-    <p:sldId id="262" r:id="rId8"/>
-    <p:sldId id="266" r:id="rId9"/>
-    <p:sldId id="267" r:id="rId10"/>
-    <p:sldId id="263" r:id="rId11"/>
-    <p:sldId id="264" r:id="rId12"/>
-    <p:sldId id="265" r:id="rId13"/>
-    <p:sldId id="268" r:id="rId14"/>
-    <p:sldId id="276" r:id="rId15"/>
-    <p:sldId id="269" r:id="rId16"/>
-    <p:sldId id="270" r:id="rId17"/>
-    <p:sldId id="277" r:id="rId18"/>
-    <p:sldId id="271" r:id="rId19"/>
+    <p:sldId id="278" r:id="rId7"/>
+    <p:sldId id="261" r:id="rId8"/>
+    <p:sldId id="262" r:id="rId9"/>
+    <p:sldId id="266" r:id="rId10"/>
+    <p:sldId id="267" r:id="rId11"/>
+    <p:sldId id="263" r:id="rId12"/>
+    <p:sldId id="264" r:id="rId13"/>
+    <p:sldId id="280" r:id="rId14"/>
+    <p:sldId id="279" r:id="rId15"/>
+    <p:sldId id="268" r:id="rId16"/>
+    <p:sldId id="276" r:id="rId17"/>
+    <p:sldId id="269" r:id="rId18"/>
+    <p:sldId id="270" r:id="rId19"/>
+    <p:sldId id="277" r:id="rId20"/>
+    <p:sldId id="271" r:id="rId21"/>
   </p:sldIdLst>
   <p:sldSz cx="12192000" cy="6858000"/>
   <p:notesSz cx="6858000" cy="9144000"/>
@@ -214,7 +216,7 @@
           <a:p>
             <a:fld id="{A8655AC4-5CA5-44BA-A2FA-C6B5599E86AD}" type="datetimeFigureOut">
               <a:rPr lang="ru-RU" smtClean="0"/>
-              <a:t>15.09.2020</a:t>
+              <a:t>13.09.2021</a:t>
             </a:fld>
             <a:endParaRPr lang="ru-RU"/>
           </a:p>
@@ -613,7 +615,7 @@
           <a:p>
             <a:fld id="{87D644A0-8973-438C-9519-2E284ACDF610}" type="datetimeFigureOut">
               <a:rPr lang="ru-RU" smtClean="0"/>
-              <a:t>15.09.2020</a:t>
+              <a:t>13.09.2021</a:t>
             </a:fld>
             <a:endParaRPr lang="ru-RU"/>
           </a:p>
@@ -783,7 +785,7 @@
           <a:p>
             <a:fld id="{87D644A0-8973-438C-9519-2E284ACDF610}" type="datetimeFigureOut">
               <a:rPr lang="ru-RU" smtClean="0"/>
-              <a:t>15.09.2020</a:t>
+              <a:t>13.09.2021</a:t>
             </a:fld>
             <a:endParaRPr lang="ru-RU"/>
           </a:p>
@@ -963,7 +965,7 @@
           <a:p>
             <a:fld id="{87D644A0-8973-438C-9519-2E284ACDF610}" type="datetimeFigureOut">
               <a:rPr lang="ru-RU" smtClean="0"/>
-              <a:t>15.09.2020</a:t>
+              <a:t>13.09.2021</a:t>
             </a:fld>
             <a:endParaRPr lang="ru-RU"/>
           </a:p>
@@ -1133,7 +1135,7 @@
           <a:p>
             <a:fld id="{87D644A0-8973-438C-9519-2E284ACDF610}" type="datetimeFigureOut">
               <a:rPr lang="ru-RU" smtClean="0"/>
-              <a:t>15.09.2020</a:t>
+              <a:t>13.09.2021</a:t>
             </a:fld>
             <a:endParaRPr lang="ru-RU"/>
           </a:p>
@@ -1379,7 +1381,7 @@
           <a:p>
             <a:fld id="{87D644A0-8973-438C-9519-2E284ACDF610}" type="datetimeFigureOut">
               <a:rPr lang="ru-RU" smtClean="0"/>
-              <a:t>15.09.2020</a:t>
+              <a:t>13.09.2021</a:t>
             </a:fld>
             <a:endParaRPr lang="ru-RU"/>
           </a:p>
@@ -1611,7 +1613,7 @@
           <a:p>
             <a:fld id="{87D644A0-8973-438C-9519-2E284ACDF610}" type="datetimeFigureOut">
               <a:rPr lang="ru-RU" smtClean="0"/>
-              <a:t>15.09.2020</a:t>
+              <a:t>13.09.2021</a:t>
             </a:fld>
             <a:endParaRPr lang="ru-RU"/>
           </a:p>
@@ -1978,7 +1980,7 @@
           <a:p>
             <a:fld id="{87D644A0-8973-438C-9519-2E284ACDF610}" type="datetimeFigureOut">
               <a:rPr lang="ru-RU" smtClean="0"/>
-              <a:t>15.09.2020</a:t>
+              <a:t>13.09.2021</a:t>
             </a:fld>
             <a:endParaRPr lang="ru-RU"/>
           </a:p>
@@ -2096,7 +2098,7 @@
           <a:p>
             <a:fld id="{87D644A0-8973-438C-9519-2E284ACDF610}" type="datetimeFigureOut">
               <a:rPr lang="ru-RU" smtClean="0"/>
-              <a:t>15.09.2020</a:t>
+              <a:t>13.09.2021</a:t>
             </a:fld>
             <a:endParaRPr lang="ru-RU"/>
           </a:p>
@@ -2191,7 +2193,7 @@
           <a:p>
             <a:fld id="{87D644A0-8973-438C-9519-2E284ACDF610}" type="datetimeFigureOut">
               <a:rPr lang="ru-RU" smtClean="0"/>
-              <a:t>15.09.2020</a:t>
+              <a:t>13.09.2021</a:t>
             </a:fld>
             <a:endParaRPr lang="ru-RU"/>
           </a:p>
@@ -2468,7 +2470,7 @@
           <a:p>
             <a:fld id="{87D644A0-8973-438C-9519-2E284ACDF610}" type="datetimeFigureOut">
               <a:rPr lang="ru-RU" smtClean="0"/>
-              <a:t>15.09.2020</a:t>
+              <a:t>13.09.2021</a:t>
             </a:fld>
             <a:endParaRPr lang="ru-RU"/>
           </a:p>
@@ -2721,7 +2723,7 @@
           <a:p>
             <a:fld id="{87D644A0-8973-438C-9519-2E284ACDF610}" type="datetimeFigureOut">
               <a:rPr lang="ru-RU" smtClean="0"/>
-              <a:t>15.09.2020</a:t>
+              <a:t>13.09.2021</a:t>
             </a:fld>
             <a:endParaRPr lang="ru-RU"/>
           </a:p>
@@ -2934,7 +2936,7 @@
           <a:p>
             <a:fld id="{87D644A0-8973-438C-9519-2E284ACDF610}" type="datetimeFigureOut">
               <a:rPr lang="ru-RU" smtClean="0"/>
-              <a:t>15.09.2020</a:t>
+              <a:t>13.09.2021</a:t>
             </a:fld>
             <a:endParaRPr lang="ru-RU"/>
           </a:p>
@@ -3581,6 +3583,1556 @@
       </p:grpSpPr>
       <p:sp>
         <p:nvSpPr>
+          <p:cNvPr id="4" name="Прямоугольник 3"/>
+          <p:cNvSpPr/>
+          <p:nvPr/>
+        </p:nvSpPr>
+        <p:spPr>
+          <a:xfrm>
+            <a:off x="4787303" y="776768"/>
+            <a:ext cx="7136112" cy="5355312"/>
+          </a:xfrm>
+          <a:prstGeom prst="rect">
+            <a:avLst/>
+          </a:prstGeom>
+        </p:spPr>
+        <p:txBody>
+          <a:bodyPr wrap="square">
+            <a:spAutoFit/>
+          </a:bodyPr>
+          <a:lstStyle/>
+          <a:p>
+            <a:r>
+              <a:rPr lang="en-US" b="0" dirty="0" err="1" smtClean="0">
+                <a:solidFill>
+                  <a:srgbClr val="0000FF"/>
+                </a:solidFill>
+                <a:effectLst/>
+                <a:latin typeface="Consolas" panose="020B0609020204030204" pitchFamily="49" charset="0"/>
+              </a:rPr>
+              <a:t>int</a:t>
+            </a:r>
+            <a:r>
+              <a:rPr lang="en-US" b="0" dirty="0" smtClean="0">
+                <a:solidFill>
+                  <a:srgbClr val="000000"/>
+                </a:solidFill>
+                <a:effectLst/>
+                <a:latin typeface="Consolas" panose="020B0609020204030204" pitchFamily="49" charset="0"/>
+              </a:rPr>
+              <a:t> buffer[</a:t>
+            </a:r>
+            <a:r>
+              <a:rPr lang="en-US" b="0" dirty="0" smtClean="0">
+                <a:solidFill>
+                  <a:srgbClr val="098658"/>
+                </a:solidFill>
+                <a:effectLst/>
+                <a:latin typeface="Consolas" panose="020B0609020204030204" pitchFamily="49" charset="0"/>
+              </a:rPr>
+              <a:t>10</a:t>
+            </a:r>
+            <a:r>
+              <a:rPr lang="en-US" b="0" dirty="0" smtClean="0">
+                <a:solidFill>
+                  <a:srgbClr val="000000"/>
+                </a:solidFill>
+                <a:effectLst/>
+                <a:latin typeface="Consolas" panose="020B0609020204030204" pitchFamily="49" charset="0"/>
+              </a:rPr>
+              <a:t>] {</a:t>
+            </a:r>
+            <a:r>
+              <a:rPr lang="en-US" b="0" dirty="0" smtClean="0">
+                <a:solidFill>
+                  <a:srgbClr val="098658"/>
+                </a:solidFill>
+                <a:effectLst/>
+                <a:latin typeface="Consolas" panose="020B0609020204030204" pitchFamily="49" charset="0"/>
+              </a:rPr>
+              <a:t>1</a:t>
+            </a:r>
+            <a:r>
+              <a:rPr lang="en-US" b="0" dirty="0" smtClean="0">
+                <a:solidFill>
+                  <a:srgbClr val="000000"/>
+                </a:solidFill>
+                <a:effectLst/>
+                <a:latin typeface="Consolas" panose="020B0609020204030204" pitchFamily="49" charset="0"/>
+              </a:rPr>
+              <a:t>,</a:t>
+            </a:r>
+            <a:r>
+              <a:rPr lang="en-US" b="0" dirty="0" smtClean="0">
+                <a:solidFill>
+                  <a:srgbClr val="098658"/>
+                </a:solidFill>
+                <a:effectLst/>
+                <a:latin typeface="Consolas" panose="020B0609020204030204" pitchFamily="49" charset="0"/>
+              </a:rPr>
+              <a:t>2</a:t>
+            </a:r>
+            <a:r>
+              <a:rPr lang="en-US" b="0" dirty="0" smtClean="0">
+                <a:solidFill>
+                  <a:srgbClr val="000000"/>
+                </a:solidFill>
+                <a:effectLst/>
+                <a:latin typeface="Consolas" panose="020B0609020204030204" pitchFamily="49" charset="0"/>
+              </a:rPr>
+              <a:t>,</a:t>
+            </a:r>
+            <a:r>
+              <a:rPr lang="en-US" b="0" dirty="0" smtClean="0">
+                <a:solidFill>
+                  <a:srgbClr val="098658"/>
+                </a:solidFill>
+                <a:effectLst/>
+                <a:latin typeface="Consolas" panose="020B0609020204030204" pitchFamily="49" charset="0"/>
+              </a:rPr>
+              <a:t>3</a:t>
+            </a:r>
+            <a:r>
+              <a:rPr lang="en-US" b="0" dirty="0" smtClean="0">
+                <a:solidFill>
+                  <a:srgbClr val="000000"/>
+                </a:solidFill>
+                <a:effectLst/>
+                <a:latin typeface="Consolas" panose="020B0609020204030204" pitchFamily="49" charset="0"/>
+              </a:rPr>
+              <a:t>,</a:t>
+            </a:r>
+            <a:r>
+              <a:rPr lang="en-US" b="0" dirty="0" smtClean="0">
+                <a:solidFill>
+                  <a:srgbClr val="098658"/>
+                </a:solidFill>
+                <a:effectLst/>
+                <a:latin typeface="Consolas" panose="020B0609020204030204" pitchFamily="49" charset="0"/>
+              </a:rPr>
+              <a:t>4</a:t>
+            </a:r>
+            <a:r>
+              <a:rPr lang="en-US" b="0" dirty="0" smtClean="0">
+                <a:solidFill>
+                  <a:srgbClr val="000000"/>
+                </a:solidFill>
+                <a:effectLst/>
+                <a:latin typeface="Consolas" panose="020B0609020204030204" pitchFamily="49" charset="0"/>
+              </a:rPr>
+              <a:t>,</a:t>
+            </a:r>
+            <a:r>
+              <a:rPr lang="en-US" b="0" dirty="0" smtClean="0">
+                <a:solidFill>
+                  <a:srgbClr val="098658"/>
+                </a:solidFill>
+                <a:effectLst/>
+                <a:latin typeface="Consolas" panose="020B0609020204030204" pitchFamily="49" charset="0"/>
+              </a:rPr>
+              <a:t>5</a:t>
+            </a:r>
+            <a:r>
+              <a:rPr lang="en-US" b="0" dirty="0" smtClean="0">
+                <a:solidFill>
+                  <a:srgbClr val="000000"/>
+                </a:solidFill>
+                <a:effectLst/>
+                <a:latin typeface="Consolas" panose="020B0609020204030204" pitchFamily="49" charset="0"/>
+              </a:rPr>
+              <a:t>,</a:t>
+            </a:r>
+            <a:r>
+              <a:rPr lang="en-US" b="0" dirty="0" smtClean="0">
+                <a:solidFill>
+                  <a:srgbClr val="098658"/>
+                </a:solidFill>
+                <a:effectLst/>
+                <a:latin typeface="Consolas" panose="020B0609020204030204" pitchFamily="49" charset="0"/>
+              </a:rPr>
+              <a:t>6</a:t>
+            </a:r>
+            <a:r>
+              <a:rPr lang="en-US" b="0" dirty="0" smtClean="0">
+                <a:solidFill>
+                  <a:srgbClr val="000000"/>
+                </a:solidFill>
+                <a:effectLst/>
+                <a:latin typeface="Consolas" panose="020B0609020204030204" pitchFamily="49" charset="0"/>
+              </a:rPr>
+              <a:t>,</a:t>
+            </a:r>
+            <a:r>
+              <a:rPr lang="en-US" b="0" dirty="0" smtClean="0">
+                <a:solidFill>
+                  <a:srgbClr val="098658"/>
+                </a:solidFill>
+                <a:effectLst/>
+                <a:latin typeface="Consolas" panose="020B0609020204030204" pitchFamily="49" charset="0"/>
+              </a:rPr>
+              <a:t>7</a:t>
+            </a:r>
+            <a:r>
+              <a:rPr lang="en-US" b="0" dirty="0" smtClean="0">
+                <a:solidFill>
+                  <a:srgbClr val="000000"/>
+                </a:solidFill>
+                <a:effectLst/>
+                <a:latin typeface="Consolas" panose="020B0609020204030204" pitchFamily="49" charset="0"/>
+              </a:rPr>
+              <a:t>,</a:t>
+            </a:r>
+            <a:r>
+              <a:rPr lang="en-US" b="0" dirty="0" smtClean="0">
+                <a:solidFill>
+                  <a:srgbClr val="098658"/>
+                </a:solidFill>
+                <a:effectLst/>
+                <a:latin typeface="Consolas" panose="020B0609020204030204" pitchFamily="49" charset="0"/>
+              </a:rPr>
+              <a:t>8</a:t>
+            </a:r>
+            <a:r>
+              <a:rPr lang="en-US" b="0" dirty="0" smtClean="0">
+                <a:solidFill>
+                  <a:srgbClr val="000000"/>
+                </a:solidFill>
+                <a:effectLst/>
+                <a:latin typeface="Consolas" panose="020B0609020204030204" pitchFamily="49" charset="0"/>
+              </a:rPr>
+              <a:t>,</a:t>
+            </a:r>
+            <a:r>
+              <a:rPr lang="en-US" b="0" dirty="0" smtClean="0">
+                <a:solidFill>
+                  <a:srgbClr val="098658"/>
+                </a:solidFill>
+                <a:effectLst/>
+                <a:latin typeface="Consolas" panose="020B0609020204030204" pitchFamily="49" charset="0"/>
+              </a:rPr>
+              <a:t>9</a:t>
+            </a:r>
+            <a:r>
+              <a:rPr lang="en-US" b="0" dirty="0" smtClean="0">
+                <a:solidFill>
+                  <a:srgbClr val="000000"/>
+                </a:solidFill>
+                <a:effectLst/>
+                <a:latin typeface="Consolas" panose="020B0609020204030204" pitchFamily="49" charset="0"/>
+              </a:rPr>
+              <a:t>,</a:t>
+            </a:r>
+            <a:r>
+              <a:rPr lang="en-US" b="0" dirty="0" smtClean="0">
+                <a:solidFill>
+                  <a:srgbClr val="098658"/>
+                </a:solidFill>
+                <a:effectLst/>
+                <a:latin typeface="Consolas" panose="020B0609020204030204" pitchFamily="49" charset="0"/>
+              </a:rPr>
+              <a:t>0</a:t>
+            </a:r>
+            <a:r>
+              <a:rPr lang="en-US" b="0" dirty="0" smtClean="0">
+                <a:solidFill>
+                  <a:srgbClr val="000000"/>
+                </a:solidFill>
+                <a:effectLst/>
+                <a:latin typeface="Consolas" panose="020B0609020204030204" pitchFamily="49" charset="0"/>
+              </a:rPr>
+              <a:t>};</a:t>
+            </a:r>
+          </a:p>
+          <a:p>
+            <a:r>
+              <a:rPr lang="en-US" b="0" dirty="0" err="1" smtClean="0">
+                <a:solidFill>
+                  <a:srgbClr val="0000FF"/>
+                </a:solidFill>
+                <a:effectLst/>
+                <a:latin typeface="Consolas" panose="020B0609020204030204" pitchFamily="49" charset="0"/>
+              </a:rPr>
+              <a:t>int</a:t>
+            </a:r>
+            <a:r>
+              <a:rPr lang="en-US" b="0" dirty="0" smtClean="0">
+                <a:solidFill>
+                  <a:srgbClr val="000000"/>
+                </a:solidFill>
+                <a:effectLst/>
+                <a:latin typeface="Consolas" panose="020B0609020204030204" pitchFamily="49" charset="0"/>
+              </a:rPr>
+              <a:t>* </a:t>
+            </a:r>
+            <a:r>
+              <a:rPr lang="en-US" b="0" dirty="0" err="1" smtClean="0">
+                <a:solidFill>
+                  <a:srgbClr val="000000"/>
+                </a:solidFill>
+                <a:effectLst/>
+                <a:latin typeface="Consolas" panose="020B0609020204030204" pitchFamily="49" charset="0"/>
+              </a:rPr>
+              <a:t>p_buffer</a:t>
+            </a:r>
+            <a:r>
+              <a:rPr lang="en-US" b="0" dirty="0" smtClean="0">
+                <a:solidFill>
+                  <a:srgbClr val="000000"/>
+                </a:solidFill>
+                <a:effectLst/>
+                <a:latin typeface="Consolas" panose="020B0609020204030204" pitchFamily="49" charset="0"/>
+              </a:rPr>
+              <a:t> = buffer;</a:t>
+            </a:r>
+          </a:p>
+          <a:p>
+            <a:r>
+              <a:rPr lang="en-US" b="0" dirty="0" smtClean="0">
+                <a:solidFill>
+                  <a:srgbClr val="0000FF"/>
+                </a:solidFill>
+                <a:effectLst/>
+                <a:latin typeface="Consolas" panose="020B0609020204030204" pitchFamily="49" charset="0"/>
+              </a:rPr>
+              <a:t>void</a:t>
+            </a:r>
+            <a:r>
+              <a:rPr lang="en-US" b="0" dirty="0" smtClean="0">
+                <a:solidFill>
+                  <a:srgbClr val="000000"/>
+                </a:solidFill>
+                <a:effectLst/>
+                <a:latin typeface="Consolas" panose="020B0609020204030204" pitchFamily="49" charset="0"/>
+              </a:rPr>
+              <a:t>* </a:t>
+            </a:r>
+            <a:r>
+              <a:rPr lang="en-US" b="0" dirty="0" err="1" smtClean="0">
+                <a:solidFill>
+                  <a:srgbClr val="000000"/>
+                </a:solidFill>
+                <a:effectLst/>
+                <a:latin typeface="Consolas" panose="020B0609020204030204" pitchFamily="49" charset="0"/>
+              </a:rPr>
+              <a:t>p_void_buffer</a:t>
+            </a:r>
+            <a:r>
+              <a:rPr lang="en-US" b="0" dirty="0" smtClean="0">
+                <a:solidFill>
+                  <a:srgbClr val="000000"/>
+                </a:solidFill>
+                <a:effectLst/>
+                <a:latin typeface="Consolas" panose="020B0609020204030204" pitchFamily="49" charset="0"/>
+              </a:rPr>
+              <a:t> = buffer;</a:t>
+            </a:r>
+          </a:p>
+          <a:p>
+            <a:r>
+              <a:rPr lang="en-US" b="0" dirty="0" err="1" smtClean="0">
+                <a:solidFill>
+                  <a:srgbClr val="000000"/>
+                </a:solidFill>
+                <a:effectLst/>
+                <a:latin typeface="Consolas" panose="020B0609020204030204" pitchFamily="49" charset="0"/>
+              </a:rPr>
+              <a:t>cout</a:t>
+            </a:r>
+            <a:r>
+              <a:rPr lang="en-US" b="0" dirty="0" smtClean="0">
+                <a:solidFill>
+                  <a:srgbClr val="000000"/>
+                </a:solidFill>
+                <a:effectLst/>
+                <a:latin typeface="Consolas" panose="020B0609020204030204" pitchFamily="49" charset="0"/>
+              </a:rPr>
+              <a:t> &lt;&lt; *</a:t>
+            </a:r>
+            <a:r>
+              <a:rPr lang="en-US" b="0" dirty="0" err="1" smtClean="0">
+                <a:solidFill>
+                  <a:srgbClr val="000000"/>
+                </a:solidFill>
+                <a:effectLst/>
+                <a:latin typeface="Consolas" panose="020B0609020204030204" pitchFamily="49" charset="0"/>
+              </a:rPr>
+              <a:t>p_buffer</a:t>
+            </a:r>
+            <a:r>
+              <a:rPr lang="en-US" b="0" dirty="0" smtClean="0">
+                <a:solidFill>
+                  <a:srgbClr val="000000"/>
+                </a:solidFill>
+                <a:effectLst/>
+                <a:latin typeface="Consolas" panose="020B0609020204030204" pitchFamily="49" charset="0"/>
+              </a:rPr>
+              <a:t> &lt;&lt; </a:t>
+            </a:r>
+            <a:r>
+              <a:rPr lang="en-US" b="0" dirty="0" err="1" smtClean="0">
+                <a:solidFill>
+                  <a:srgbClr val="000000"/>
+                </a:solidFill>
+                <a:effectLst/>
+                <a:latin typeface="Consolas" panose="020B0609020204030204" pitchFamily="49" charset="0"/>
+              </a:rPr>
+              <a:t>endl</a:t>
+            </a:r>
+            <a:r>
+              <a:rPr lang="en-US" b="0" dirty="0" smtClean="0">
+                <a:solidFill>
+                  <a:srgbClr val="000000"/>
+                </a:solidFill>
+                <a:effectLst/>
+                <a:latin typeface="Consolas" panose="020B0609020204030204" pitchFamily="49" charset="0"/>
+              </a:rPr>
+              <a:t>;</a:t>
+            </a:r>
+          </a:p>
+          <a:p>
+            <a:r>
+              <a:rPr lang="en-US" b="0" dirty="0" err="1" smtClean="0">
+                <a:solidFill>
+                  <a:srgbClr val="000000"/>
+                </a:solidFill>
+                <a:effectLst/>
+                <a:latin typeface="Consolas" panose="020B0609020204030204" pitchFamily="49" charset="0"/>
+              </a:rPr>
+              <a:t>cout</a:t>
+            </a:r>
+            <a:r>
+              <a:rPr lang="en-US" b="0" dirty="0" smtClean="0">
+                <a:solidFill>
+                  <a:srgbClr val="000000"/>
+                </a:solidFill>
+                <a:effectLst/>
+                <a:latin typeface="Consolas" panose="020B0609020204030204" pitchFamily="49" charset="0"/>
+              </a:rPr>
+              <a:t> &lt;&lt; *((</a:t>
+            </a:r>
+            <a:r>
+              <a:rPr lang="en-US" b="0" dirty="0" err="1" smtClean="0">
+                <a:solidFill>
+                  <a:srgbClr val="0000FF"/>
+                </a:solidFill>
+                <a:effectLst/>
+                <a:latin typeface="Consolas" panose="020B0609020204030204" pitchFamily="49" charset="0"/>
+              </a:rPr>
+              <a:t>int</a:t>
+            </a:r>
+            <a:r>
+              <a:rPr lang="en-US" b="0" dirty="0" smtClean="0">
+                <a:solidFill>
+                  <a:srgbClr val="000000"/>
+                </a:solidFill>
+                <a:effectLst/>
+                <a:latin typeface="Consolas" panose="020B0609020204030204" pitchFamily="49" charset="0"/>
+              </a:rPr>
+              <a:t>*)</a:t>
+            </a:r>
+            <a:r>
+              <a:rPr lang="en-US" b="0" dirty="0" err="1" smtClean="0">
+                <a:solidFill>
+                  <a:srgbClr val="000000"/>
+                </a:solidFill>
+                <a:effectLst/>
+                <a:latin typeface="Consolas" panose="020B0609020204030204" pitchFamily="49" charset="0"/>
+              </a:rPr>
+              <a:t>p_void_buffer</a:t>
+            </a:r>
+            <a:r>
+              <a:rPr lang="en-US" b="0" dirty="0" smtClean="0">
+                <a:solidFill>
+                  <a:srgbClr val="000000"/>
+                </a:solidFill>
+                <a:effectLst/>
+                <a:latin typeface="Consolas" panose="020B0609020204030204" pitchFamily="49" charset="0"/>
+              </a:rPr>
+              <a:t>) &lt;&lt; </a:t>
+            </a:r>
+            <a:r>
+              <a:rPr lang="en-US" b="0" dirty="0" smtClean="0">
+                <a:solidFill>
+                  <a:srgbClr val="A31515"/>
+                </a:solidFill>
+                <a:effectLst/>
+                <a:latin typeface="Consolas" panose="020B0609020204030204" pitchFamily="49" charset="0"/>
+              </a:rPr>
+              <a:t>" -&gt; "</a:t>
+            </a:r>
+            <a:r>
+              <a:rPr lang="en-US" b="0" dirty="0" smtClean="0">
+                <a:solidFill>
+                  <a:srgbClr val="000000"/>
+                </a:solidFill>
+                <a:effectLst/>
+                <a:latin typeface="Consolas" panose="020B0609020204030204" pitchFamily="49" charset="0"/>
+              </a:rPr>
+              <a:t> </a:t>
+            </a:r>
+          </a:p>
+          <a:p>
+            <a:r>
+              <a:rPr lang="en-US" b="0" dirty="0" smtClean="0">
+                <a:solidFill>
+                  <a:srgbClr val="000000"/>
+                </a:solidFill>
+                <a:effectLst/>
+                <a:latin typeface="Consolas" panose="020B0609020204030204" pitchFamily="49" charset="0"/>
+              </a:rPr>
+              <a:t>     &lt;&lt; </a:t>
+            </a:r>
+            <a:r>
+              <a:rPr lang="en-US" b="0" dirty="0" err="1" smtClean="0">
+                <a:solidFill>
+                  <a:srgbClr val="0000FF"/>
+                </a:solidFill>
+                <a:effectLst/>
+                <a:latin typeface="Consolas" panose="020B0609020204030204" pitchFamily="49" charset="0"/>
+              </a:rPr>
+              <a:t>sizeof</a:t>
+            </a:r>
+            <a:r>
+              <a:rPr lang="en-US" b="0" dirty="0" smtClean="0">
+                <a:solidFill>
+                  <a:srgbClr val="000000"/>
+                </a:solidFill>
+                <a:effectLst/>
+                <a:latin typeface="Consolas" panose="020B0609020204030204" pitchFamily="49" charset="0"/>
+              </a:rPr>
+              <a:t>(*((</a:t>
+            </a:r>
+            <a:r>
+              <a:rPr lang="en-US" b="0" dirty="0" err="1" smtClean="0">
+                <a:solidFill>
+                  <a:srgbClr val="0000FF"/>
+                </a:solidFill>
+                <a:effectLst/>
+                <a:latin typeface="Consolas" panose="020B0609020204030204" pitchFamily="49" charset="0"/>
+              </a:rPr>
+              <a:t>int</a:t>
+            </a:r>
+            <a:r>
+              <a:rPr lang="en-US" b="0" dirty="0" smtClean="0">
+                <a:solidFill>
+                  <a:srgbClr val="000000"/>
+                </a:solidFill>
+                <a:effectLst/>
+                <a:latin typeface="Consolas" panose="020B0609020204030204" pitchFamily="49" charset="0"/>
+              </a:rPr>
+              <a:t>*)</a:t>
+            </a:r>
+            <a:r>
+              <a:rPr lang="en-US" b="0" dirty="0" err="1" smtClean="0">
+                <a:solidFill>
+                  <a:srgbClr val="000000"/>
+                </a:solidFill>
+                <a:effectLst/>
+                <a:latin typeface="Consolas" panose="020B0609020204030204" pitchFamily="49" charset="0"/>
+              </a:rPr>
+              <a:t>p_void_buffer</a:t>
+            </a:r>
+            <a:r>
+              <a:rPr lang="en-US" b="0" dirty="0" smtClean="0">
+                <a:solidFill>
+                  <a:srgbClr val="000000"/>
+                </a:solidFill>
+                <a:effectLst/>
+                <a:latin typeface="Consolas" panose="020B0609020204030204" pitchFamily="49" charset="0"/>
+              </a:rPr>
+              <a:t>)) &lt;&lt; </a:t>
+            </a:r>
+            <a:r>
+              <a:rPr lang="en-US" b="0" dirty="0" err="1" smtClean="0">
+                <a:solidFill>
+                  <a:srgbClr val="000000"/>
+                </a:solidFill>
+                <a:effectLst/>
+                <a:latin typeface="Consolas" panose="020B0609020204030204" pitchFamily="49" charset="0"/>
+              </a:rPr>
+              <a:t>endl</a:t>
+            </a:r>
+            <a:r>
+              <a:rPr lang="en-US" b="0" dirty="0" smtClean="0">
+                <a:solidFill>
+                  <a:srgbClr val="000000"/>
+                </a:solidFill>
+                <a:effectLst/>
+                <a:latin typeface="Consolas" panose="020B0609020204030204" pitchFamily="49" charset="0"/>
+              </a:rPr>
+              <a:t>;</a:t>
+            </a:r>
+          </a:p>
+          <a:p>
+            <a:r>
+              <a:rPr lang="en-US" b="0" dirty="0" smtClean="0">
+                <a:solidFill>
+                  <a:srgbClr val="008000"/>
+                </a:solidFill>
+                <a:effectLst/>
+                <a:latin typeface="Consolas" panose="020B0609020204030204" pitchFamily="49" charset="0"/>
+              </a:rPr>
+              <a:t>// 1 -&gt; 4</a:t>
+            </a:r>
+            <a:endParaRPr lang="en-US" b="0" dirty="0" smtClean="0">
+              <a:solidFill>
+                <a:srgbClr val="000000"/>
+              </a:solidFill>
+              <a:effectLst/>
+              <a:latin typeface="Consolas" panose="020B0609020204030204" pitchFamily="49" charset="0"/>
+            </a:endParaRPr>
+          </a:p>
+          <a:p>
+            <a:r>
+              <a:rPr lang="en-US" b="0" dirty="0" err="1" smtClean="0">
+                <a:solidFill>
+                  <a:srgbClr val="000000"/>
+                </a:solidFill>
+                <a:effectLst/>
+                <a:latin typeface="Consolas" panose="020B0609020204030204" pitchFamily="49" charset="0"/>
+              </a:rPr>
+              <a:t>cout</a:t>
+            </a:r>
+            <a:r>
+              <a:rPr lang="en-US" b="0" dirty="0" smtClean="0">
+                <a:solidFill>
+                  <a:srgbClr val="000000"/>
+                </a:solidFill>
+                <a:effectLst/>
+                <a:latin typeface="Consolas" panose="020B0609020204030204" pitchFamily="49" charset="0"/>
+              </a:rPr>
+              <a:t> &lt;&lt; *((</a:t>
+            </a:r>
+            <a:r>
+              <a:rPr lang="en-US" b="0" dirty="0" smtClean="0">
+                <a:solidFill>
+                  <a:srgbClr val="0000FF"/>
+                </a:solidFill>
+                <a:effectLst/>
+                <a:latin typeface="Consolas" panose="020B0609020204030204" pitchFamily="49" charset="0"/>
+              </a:rPr>
+              <a:t>long</a:t>
+            </a:r>
+            <a:r>
+              <a:rPr lang="en-US" b="0" dirty="0" smtClean="0">
+                <a:solidFill>
+                  <a:srgbClr val="000000"/>
+                </a:solidFill>
+                <a:effectLst/>
+                <a:latin typeface="Consolas" panose="020B0609020204030204" pitchFamily="49" charset="0"/>
+              </a:rPr>
+              <a:t> </a:t>
+            </a:r>
+            <a:r>
+              <a:rPr lang="en-US" b="0" dirty="0" smtClean="0">
+                <a:solidFill>
+                  <a:srgbClr val="0000FF"/>
+                </a:solidFill>
+                <a:effectLst/>
+                <a:latin typeface="Consolas" panose="020B0609020204030204" pitchFamily="49" charset="0"/>
+              </a:rPr>
+              <a:t>long</a:t>
+            </a:r>
+            <a:r>
+              <a:rPr lang="en-US" b="0" dirty="0" smtClean="0">
+                <a:solidFill>
+                  <a:srgbClr val="000000"/>
+                </a:solidFill>
+                <a:effectLst/>
+                <a:latin typeface="Consolas" panose="020B0609020204030204" pitchFamily="49" charset="0"/>
+              </a:rPr>
+              <a:t>*)</a:t>
+            </a:r>
+            <a:r>
+              <a:rPr lang="en-US" b="0" dirty="0" err="1" smtClean="0">
+                <a:solidFill>
+                  <a:srgbClr val="000000"/>
+                </a:solidFill>
+                <a:effectLst/>
+                <a:latin typeface="Consolas" panose="020B0609020204030204" pitchFamily="49" charset="0"/>
+              </a:rPr>
+              <a:t>p_void_buffer</a:t>
+            </a:r>
+            <a:r>
+              <a:rPr lang="en-US" b="0" dirty="0" smtClean="0">
+                <a:solidFill>
+                  <a:srgbClr val="000000"/>
+                </a:solidFill>
+                <a:effectLst/>
+                <a:latin typeface="Consolas" panose="020B0609020204030204" pitchFamily="49" charset="0"/>
+              </a:rPr>
+              <a:t>) &lt;&lt; </a:t>
+            </a:r>
+            <a:r>
+              <a:rPr lang="en-US" b="0" dirty="0" smtClean="0">
+                <a:solidFill>
+                  <a:srgbClr val="A31515"/>
+                </a:solidFill>
+                <a:effectLst/>
+                <a:latin typeface="Consolas" panose="020B0609020204030204" pitchFamily="49" charset="0"/>
+              </a:rPr>
+              <a:t>" -&gt; "</a:t>
+            </a:r>
+            <a:r>
+              <a:rPr lang="en-US" b="0" dirty="0" smtClean="0">
+                <a:solidFill>
+                  <a:srgbClr val="000000"/>
+                </a:solidFill>
+                <a:effectLst/>
+                <a:latin typeface="Consolas" panose="020B0609020204030204" pitchFamily="49" charset="0"/>
+              </a:rPr>
+              <a:t> </a:t>
+            </a:r>
+          </a:p>
+          <a:p>
+            <a:r>
+              <a:rPr lang="en-US" b="0" dirty="0" smtClean="0">
+                <a:solidFill>
+                  <a:srgbClr val="000000"/>
+                </a:solidFill>
+                <a:effectLst/>
+                <a:latin typeface="Consolas" panose="020B0609020204030204" pitchFamily="49" charset="0"/>
+              </a:rPr>
+              <a:t>     &lt;&lt; </a:t>
+            </a:r>
+            <a:r>
+              <a:rPr lang="en-US" b="0" dirty="0" err="1" smtClean="0">
+                <a:solidFill>
+                  <a:srgbClr val="0000FF"/>
+                </a:solidFill>
+                <a:effectLst/>
+                <a:latin typeface="Consolas" panose="020B0609020204030204" pitchFamily="49" charset="0"/>
+              </a:rPr>
+              <a:t>sizeof</a:t>
+            </a:r>
+            <a:r>
+              <a:rPr lang="en-US" b="0" dirty="0" smtClean="0">
+                <a:solidFill>
+                  <a:srgbClr val="000000"/>
+                </a:solidFill>
+                <a:effectLst/>
+                <a:latin typeface="Consolas" panose="020B0609020204030204" pitchFamily="49" charset="0"/>
+              </a:rPr>
+              <a:t>(*((</a:t>
+            </a:r>
+            <a:r>
+              <a:rPr lang="en-US" b="0" dirty="0" smtClean="0">
+                <a:solidFill>
+                  <a:srgbClr val="0000FF"/>
+                </a:solidFill>
+                <a:effectLst/>
+                <a:latin typeface="Consolas" panose="020B0609020204030204" pitchFamily="49" charset="0"/>
+              </a:rPr>
+              <a:t>long</a:t>
+            </a:r>
+            <a:r>
+              <a:rPr lang="en-US" b="0" dirty="0" smtClean="0">
+                <a:solidFill>
+                  <a:srgbClr val="000000"/>
+                </a:solidFill>
+                <a:effectLst/>
+                <a:latin typeface="Consolas" panose="020B0609020204030204" pitchFamily="49" charset="0"/>
+              </a:rPr>
+              <a:t> </a:t>
+            </a:r>
+            <a:r>
+              <a:rPr lang="en-US" b="0" dirty="0" smtClean="0">
+                <a:solidFill>
+                  <a:srgbClr val="0000FF"/>
+                </a:solidFill>
+                <a:effectLst/>
+                <a:latin typeface="Consolas" panose="020B0609020204030204" pitchFamily="49" charset="0"/>
+              </a:rPr>
+              <a:t>long</a:t>
+            </a:r>
+            <a:r>
+              <a:rPr lang="en-US" b="0" dirty="0" smtClean="0">
+                <a:solidFill>
+                  <a:srgbClr val="000000"/>
+                </a:solidFill>
+                <a:effectLst/>
+                <a:latin typeface="Consolas" panose="020B0609020204030204" pitchFamily="49" charset="0"/>
+              </a:rPr>
+              <a:t>*)</a:t>
+            </a:r>
+            <a:r>
+              <a:rPr lang="en-US" b="0" dirty="0" err="1" smtClean="0">
+                <a:solidFill>
+                  <a:srgbClr val="000000"/>
+                </a:solidFill>
+                <a:effectLst/>
+                <a:latin typeface="Consolas" panose="020B0609020204030204" pitchFamily="49" charset="0"/>
+              </a:rPr>
+              <a:t>p_void_buffer</a:t>
+            </a:r>
+            <a:r>
+              <a:rPr lang="en-US" b="0" dirty="0" smtClean="0">
+                <a:solidFill>
+                  <a:srgbClr val="000000"/>
+                </a:solidFill>
+                <a:effectLst/>
+                <a:latin typeface="Consolas" panose="020B0609020204030204" pitchFamily="49" charset="0"/>
+              </a:rPr>
+              <a:t>)) &lt;&lt; </a:t>
+            </a:r>
+            <a:r>
+              <a:rPr lang="en-US" b="0" dirty="0" err="1" smtClean="0">
+                <a:solidFill>
+                  <a:srgbClr val="000000"/>
+                </a:solidFill>
+                <a:effectLst/>
+                <a:latin typeface="Consolas" panose="020B0609020204030204" pitchFamily="49" charset="0"/>
+              </a:rPr>
+              <a:t>endl</a:t>
+            </a:r>
+            <a:r>
+              <a:rPr lang="en-US" b="0" dirty="0" smtClean="0">
+                <a:solidFill>
+                  <a:srgbClr val="000000"/>
+                </a:solidFill>
+                <a:effectLst/>
+                <a:latin typeface="Consolas" panose="020B0609020204030204" pitchFamily="49" charset="0"/>
+              </a:rPr>
+              <a:t>;</a:t>
+            </a:r>
+          </a:p>
+          <a:p>
+            <a:r>
+              <a:rPr lang="en-US" b="0" dirty="0" smtClean="0">
+                <a:solidFill>
+                  <a:srgbClr val="008000"/>
+                </a:solidFill>
+                <a:effectLst/>
+                <a:latin typeface="Consolas" panose="020B0609020204030204" pitchFamily="49" charset="0"/>
+              </a:rPr>
+              <a:t>// 8589934593 -&gt; 8</a:t>
+            </a:r>
+            <a:endParaRPr lang="en-US" b="0" dirty="0" smtClean="0">
+              <a:solidFill>
+                <a:srgbClr val="000000"/>
+              </a:solidFill>
+              <a:effectLst/>
+              <a:latin typeface="Consolas" panose="020B0609020204030204" pitchFamily="49" charset="0"/>
+            </a:endParaRPr>
+          </a:p>
+          <a:p>
+            <a:r>
+              <a:rPr lang="en-US" b="0" dirty="0" err="1" smtClean="0">
+                <a:solidFill>
+                  <a:srgbClr val="000000"/>
+                </a:solidFill>
+                <a:effectLst/>
+                <a:latin typeface="Consolas" panose="020B0609020204030204" pitchFamily="49" charset="0"/>
+              </a:rPr>
+              <a:t>cout</a:t>
+            </a:r>
+            <a:r>
+              <a:rPr lang="en-US" b="0" dirty="0" smtClean="0">
+                <a:solidFill>
+                  <a:srgbClr val="000000"/>
+                </a:solidFill>
+                <a:effectLst/>
+                <a:latin typeface="Consolas" panose="020B0609020204030204" pitchFamily="49" charset="0"/>
+              </a:rPr>
+              <a:t> &lt;&lt; *((</a:t>
+            </a:r>
+            <a:r>
+              <a:rPr lang="en-US" b="0" dirty="0" smtClean="0">
+                <a:solidFill>
+                  <a:srgbClr val="0000FF"/>
+                </a:solidFill>
+                <a:effectLst/>
+                <a:latin typeface="Consolas" panose="020B0609020204030204" pitchFamily="49" charset="0"/>
+              </a:rPr>
+              <a:t>char</a:t>
+            </a:r>
+            <a:r>
+              <a:rPr lang="en-US" b="0" dirty="0" smtClean="0">
+                <a:solidFill>
+                  <a:srgbClr val="000000"/>
+                </a:solidFill>
+                <a:effectLst/>
+                <a:latin typeface="Consolas" panose="020B0609020204030204" pitchFamily="49" charset="0"/>
+              </a:rPr>
+              <a:t>*)</a:t>
+            </a:r>
+            <a:r>
+              <a:rPr lang="en-US" b="0" dirty="0" err="1" smtClean="0">
+                <a:solidFill>
+                  <a:srgbClr val="000000"/>
+                </a:solidFill>
+                <a:effectLst/>
+                <a:latin typeface="Consolas" panose="020B0609020204030204" pitchFamily="49" charset="0"/>
+              </a:rPr>
+              <a:t>p_void_buffer</a:t>
+            </a:r>
+            <a:r>
+              <a:rPr lang="en-US" b="0" dirty="0" smtClean="0">
+                <a:solidFill>
+                  <a:srgbClr val="000000"/>
+                </a:solidFill>
+                <a:effectLst/>
+                <a:latin typeface="Consolas" panose="020B0609020204030204" pitchFamily="49" charset="0"/>
+              </a:rPr>
+              <a:t>) &lt;&lt; </a:t>
+            </a:r>
+            <a:r>
+              <a:rPr lang="en-US" b="0" dirty="0" smtClean="0">
+                <a:solidFill>
+                  <a:srgbClr val="A31515"/>
+                </a:solidFill>
+                <a:effectLst/>
+                <a:latin typeface="Consolas" panose="020B0609020204030204" pitchFamily="49" charset="0"/>
+              </a:rPr>
+              <a:t>" -&gt; "</a:t>
+            </a:r>
+            <a:r>
+              <a:rPr lang="en-US" b="0" dirty="0" smtClean="0">
+                <a:solidFill>
+                  <a:srgbClr val="000000"/>
+                </a:solidFill>
+                <a:effectLst/>
+                <a:latin typeface="Consolas" panose="020B0609020204030204" pitchFamily="49" charset="0"/>
+              </a:rPr>
+              <a:t> </a:t>
+            </a:r>
+          </a:p>
+          <a:p>
+            <a:r>
+              <a:rPr lang="en-US" b="0" dirty="0" smtClean="0">
+                <a:solidFill>
+                  <a:srgbClr val="000000"/>
+                </a:solidFill>
+                <a:effectLst/>
+                <a:latin typeface="Consolas" panose="020B0609020204030204" pitchFamily="49" charset="0"/>
+              </a:rPr>
+              <a:t>     &lt;&lt; </a:t>
+            </a:r>
+            <a:r>
+              <a:rPr lang="en-US" b="0" dirty="0" err="1" smtClean="0">
+                <a:solidFill>
+                  <a:srgbClr val="0000FF"/>
+                </a:solidFill>
+                <a:effectLst/>
+                <a:latin typeface="Consolas" panose="020B0609020204030204" pitchFamily="49" charset="0"/>
+              </a:rPr>
+              <a:t>sizeof</a:t>
+            </a:r>
+            <a:r>
+              <a:rPr lang="en-US" b="0" dirty="0" smtClean="0">
+                <a:solidFill>
+                  <a:srgbClr val="000000"/>
+                </a:solidFill>
+                <a:effectLst/>
+                <a:latin typeface="Consolas" panose="020B0609020204030204" pitchFamily="49" charset="0"/>
+              </a:rPr>
+              <a:t>(*((</a:t>
+            </a:r>
+            <a:r>
+              <a:rPr lang="en-US" b="0" dirty="0" smtClean="0">
+                <a:solidFill>
+                  <a:srgbClr val="0000FF"/>
+                </a:solidFill>
+                <a:effectLst/>
+                <a:latin typeface="Consolas" panose="020B0609020204030204" pitchFamily="49" charset="0"/>
+              </a:rPr>
+              <a:t>char</a:t>
+            </a:r>
+            <a:r>
+              <a:rPr lang="en-US" b="0" dirty="0" smtClean="0">
+                <a:solidFill>
+                  <a:srgbClr val="000000"/>
+                </a:solidFill>
+                <a:effectLst/>
+                <a:latin typeface="Consolas" panose="020B0609020204030204" pitchFamily="49" charset="0"/>
+              </a:rPr>
+              <a:t>*)</a:t>
+            </a:r>
+            <a:r>
+              <a:rPr lang="en-US" b="0" dirty="0" err="1" smtClean="0">
+                <a:solidFill>
+                  <a:srgbClr val="000000"/>
+                </a:solidFill>
+                <a:effectLst/>
+                <a:latin typeface="Consolas" panose="020B0609020204030204" pitchFamily="49" charset="0"/>
+              </a:rPr>
+              <a:t>p_void_buffer</a:t>
+            </a:r>
+            <a:r>
+              <a:rPr lang="en-US" b="0" dirty="0" smtClean="0">
+                <a:solidFill>
+                  <a:srgbClr val="000000"/>
+                </a:solidFill>
+                <a:effectLst/>
+                <a:latin typeface="Consolas" panose="020B0609020204030204" pitchFamily="49" charset="0"/>
+              </a:rPr>
+              <a:t>)) &lt;&lt; </a:t>
+            </a:r>
+            <a:r>
+              <a:rPr lang="en-US" b="0" dirty="0" err="1" smtClean="0">
+                <a:solidFill>
+                  <a:srgbClr val="000000"/>
+                </a:solidFill>
+                <a:effectLst/>
+                <a:latin typeface="Consolas" panose="020B0609020204030204" pitchFamily="49" charset="0"/>
+              </a:rPr>
+              <a:t>endl</a:t>
+            </a:r>
+            <a:r>
+              <a:rPr lang="en-US" b="0" dirty="0" smtClean="0">
+                <a:solidFill>
+                  <a:srgbClr val="000000"/>
+                </a:solidFill>
+                <a:effectLst/>
+                <a:latin typeface="Consolas" panose="020B0609020204030204" pitchFamily="49" charset="0"/>
+              </a:rPr>
+              <a:t>;</a:t>
+            </a:r>
+          </a:p>
+          <a:p>
+            <a:r>
+              <a:rPr lang="en-US" b="0" dirty="0" smtClean="0">
+                <a:solidFill>
+                  <a:srgbClr val="008000"/>
+                </a:solidFill>
+                <a:effectLst/>
+                <a:latin typeface="Consolas" panose="020B0609020204030204" pitchFamily="49" charset="0"/>
+              </a:rPr>
+              <a:t>// -&gt; 1</a:t>
+            </a:r>
+            <a:endParaRPr lang="en-US" b="0" dirty="0" smtClean="0">
+              <a:solidFill>
+                <a:srgbClr val="000000"/>
+              </a:solidFill>
+              <a:effectLst/>
+              <a:latin typeface="Consolas" panose="020B0609020204030204" pitchFamily="49" charset="0"/>
+            </a:endParaRPr>
+          </a:p>
+          <a:p>
+            <a:r>
+              <a:rPr lang="en-US" b="0" dirty="0" err="1" smtClean="0">
+                <a:solidFill>
+                  <a:srgbClr val="000000"/>
+                </a:solidFill>
+                <a:effectLst/>
+                <a:latin typeface="Consolas" panose="020B0609020204030204" pitchFamily="49" charset="0"/>
+              </a:rPr>
+              <a:t>cout</a:t>
+            </a:r>
+            <a:r>
+              <a:rPr lang="en-US" b="0" dirty="0" smtClean="0">
+                <a:solidFill>
+                  <a:srgbClr val="000000"/>
+                </a:solidFill>
+                <a:effectLst/>
+                <a:latin typeface="Consolas" panose="020B0609020204030204" pitchFamily="49" charset="0"/>
+              </a:rPr>
+              <a:t> &lt;&lt; *((</a:t>
+            </a:r>
+            <a:r>
+              <a:rPr lang="en-US" b="0" dirty="0" smtClean="0">
+                <a:solidFill>
+                  <a:srgbClr val="0000FF"/>
+                </a:solidFill>
+                <a:effectLst/>
+                <a:latin typeface="Consolas" panose="020B0609020204030204" pitchFamily="49" charset="0"/>
+              </a:rPr>
+              <a:t>bool</a:t>
+            </a:r>
+            <a:r>
+              <a:rPr lang="en-US" b="0" dirty="0" smtClean="0">
+                <a:solidFill>
+                  <a:srgbClr val="000000"/>
+                </a:solidFill>
+                <a:effectLst/>
+                <a:latin typeface="Consolas" panose="020B0609020204030204" pitchFamily="49" charset="0"/>
+              </a:rPr>
+              <a:t>*)</a:t>
+            </a:r>
+            <a:r>
+              <a:rPr lang="en-US" b="0" dirty="0" err="1" smtClean="0">
+                <a:solidFill>
+                  <a:srgbClr val="000000"/>
+                </a:solidFill>
+                <a:effectLst/>
+                <a:latin typeface="Consolas" panose="020B0609020204030204" pitchFamily="49" charset="0"/>
+              </a:rPr>
+              <a:t>p_void_buffer</a:t>
+            </a:r>
+            <a:r>
+              <a:rPr lang="en-US" b="0" dirty="0" smtClean="0">
+                <a:solidFill>
+                  <a:srgbClr val="000000"/>
+                </a:solidFill>
+                <a:effectLst/>
+                <a:latin typeface="Consolas" panose="020B0609020204030204" pitchFamily="49" charset="0"/>
+              </a:rPr>
+              <a:t>) &lt;&lt; </a:t>
+            </a:r>
+            <a:r>
+              <a:rPr lang="en-US" b="0" dirty="0" smtClean="0">
+                <a:solidFill>
+                  <a:srgbClr val="A31515"/>
+                </a:solidFill>
+                <a:effectLst/>
+                <a:latin typeface="Consolas" panose="020B0609020204030204" pitchFamily="49" charset="0"/>
+              </a:rPr>
+              <a:t>" -&gt; "</a:t>
+            </a:r>
+            <a:r>
+              <a:rPr lang="en-US" b="0" dirty="0" smtClean="0">
+                <a:solidFill>
+                  <a:srgbClr val="000000"/>
+                </a:solidFill>
+                <a:effectLst/>
+                <a:latin typeface="Consolas" panose="020B0609020204030204" pitchFamily="49" charset="0"/>
+              </a:rPr>
+              <a:t> </a:t>
+            </a:r>
+          </a:p>
+          <a:p>
+            <a:r>
+              <a:rPr lang="en-US" b="0" dirty="0" smtClean="0">
+                <a:solidFill>
+                  <a:srgbClr val="000000"/>
+                </a:solidFill>
+                <a:effectLst/>
+                <a:latin typeface="Consolas" panose="020B0609020204030204" pitchFamily="49" charset="0"/>
+              </a:rPr>
+              <a:t>     &lt;&lt; </a:t>
+            </a:r>
+            <a:r>
+              <a:rPr lang="en-US" b="0" dirty="0" err="1" smtClean="0">
+                <a:solidFill>
+                  <a:srgbClr val="0000FF"/>
+                </a:solidFill>
+                <a:effectLst/>
+                <a:latin typeface="Consolas" panose="020B0609020204030204" pitchFamily="49" charset="0"/>
+              </a:rPr>
+              <a:t>sizeof</a:t>
+            </a:r>
+            <a:r>
+              <a:rPr lang="en-US" b="0" dirty="0" smtClean="0">
+                <a:solidFill>
+                  <a:srgbClr val="000000"/>
+                </a:solidFill>
+                <a:effectLst/>
+                <a:latin typeface="Consolas" panose="020B0609020204030204" pitchFamily="49" charset="0"/>
+              </a:rPr>
+              <a:t>(*((</a:t>
+            </a:r>
+            <a:r>
+              <a:rPr lang="en-US" b="0" dirty="0" smtClean="0">
+                <a:solidFill>
+                  <a:srgbClr val="0000FF"/>
+                </a:solidFill>
+                <a:effectLst/>
+                <a:latin typeface="Consolas" panose="020B0609020204030204" pitchFamily="49" charset="0"/>
+              </a:rPr>
+              <a:t>bool</a:t>
+            </a:r>
+            <a:r>
+              <a:rPr lang="en-US" b="0" dirty="0" smtClean="0">
+                <a:solidFill>
+                  <a:srgbClr val="000000"/>
+                </a:solidFill>
+                <a:effectLst/>
+                <a:latin typeface="Consolas" panose="020B0609020204030204" pitchFamily="49" charset="0"/>
+              </a:rPr>
+              <a:t>*)</a:t>
+            </a:r>
+            <a:r>
+              <a:rPr lang="en-US" b="0" dirty="0" err="1" smtClean="0">
+                <a:solidFill>
+                  <a:srgbClr val="000000"/>
+                </a:solidFill>
+                <a:effectLst/>
+                <a:latin typeface="Consolas" panose="020B0609020204030204" pitchFamily="49" charset="0"/>
+              </a:rPr>
+              <a:t>p_void_buffer</a:t>
+            </a:r>
+            <a:r>
+              <a:rPr lang="en-US" b="0" dirty="0" smtClean="0">
+                <a:solidFill>
+                  <a:srgbClr val="000000"/>
+                </a:solidFill>
+                <a:effectLst/>
+                <a:latin typeface="Consolas" panose="020B0609020204030204" pitchFamily="49" charset="0"/>
+              </a:rPr>
+              <a:t>)) &lt;&lt; </a:t>
+            </a:r>
+            <a:r>
+              <a:rPr lang="en-US" b="0" dirty="0" err="1" smtClean="0">
+                <a:solidFill>
+                  <a:srgbClr val="000000"/>
+                </a:solidFill>
+                <a:effectLst/>
+                <a:latin typeface="Consolas" panose="020B0609020204030204" pitchFamily="49" charset="0"/>
+              </a:rPr>
+              <a:t>endl</a:t>
+            </a:r>
+            <a:r>
+              <a:rPr lang="en-US" b="0" dirty="0" smtClean="0">
+                <a:solidFill>
+                  <a:srgbClr val="000000"/>
+                </a:solidFill>
+                <a:effectLst/>
+                <a:latin typeface="Consolas" panose="020B0609020204030204" pitchFamily="49" charset="0"/>
+              </a:rPr>
+              <a:t>;</a:t>
+            </a:r>
+          </a:p>
+          <a:p>
+            <a:r>
+              <a:rPr lang="en-US" b="0" dirty="0" smtClean="0">
+                <a:solidFill>
+                  <a:srgbClr val="008000"/>
+                </a:solidFill>
+                <a:effectLst/>
+                <a:latin typeface="Consolas" panose="020B0609020204030204" pitchFamily="49" charset="0"/>
+              </a:rPr>
+              <a:t>// 1 -&gt; 1</a:t>
+            </a:r>
+            <a:endParaRPr lang="en-US" b="0" dirty="0" smtClean="0">
+              <a:solidFill>
+                <a:srgbClr val="000000"/>
+              </a:solidFill>
+              <a:effectLst/>
+              <a:latin typeface="Consolas" panose="020B0609020204030204" pitchFamily="49" charset="0"/>
+            </a:endParaRPr>
+          </a:p>
+          <a:p>
+            <a:r>
+              <a:rPr lang="en-US" b="0" dirty="0" err="1" smtClean="0">
+                <a:solidFill>
+                  <a:srgbClr val="000000"/>
+                </a:solidFill>
+                <a:effectLst/>
+                <a:latin typeface="Consolas" panose="020B0609020204030204" pitchFamily="49" charset="0"/>
+              </a:rPr>
+              <a:t>cout</a:t>
+            </a:r>
+            <a:r>
+              <a:rPr lang="en-US" b="0" dirty="0" smtClean="0">
+                <a:solidFill>
+                  <a:srgbClr val="000000"/>
+                </a:solidFill>
+                <a:effectLst/>
+                <a:latin typeface="Consolas" panose="020B0609020204030204" pitchFamily="49" charset="0"/>
+              </a:rPr>
+              <a:t> &lt;&lt; *((</a:t>
+            </a:r>
+            <a:r>
+              <a:rPr lang="en-US" b="0" dirty="0" smtClean="0">
+                <a:solidFill>
+                  <a:srgbClr val="0000FF"/>
+                </a:solidFill>
+                <a:effectLst/>
+                <a:latin typeface="Consolas" panose="020B0609020204030204" pitchFamily="49" charset="0"/>
+              </a:rPr>
+              <a:t>double</a:t>
+            </a:r>
+            <a:r>
+              <a:rPr lang="en-US" b="0" dirty="0" smtClean="0">
+                <a:solidFill>
+                  <a:srgbClr val="000000"/>
+                </a:solidFill>
+                <a:effectLst/>
+                <a:latin typeface="Consolas" panose="020B0609020204030204" pitchFamily="49" charset="0"/>
+              </a:rPr>
+              <a:t>*)</a:t>
+            </a:r>
+            <a:r>
+              <a:rPr lang="en-US" b="0" dirty="0" err="1" smtClean="0">
+                <a:solidFill>
+                  <a:srgbClr val="000000"/>
+                </a:solidFill>
+                <a:effectLst/>
+                <a:latin typeface="Consolas" panose="020B0609020204030204" pitchFamily="49" charset="0"/>
+              </a:rPr>
+              <a:t>p_void_buffer</a:t>
+            </a:r>
+            <a:r>
+              <a:rPr lang="en-US" b="0" dirty="0" smtClean="0">
+                <a:solidFill>
+                  <a:srgbClr val="000000"/>
+                </a:solidFill>
+                <a:effectLst/>
+                <a:latin typeface="Consolas" panose="020B0609020204030204" pitchFamily="49" charset="0"/>
+              </a:rPr>
+              <a:t>) &lt;&lt; </a:t>
+            </a:r>
+            <a:r>
+              <a:rPr lang="en-US" b="0" dirty="0" smtClean="0">
+                <a:solidFill>
+                  <a:srgbClr val="A31515"/>
+                </a:solidFill>
+                <a:effectLst/>
+                <a:latin typeface="Consolas" panose="020B0609020204030204" pitchFamily="49" charset="0"/>
+              </a:rPr>
+              <a:t>" -&gt; "</a:t>
+            </a:r>
+            <a:r>
+              <a:rPr lang="en-US" b="0" dirty="0" smtClean="0">
+                <a:solidFill>
+                  <a:srgbClr val="000000"/>
+                </a:solidFill>
+                <a:effectLst/>
+                <a:latin typeface="Consolas" panose="020B0609020204030204" pitchFamily="49" charset="0"/>
+              </a:rPr>
+              <a:t> </a:t>
+            </a:r>
+          </a:p>
+          <a:p>
+            <a:r>
+              <a:rPr lang="en-US" b="0" dirty="0" smtClean="0">
+                <a:solidFill>
+                  <a:srgbClr val="000000"/>
+                </a:solidFill>
+                <a:effectLst/>
+                <a:latin typeface="Consolas" panose="020B0609020204030204" pitchFamily="49" charset="0"/>
+              </a:rPr>
+              <a:t>     &lt;&lt; </a:t>
+            </a:r>
+            <a:r>
+              <a:rPr lang="en-US" b="0" dirty="0" err="1" smtClean="0">
+                <a:solidFill>
+                  <a:srgbClr val="0000FF"/>
+                </a:solidFill>
+                <a:effectLst/>
+                <a:latin typeface="Consolas" panose="020B0609020204030204" pitchFamily="49" charset="0"/>
+              </a:rPr>
+              <a:t>sizeof</a:t>
+            </a:r>
+            <a:r>
+              <a:rPr lang="en-US" b="0" dirty="0" smtClean="0">
+                <a:solidFill>
+                  <a:srgbClr val="000000"/>
+                </a:solidFill>
+                <a:effectLst/>
+                <a:latin typeface="Consolas" panose="020B0609020204030204" pitchFamily="49" charset="0"/>
+              </a:rPr>
+              <a:t>(*((</a:t>
+            </a:r>
+            <a:r>
+              <a:rPr lang="en-US" b="0" dirty="0" smtClean="0">
+                <a:solidFill>
+                  <a:srgbClr val="0000FF"/>
+                </a:solidFill>
+                <a:effectLst/>
+                <a:latin typeface="Consolas" panose="020B0609020204030204" pitchFamily="49" charset="0"/>
+              </a:rPr>
+              <a:t>double</a:t>
+            </a:r>
+            <a:r>
+              <a:rPr lang="en-US" b="0" dirty="0" smtClean="0">
+                <a:solidFill>
+                  <a:srgbClr val="000000"/>
+                </a:solidFill>
+                <a:effectLst/>
+                <a:latin typeface="Consolas" panose="020B0609020204030204" pitchFamily="49" charset="0"/>
+              </a:rPr>
+              <a:t>*)</a:t>
+            </a:r>
+            <a:r>
+              <a:rPr lang="en-US" b="0" dirty="0" err="1" smtClean="0">
+                <a:solidFill>
+                  <a:srgbClr val="000000"/>
+                </a:solidFill>
+                <a:effectLst/>
+                <a:latin typeface="Consolas" panose="020B0609020204030204" pitchFamily="49" charset="0"/>
+              </a:rPr>
+              <a:t>p_void_buffer</a:t>
+            </a:r>
+            <a:r>
+              <a:rPr lang="en-US" b="0" dirty="0" smtClean="0">
+                <a:solidFill>
+                  <a:srgbClr val="000000"/>
+                </a:solidFill>
+                <a:effectLst/>
+                <a:latin typeface="Consolas" panose="020B0609020204030204" pitchFamily="49" charset="0"/>
+              </a:rPr>
+              <a:t>)) &lt;&lt; </a:t>
+            </a:r>
+            <a:r>
+              <a:rPr lang="en-US" b="0" dirty="0" err="1" smtClean="0">
+                <a:solidFill>
+                  <a:srgbClr val="000000"/>
+                </a:solidFill>
+                <a:effectLst/>
+                <a:latin typeface="Consolas" panose="020B0609020204030204" pitchFamily="49" charset="0"/>
+              </a:rPr>
+              <a:t>endl</a:t>
+            </a:r>
+            <a:r>
+              <a:rPr lang="en-US" b="0" dirty="0" smtClean="0">
+                <a:solidFill>
+                  <a:srgbClr val="000000"/>
+                </a:solidFill>
+                <a:effectLst/>
+                <a:latin typeface="Consolas" panose="020B0609020204030204" pitchFamily="49" charset="0"/>
+              </a:rPr>
+              <a:t>;</a:t>
+            </a:r>
+          </a:p>
+          <a:p>
+            <a:r>
+              <a:rPr lang="en-US" b="0" dirty="0" smtClean="0">
+                <a:solidFill>
+                  <a:srgbClr val="008000"/>
+                </a:solidFill>
+                <a:effectLst/>
+                <a:latin typeface="Consolas" panose="020B0609020204030204" pitchFamily="49" charset="0"/>
+              </a:rPr>
+              <a:t>// 4.24399e-314 -&gt; 8</a:t>
+            </a:r>
+            <a:endParaRPr lang="en-US" b="0" dirty="0">
+              <a:solidFill>
+                <a:srgbClr val="000000"/>
+              </a:solidFill>
+              <a:effectLst/>
+              <a:latin typeface="Consolas" panose="020B0609020204030204" pitchFamily="49" charset="0"/>
+            </a:endParaRPr>
+          </a:p>
+        </p:txBody>
+      </p:sp>
+      <p:sp>
+        <p:nvSpPr>
+          <p:cNvPr id="5" name="Прямоугольник 4"/>
+          <p:cNvSpPr/>
+          <p:nvPr/>
+        </p:nvSpPr>
+        <p:spPr>
+          <a:xfrm>
+            <a:off x="4012744" y="0"/>
+            <a:ext cx="4166590" cy="523220"/>
+          </a:xfrm>
+          <a:prstGeom prst="rect">
+            <a:avLst/>
+          </a:prstGeom>
+        </p:spPr>
+        <p:txBody>
+          <a:bodyPr wrap="none">
+            <a:spAutoFit/>
+          </a:bodyPr>
+          <a:lstStyle/>
+          <a:p>
+            <a:pPr algn="ctr"/>
+            <a:r>
+              <a:rPr lang="ru-RU" sz="2800" b="1" dirty="0" smtClean="0">
+                <a:latin typeface="Calibri" panose="020F0502020204030204" pitchFamily="34" charset="0"/>
+              </a:rPr>
+              <a:t>Тип </a:t>
+            </a:r>
+            <a:r>
+              <a:rPr lang="en-US" sz="2800" b="1" dirty="0" smtClean="0">
+                <a:latin typeface="Calibri" panose="020F0502020204030204" pitchFamily="34" charset="0"/>
+              </a:rPr>
+              <a:t>void</a:t>
+            </a:r>
+            <a:r>
+              <a:rPr lang="ru-RU" sz="2800" b="1" dirty="0">
+                <a:latin typeface="Calibri" panose="020F0502020204030204" pitchFamily="34" charset="0"/>
+              </a:rPr>
+              <a:t> </a:t>
+            </a:r>
+            <a:r>
+              <a:rPr lang="ru-RU" sz="2800" b="1" dirty="0" smtClean="0">
+                <a:latin typeface="Calibri" panose="020F0502020204030204" pitchFamily="34" charset="0"/>
+              </a:rPr>
+              <a:t>и </a:t>
+            </a:r>
+            <a:r>
+              <a:rPr lang="en-US" sz="2800" b="1" dirty="0" smtClean="0">
+                <a:latin typeface="Calibri" panose="020F0502020204030204" pitchFamily="34" charset="0"/>
+              </a:rPr>
+              <a:t>void*: </a:t>
+            </a:r>
+            <a:r>
+              <a:rPr lang="ru-RU" sz="2800" b="1" dirty="0" smtClean="0">
+                <a:latin typeface="Calibri" panose="020F0502020204030204" pitchFamily="34" charset="0"/>
+              </a:rPr>
+              <a:t>Пример.</a:t>
+            </a:r>
+            <a:endParaRPr lang="ru-RU" sz="2800" b="1" dirty="0">
+              <a:latin typeface="Calibri" panose="020F0502020204030204" pitchFamily="34" charset="0"/>
+            </a:endParaRPr>
+          </a:p>
+        </p:txBody>
+      </p:sp>
+      <p:pic>
+        <p:nvPicPr>
+          <p:cNvPr id="6146" name="Picture 2" descr="My new little business... Или как я парикмахерскую открывать собрался.  Часть 4 | Пикабу"/>
+          <p:cNvPicPr>
+            <a:picLocks noChangeAspect="1" noChangeArrowheads="1"/>
+          </p:cNvPicPr>
+          <p:nvPr/>
+        </p:nvPicPr>
+        <p:blipFill>
+          <a:blip r:embed="rId2">
+            <a:extLst>
+              <a:ext uri="{28A0092B-C50C-407E-A947-70E740481C1C}">
+                <a14:useLocalDpi xmlns:a14="http://schemas.microsoft.com/office/drawing/2010/main" val="0"/>
+              </a:ext>
+            </a:extLst>
+          </a:blip>
+          <a:srcRect/>
+          <a:stretch>
+            <a:fillRect/>
+          </a:stretch>
+        </p:blipFill>
+        <p:spPr bwMode="auto">
+          <a:xfrm>
+            <a:off x="316872" y="1644416"/>
+            <a:ext cx="4470431" cy="3620016"/>
+          </a:xfrm>
+          <a:prstGeom prst="rect">
+            <a:avLst/>
+          </a:prstGeom>
+          <a:noFill/>
+          <a:extLst>
+            <a:ext uri="{909E8E84-426E-40DD-AFC4-6F175D3DCCD1}">
+              <a14:hiddenFill xmlns:a14="http://schemas.microsoft.com/office/drawing/2010/main">
+                <a:solidFill>
+                  <a:srgbClr val="FFFFFF"/>
+                </a:solidFill>
+              </a14:hiddenFill>
+            </a:ext>
+          </a:extLst>
+        </p:spPr>
+      </p:pic>
+    </p:spTree>
+    <p:extLst>
+      <p:ext uri="{BB962C8B-B14F-4D97-AF65-F5344CB8AC3E}">
+        <p14:creationId xmlns:p14="http://schemas.microsoft.com/office/powerpoint/2010/main" val="2385823335"/>
+      </p:ext>
+    </p:extLst>
+  </p:cSld>
+  <p:clrMapOvr>
+    <a:masterClrMapping/>
+  </p:clrMapOvr>
+</p:sld>
+</file>
+
+<file path=ppt/slides/slide11.xml><?xml version="1.0" encoding="utf-8"?>
+<p:sld xmlns:a="http://schemas.openxmlformats.org/drawingml/2006/main" xmlns:r="http://schemas.openxmlformats.org/officeDocument/2006/relationships" xmlns:p="http://schemas.openxmlformats.org/presentationml/2006/main">
+  <p:cSld>
+    <p:spTree>
+      <p:nvGrpSpPr>
+        <p:cNvPr id="1" name=""/>
+        <p:cNvGrpSpPr/>
+        <p:nvPr/>
+      </p:nvGrpSpPr>
+      <p:grpSpPr>
+        <a:xfrm>
+          <a:off x="0" y="0"/>
+          <a:ext cx="0" cy="0"/>
+          <a:chOff x="0" y="0"/>
+          <a:chExt cx="0" cy="0"/>
+        </a:xfrm>
+      </p:grpSpPr>
+      <p:sp>
+        <p:nvSpPr>
           <p:cNvPr id="2" name="Прямоугольник 1"/>
           <p:cNvSpPr/>
           <p:nvPr/>
@@ -4058,7 +5610,7 @@
 </p:sld>
 </file>
 
-<file path=ppt/slides/slide11.xml><?xml version="1.0" encoding="utf-8"?>
+<file path=ppt/slides/slide12.xml><?xml version="1.0" encoding="utf-8"?>
 <p:sld xmlns:a="http://schemas.openxmlformats.org/drawingml/2006/main" xmlns:r="http://schemas.openxmlformats.org/officeDocument/2006/relationships" xmlns:p="http://schemas.openxmlformats.org/presentationml/2006/main">
   <p:cSld>
     <p:spTree>
@@ -5218,7 +6770,7 @@
 </p:sld>
 </file>
 
-<file path=ppt/slides/slide12.xml><?xml version="1.0" encoding="utf-8"?>
+<file path=ppt/slides/slide13.xml><?xml version="1.0" encoding="utf-8"?>
 <p:sld xmlns:a="http://schemas.openxmlformats.org/drawingml/2006/main" xmlns:r="http://schemas.openxmlformats.org/officeDocument/2006/relationships" xmlns:p="http://schemas.openxmlformats.org/presentationml/2006/main">
   <p:cSld>
     <p:spTree>
@@ -5243,8 +6795,8 @@
         </p:nvSpPr>
         <p:spPr>
           <a:xfrm>
-            <a:off x="3991450" y="0"/>
-            <a:ext cx="4209166" cy="523220"/>
+            <a:off x="3081100" y="0"/>
+            <a:ext cx="6029920" cy="523220"/>
           </a:xfrm>
           <a:prstGeom prst="rect">
             <a:avLst/>
@@ -5267,19 +6819,13 @@
               <a:rPr lang="en-US" sz="2800" b="1" dirty="0" smtClean="0">
                 <a:latin typeface="Calibri" panose="020F0502020204030204" pitchFamily="34" charset="0"/>
               </a:rPr>
-              <a:t>new</a:t>
-            </a:r>
-            <a:r>
-              <a:rPr lang="en-US" sz="2800" b="1" dirty="0">
-                <a:latin typeface="Calibri" panose="020F0502020204030204" pitchFamily="34" charset="0"/>
-              </a:rPr>
-              <a:t> </a:t>
+              <a:t>new </a:t>
             </a:r>
             <a:r>
               <a:rPr lang="ru-RU" sz="2800" b="1" dirty="0" smtClean="0">
                 <a:latin typeface="Calibri" panose="020F0502020204030204" pitchFamily="34" charset="0"/>
               </a:rPr>
-              <a:t>и массивы</a:t>
+              <a:t>и одномерный массив</a:t>
             </a:r>
             <a:endParaRPr lang="ru-RU" sz="2800" b="1" dirty="0">
               <a:latin typeface="Calibri" panose="020F0502020204030204" pitchFamily="34" charset="0"/>
@@ -5289,57 +6835,345 @@
       </p:sp>
       <p:sp>
         <p:nvSpPr>
-          <p:cNvPr id="3" name="TextBox 2"/>
-          <p:cNvSpPr txBox="1"/>
-          <p:nvPr/>
-        </p:nvSpPr>
-        <p:spPr>
-          <a:xfrm>
-            <a:off x="508399" y="981011"/>
-            <a:ext cx="11233945" cy="646331"/>
-          </a:xfrm>
-          <a:prstGeom prst="rect">
-            <a:avLst/>
-          </a:prstGeom>
-          <a:noFill/>
-        </p:spPr>
-        <p:txBody>
-          <a:bodyPr wrap="square" rtlCol="0">
-            <a:spAutoFit/>
-          </a:bodyPr>
-          <a:lstStyle/>
-          <a:p>
-            <a:r>
-              <a:rPr lang="ru-RU" dirty="0" smtClean="0"/>
-              <a:t>При помощи оператора </a:t>
-            </a:r>
-            <a:r>
-              <a:rPr lang="en-US" dirty="0" smtClean="0"/>
-              <a:t>new </a:t>
-            </a:r>
-            <a:r>
-              <a:rPr lang="ru-RU" dirty="0" smtClean="0"/>
-              <a:t>мы можем выделять динамические массивы.</a:t>
-            </a:r>
-          </a:p>
-          <a:p>
-            <a:r>
-              <a:rPr lang="ru-RU" dirty="0" smtClean="0"/>
-              <a:t>! Помните, что их так же нужно удалять.</a:t>
-            </a:r>
-            <a:endParaRPr lang="ru-RU" dirty="0"/>
-          </a:p>
-        </p:txBody>
-      </p:sp>
-      <p:sp>
-        <p:nvSpPr>
-          <p:cNvPr id="4" name="Прямоугольник 3"/>
+          <p:cNvPr id="3" name="Прямоугольник 2"/>
           <p:cNvSpPr/>
           <p:nvPr/>
         </p:nvSpPr>
         <p:spPr>
           <a:xfrm>
-            <a:off x="1824671" y="1627342"/>
+            <a:off x="467763" y="680507"/>
+            <a:ext cx="11256475" cy="646331"/>
+          </a:xfrm>
+          <a:prstGeom prst="rect">
+            <a:avLst/>
+          </a:prstGeom>
+        </p:spPr>
+        <p:txBody>
+          <a:bodyPr wrap="square">
+            <a:spAutoFit/>
+          </a:bodyPr>
+          <a:lstStyle/>
+          <a:p>
+            <a:r>
+              <a:rPr lang="ru-RU" dirty="0" smtClean="0">
+                <a:latin typeface="Calibri" panose="020F0502020204030204" pitchFamily="34" charset="0"/>
+              </a:rPr>
+              <a:t>Логично что массивы возможно выделять как в статической памяти, так и в динамической, однако в памяти они хранятся по разному</a:t>
+            </a:r>
+            <a:r>
+              <a:rPr lang="en-US" dirty="0" smtClean="0">
+                <a:latin typeface="Calibri" panose="020F0502020204030204" pitchFamily="34" charset="0"/>
+              </a:rPr>
+              <a:t>:</a:t>
+            </a:r>
+            <a:endParaRPr lang="ru-RU" dirty="0" smtClean="0">
+              <a:latin typeface="Calibri" panose="020F0502020204030204" pitchFamily="34" charset="0"/>
+            </a:endParaRPr>
+          </a:p>
+        </p:txBody>
+      </p:sp>
+      <p:pic>
+        <p:nvPicPr>
+          <p:cNvPr id="5" name="Рисунок 4"/>
+          <p:cNvPicPr>
+            <a:picLocks noChangeAspect="1"/>
+          </p:cNvPicPr>
+          <p:nvPr/>
+        </p:nvPicPr>
+        <p:blipFill>
+          <a:blip r:embed="rId2"/>
+          <a:stretch>
+            <a:fillRect/>
+          </a:stretch>
+        </p:blipFill>
+        <p:spPr>
+          <a:xfrm>
+            <a:off x="912000" y="2888590"/>
+            <a:ext cx="10368000" cy="990000"/>
+          </a:xfrm>
+          <a:prstGeom prst="rect">
+            <a:avLst/>
+          </a:prstGeom>
+        </p:spPr>
+      </p:pic>
+      <p:sp>
+        <p:nvSpPr>
+          <p:cNvPr id="7" name="Прямоугольник 6"/>
+          <p:cNvSpPr/>
+          <p:nvPr/>
+        </p:nvSpPr>
+        <p:spPr>
+          <a:xfrm>
+            <a:off x="467763" y="1483125"/>
+            <a:ext cx="2464136" cy="369332"/>
+          </a:xfrm>
+          <a:prstGeom prst="rect">
+            <a:avLst/>
+          </a:prstGeom>
+        </p:spPr>
+        <p:txBody>
+          <a:bodyPr wrap="none">
+            <a:spAutoFit/>
+          </a:bodyPr>
+          <a:lstStyle/>
+          <a:p>
+            <a:r>
+              <a:rPr lang="en-US" dirty="0" err="1">
+                <a:solidFill>
+                  <a:srgbClr val="0000FF"/>
+                </a:solidFill>
+                <a:latin typeface="Consolas" panose="020B0609020204030204" pitchFamily="49" charset="0"/>
+              </a:rPr>
+              <a:t>int</a:t>
+            </a:r>
+            <a:r>
+              <a:rPr lang="en-US" dirty="0">
+                <a:solidFill>
+                  <a:srgbClr val="000000"/>
+                </a:solidFill>
+                <a:latin typeface="Consolas" panose="020B0609020204030204" pitchFamily="49" charset="0"/>
+              </a:rPr>
+              <a:t> </a:t>
+            </a:r>
+            <a:r>
+              <a:rPr lang="en-US" dirty="0" err="1">
+                <a:solidFill>
+                  <a:srgbClr val="000000"/>
+                </a:solidFill>
+                <a:latin typeface="Consolas" panose="020B0609020204030204" pitchFamily="49" charset="0"/>
+              </a:rPr>
+              <a:t>mass_stack</a:t>
+            </a:r>
+            <a:r>
+              <a:rPr lang="en-US" dirty="0">
+                <a:solidFill>
+                  <a:srgbClr val="000000"/>
+                </a:solidFill>
+                <a:latin typeface="Consolas" panose="020B0609020204030204" pitchFamily="49" charset="0"/>
+              </a:rPr>
+              <a:t>[N];</a:t>
+            </a:r>
+            <a:endParaRPr lang="en-US" b="0" dirty="0">
+              <a:solidFill>
+                <a:srgbClr val="000000"/>
+              </a:solidFill>
+              <a:effectLst/>
+              <a:latin typeface="Consolas" panose="020B0609020204030204" pitchFamily="49" charset="0"/>
+            </a:endParaRPr>
+          </a:p>
+        </p:txBody>
+      </p:sp>
+      <p:sp>
+        <p:nvSpPr>
+          <p:cNvPr id="8" name="Прямоугольник 7"/>
+          <p:cNvSpPr/>
+          <p:nvPr/>
+        </p:nvSpPr>
+        <p:spPr>
+          <a:xfrm>
+            <a:off x="2931899" y="1467020"/>
+            <a:ext cx="8675383" cy="369332"/>
+          </a:xfrm>
+          <a:prstGeom prst="rect">
+            <a:avLst/>
+          </a:prstGeom>
+        </p:spPr>
+        <p:txBody>
+          <a:bodyPr wrap="square">
+            <a:spAutoFit/>
+          </a:bodyPr>
+          <a:lstStyle/>
+          <a:p>
+            <a:r>
+              <a:rPr lang="ru-RU" dirty="0" smtClean="0">
+                <a:latin typeface="Calibri" panose="020F0502020204030204" pitchFamily="34" charset="0"/>
+              </a:rPr>
+              <a:t>Выделение памяти под массив в стеке</a:t>
+            </a:r>
+            <a:endParaRPr lang="ru-RU" dirty="0" smtClean="0">
+              <a:latin typeface="Calibri" panose="020F0502020204030204" pitchFamily="34" charset="0"/>
+            </a:endParaRPr>
+          </a:p>
+        </p:txBody>
+      </p:sp>
+      <p:sp>
+        <p:nvSpPr>
+          <p:cNvPr id="10" name="Прямоугольник 9"/>
+          <p:cNvSpPr/>
+          <p:nvPr/>
+        </p:nvSpPr>
+        <p:spPr>
+          <a:xfrm>
+            <a:off x="467763" y="2161700"/>
+            <a:ext cx="3730508" cy="369332"/>
+          </a:xfrm>
+          <a:prstGeom prst="rect">
+            <a:avLst/>
+          </a:prstGeom>
+        </p:spPr>
+        <p:txBody>
+          <a:bodyPr wrap="none">
+            <a:spAutoFit/>
+          </a:bodyPr>
+          <a:lstStyle/>
+          <a:p>
+            <a:r>
+              <a:rPr lang="en-US" dirty="0" err="1">
+                <a:solidFill>
+                  <a:srgbClr val="0000FF"/>
+                </a:solidFill>
+                <a:latin typeface="Consolas" panose="020B0609020204030204" pitchFamily="49" charset="0"/>
+              </a:rPr>
+              <a:t>int</a:t>
+            </a:r>
+            <a:r>
+              <a:rPr lang="en-US" dirty="0">
+                <a:solidFill>
+                  <a:srgbClr val="000000"/>
+                </a:solidFill>
+                <a:latin typeface="Consolas" panose="020B0609020204030204" pitchFamily="49" charset="0"/>
+              </a:rPr>
+              <a:t>* </a:t>
+            </a:r>
+            <a:r>
+              <a:rPr lang="en-US" dirty="0" err="1">
+                <a:solidFill>
+                  <a:srgbClr val="000000"/>
+                </a:solidFill>
+                <a:latin typeface="Consolas" panose="020B0609020204030204" pitchFamily="49" charset="0"/>
+              </a:rPr>
+              <a:t>mass_heap</a:t>
+            </a:r>
+            <a:r>
+              <a:rPr lang="en-US" dirty="0">
+                <a:solidFill>
+                  <a:srgbClr val="000000"/>
+                </a:solidFill>
+                <a:latin typeface="Consolas" panose="020B0609020204030204" pitchFamily="49" charset="0"/>
+              </a:rPr>
+              <a:t> = </a:t>
+            </a:r>
+            <a:r>
+              <a:rPr lang="en-US" dirty="0">
+                <a:solidFill>
+                  <a:srgbClr val="0000FF"/>
+                </a:solidFill>
+                <a:latin typeface="Consolas" panose="020B0609020204030204" pitchFamily="49" charset="0"/>
+              </a:rPr>
+              <a:t>new</a:t>
+            </a:r>
+            <a:r>
+              <a:rPr lang="en-US" dirty="0">
+                <a:solidFill>
+                  <a:srgbClr val="000000"/>
+                </a:solidFill>
+                <a:latin typeface="Consolas" panose="020B0609020204030204" pitchFamily="49" charset="0"/>
+              </a:rPr>
+              <a:t> </a:t>
+            </a:r>
+            <a:r>
+              <a:rPr lang="en-US" dirty="0" err="1">
+                <a:solidFill>
+                  <a:srgbClr val="0000FF"/>
+                </a:solidFill>
+                <a:latin typeface="Consolas" panose="020B0609020204030204" pitchFamily="49" charset="0"/>
+              </a:rPr>
+              <a:t>int</a:t>
+            </a:r>
+            <a:r>
+              <a:rPr lang="en-US" dirty="0">
+                <a:solidFill>
+                  <a:srgbClr val="000000"/>
+                </a:solidFill>
+                <a:latin typeface="Consolas" panose="020B0609020204030204" pitchFamily="49" charset="0"/>
+              </a:rPr>
+              <a:t>[N];</a:t>
+            </a:r>
+            <a:endParaRPr lang="en-US" b="0" dirty="0">
+              <a:solidFill>
+                <a:srgbClr val="000000"/>
+              </a:solidFill>
+              <a:effectLst/>
+              <a:latin typeface="Consolas" panose="020B0609020204030204" pitchFamily="49" charset="0"/>
+            </a:endParaRPr>
+          </a:p>
+        </p:txBody>
+      </p:sp>
+      <p:sp>
+        <p:nvSpPr>
+          <p:cNvPr id="11" name="Прямоугольник 10"/>
+          <p:cNvSpPr/>
+          <p:nvPr/>
+        </p:nvSpPr>
+        <p:spPr>
+          <a:xfrm>
+            <a:off x="4198271" y="2177805"/>
+            <a:ext cx="7409011" cy="369332"/>
+          </a:xfrm>
+          <a:prstGeom prst="rect">
+            <a:avLst/>
+          </a:prstGeom>
+        </p:spPr>
+        <p:txBody>
+          <a:bodyPr wrap="square">
+            <a:spAutoFit/>
+          </a:bodyPr>
+          <a:lstStyle/>
+          <a:p>
+            <a:r>
+              <a:rPr lang="ru-RU" dirty="0" smtClean="0">
+                <a:latin typeface="Calibri" panose="020F0502020204030204" pitchFamily="34" charset="0"/>
+              </a:rPr>
+              <a:t>Выделение памяти под массив в куче</a:t>
+            </a:r>
+            <a:endParaRPr lang="ru-RU" dirty="0" smtClean="0">
+              <a:latin typeface="Calibri" panose="020F0502020204030204" pitchFamily="34" charset="0"/>
+            </a:endParaRPr>
+          </a:p>
+        </p:txBody>
+      </p:sp>
+      <p:sp>
+        <p:nvSpPr>
+          <p:cNvPr id="12" name="Прямоугольник 11"/>
+          <p:cNvSpPr/>
+          <p:nvPr/>
+        </p:nvSpPr>
+        <p:spPr>
+          <a:xfrm>
+            <a:off x="343563" y="4215382"/>
+            <a:ext cx="11256475" cy="1200329"/>
+          </a:xfrm>
+          <a:prstGeom prst="rect">
+            <a:avLst/>
+          </a:prstGeom>
+        </p:spPr>
+        <p:txBody>
+          <a:bodyPr wrap="square">
+            <a:spAutoFit/>
+          </a:bodyPr>
+          <a:lstStyle/>
+          <a:p>
+            <a:r>
+              <a:rPr lang="ru-RU" dirty="0" smtClean="0">
+                <a:latin typeface="Calibri" panose="020F0502020204030204" pitchFamily="34" charset="0"/>
+              </a:rPr>
+              <a:t>Визуально в памяти одномерный массив выделенный в куче и массив выделенный в стеке выглядят одинаково, это последовательно размеченная друг за другом память начинающаяся с определенной ячейки и продолжающаяся в длину столько ячеек сколько элементов содержит массив помноженный на размер типа, т.е. то сколько тип конкретного массива занимает в памяти</a:t>
+            </a:r>
+            <a:endParaRPr lang="ru-RU" dirty="0" smtClean="0">
+              <a:latin typeface="Calibri" panose="020F0502020204030204" pitchFamily="34" charset="0"/>
+            </a:endParaRPr>
+          </a:p>
+        </p:txBody>
+      </p:sp>
+      <p:sp>
+        <p:nvSpPr>
+          <p:cNvPr id="14" name="Прямоугольник 13"/>
+          <p:cNvSpPr/>
+          <p:nvPr/>
+        </p:nvSpPr>
+        <p:spPr>
+          <a:xfrm>
+            <a:off x="1824638" y="5546835"/>
             <a:ext cx="8542723" cy="369332"/>
           </a:xfrm>
           <a:prstGeom prst="rect">
@@ -5500,147 +7334,14 @@
       </p:sp>
       <p:sp>
         <p:nvSpPr>
-          <p:cNvPr id="5" name="Прямоугольник 4"/>
+          <p:cNvPr id="16" name="Прямоугольник 15"/>
           <p:cNvSpPr/>
           <p:nvPr/>
         </p:nvSpPr>
         <p:spPr>
           <a:xfrm>
-            <a:off x="4230778" y="2025377"/>
-            <a:ext cx="3730508" cy="646331"/>
-          </a:xfrm>
-          <a:prstGeom prst="rect">
-            <a:avLst/>
-          </a:prstGeom>
-        </p:spPr>
-        <p:txBody>
-          <a:bodyPr wrap="none">
-            <a:spAutoFit/>
-          </a:bodyPr>
-          <a:lstStyle/>
-          <a:p>
-            <a:r>
-              <a:rPr lang="en-US" b="0" dirty="0" err="1" smtClean="0">
-                <a:solidFill>
-                  <a:srgbClr val="0000FF"/>
-                </a:solidFill>
-                <a:effectLst/>
-                <a:latin typeface="Consolas" panose="020B0609020204030204" pitchFamily="49" charset="0"/>
-              </a:rPr>
-              <a:t>int</a:t>
-            </a:r>
-            <a:r>
-              <a:rPr lang="en-US" b="0" dirty="0" smtClean="0">
-                <a:solidFill>
-                  <a:srgbClr val="000000"/>
-                </a:solidFill>
-                <a:effectLst/>
-                <a:latin typeface="Consolas" panose="020B0609020204030204" pitchFamily="49" charset="0"/>
-              </a:rPr>
-              <a:t>* </a:t>
-            </a:r>
-            <a:r>
-              <a:rPr lang="en-US" b="0" dirty="0" err="1" smtClean="0">
-                <a:solidFill>
-                  <a:srgbClr val="000000"/>
-                </a:solidFill>
-                <a:effectLst/>
-                <a:latin typeface="Consolas" panose="020B0609020204030204" pitchFamily="49" charset="0"/>
-              </a:rPr>
-              <a:t>new_array</a:t>
-            </a:r>
-            <a:r>
-              <a:rPr lang="en-US" b="0" dirty="0" smtClean="0">
-                <a:solidFill>
-                  <a:srgbClr val="000000"/>
-                </a:solidFill>
-                <a:effectLst/>
-                <a:latin typeface="Consolas" panose="020B0609020204030204" pitchFamily="49" charset="0"/>
-              </a:rPr>
-              <a:t> = </a:t>
-            </a:r>
-            <a:r>
-              <a:rPr lang="en-US" b="0" dirty="0" smtClean="0">
-                <a:solidFill>
-                  <a:srgbClr val="0000FF"/>
-                </a:solidFill>
-                <a:effectLst/>
-                <a:latin typeface="Consolas" panose="020B0609020204030204" pitchFamily="49" charset="0"/>
-              </a:rPr>
-              <a:t>new</a:t>
-            </a:r>
-            <a:r>
-              <a:rPr lang="en-US" b="0" dirty="0" smtClean="0">
-                <a:solidFill>
-                  <a:srgbClr val="000000"/>
-                </a:solidFill>
-                <a:effectLst/>
-                <a:latin typeface="Consolas" panose="020B0609020204030204" pitchFamily="49" charset="0"/>
-              </a:rPr>
-              <a:t> </a:t>
-            </a:r>
-            <a:r>
-              <a:rPr lang="en-US" b="0" dirty="0" err="1" smtClean="0">
-                <a:solidFill>
-                  <a:srgbClr val="0000FF"/>
-                </a:solidFill>
-                <a:effectLst/>
-                <a:latin typeface="Consolas" panose="020B0609020204030204" pitchFamily="49" charset="0"/>
-              </a:rPr>
-              <a:t>int</a:t>
-            </a:r>
-            <a:r>
-              <a:rPr lang="en-US" b="0" dirty="0" smtClean="0">
-                <a:solidFill>
-                  <a:srgbClr val="000000"/>
-                </a:solidFill>
-                <a:effectLst/>
-                <a:latin typeface="Consolas" panose="020B0609020204030204" pitchFamily="49" charset="0"/>
-              </a:rPr>
-              <a:t>[N];</a:t>
-            </a:r>
-          </a:p>
-          <a:p>
-            <a:r>
-              <a:rPr lang="en-US" dirty="0" smtClean="0"/>
-              <a:t>delete </a:t>
-            </a:r>
-            <a:r>
-              <a:rPr lang="en-US" b="0" dirty="0" smtClean="0">
-                <a:solidFill>
-                  <a:srgbClr val="000000"/>
-                </a:solidFill>
-                <a:effectLst/>
-                <a:latin typeface="Consolas" panose="020B0609020204030204" pitchFamily="49" charset="0"/>
-              </a:rPr>
-              <a:t>[]</a:t>
-            </a:r>
-            <a:r>
-              <a:rPr lang="en-US" dirty="0"/>
-              <a:t> </a:t>
-            </a:r>
-            <a:r>
-              <a:rPr lang="en-US" dirty="0" err="1"/>
-              <a:t>new_array</a:t>
-            </a:r>
-            <a:r>
-              <a:rPr lang="en-US" dirty="0" smtClean="0"/>
-              <a:t>;</a:t>
-            </a:r>
-            <a:endParaRPr lang="en-US" dirty="0"/>
-          </a:p>
-        </p:txBody>
-      </p:sp>
-      <p:sp>
-        <p:nvSpPr>
-          <p:cNvPr id="7" name="Прямоугольник 6"/>
-          <p:cNvSpPr/>
-          <p:nvPr/>
-        </p:nvSpPr>
-        <p:spPr>
-          <a:xfrm>
-            <a:off x="508399" y="4586140"/>
-            <a:ext cx="4520697" cy="1754326"/>
+            <a:off x="1824638" y="6047291"/>
+            <a:ext cx="8478206" cy="369332"/>
           </a:xfrm>
           <a:prstGeom prst="rect">
             <a:avLst/>
@@ -5653,518 +7354,22 @@
           <a:lstStyle/>
           <a:p>
             <a:r>
-              <a:rPr lang="en-US" b="0" dirty="0" err="1" smtClean="0">
-                <a:solidFill>
-                  <a:srgbClr val="0000FF"/>
-                </a:solidFill>
-                <a:effectLst/>
-                <a:latin typeface="Consolas" panose="020B0609020204030204" pitchFamily="49" charset="0"/>
-              </a:rPr>
-              <a:t>int</a:t>
-            </a:r>
-            <a:r>
-              <a:rPr lang="en-US" b="0" dirty="0" smtClean="0">
-                <a:solidFill>
-                  <a:srgbClr val="000000"/>
-                </a:solidFill>
-                <a:effectLst/>
-                <a:latin typeface="Consolas" panose="020B0609020204030204" pitchFamily="49" charset="0"/>
-              </a:rPr>
-              <a:t>** new_2D_array = </a:t>
-            </a:r>
-            <a:r>
-              <a:rPr lang="en-US" b="0" dirty="0" smtClean="0">
-                <a:solidFill>
-                  <a:srgbClr val="0000FF"/>
-                </a:solidFill>
-                <a:effectLst/>
-                <a:latin typeface="Consolas" panose="020B0609020204030204" pitchFamily="49" charset="0"/>
-              </a:rPr>
-              <a:t>new</a:t>
-            </a:r>
-            <a:r>
-              <a:rPr lang="en-US" b="0" dirty="0" smtClean="0">
-                <a:solidFill>
-                  <a:srgbClr val="000000"/>
-                </a:solidFill>
-                <a:effectLst/>
-                <a:latin typeface="Consolas" panose="020B0609020204030204" pitchFamily="49" charset="0"/>
-              </a:rPr>
-              <a:t> </a:t>
-            </a:r>
-            <a:r>
-              <a:rPr lang="en-US" b="0" dirty="0" err="1" smtClean="0">
-                <a:solidFill>
-                  <a:srgbClr val="0000FF"/>
-                </a:solidFill>
-                <a:effectLst/>
-                <a:latin typeface="Consolas" panose="020B0609020204030204" pitchFamily="49" charset="0"/>
-              </a:rPr>
-              <a:t>int</a:t>
-            </a:r>
-            <a:r>
-              <a:rPr lang="en-US" b="0" dirty="0" smtClean="0">
-                <a:solidFill>
-                  <a:srgbClr val="000000"/>
-                </a:solidFill>
-                <a:effectLst/>
-                <a:latin typeface="Consolas" panose="020B0609020204030204" pitchFamily="49" charset="0"/>
-              </a:rPr>
-              <a:t>*[N];</a:t>
-            </a:r>
-          </a:p>
-          <a:p>
-            <a:r>
-              <a:rPr lang="en-US" b="0" dirty="0" smtClean="0">
-                <a:solidFill>
-                  <a:srgbClr val="0000FF"/>
-                </a:solidFill>
-                <a:effectLst/>
-                <a:latin typeface="Consolas" panose="020B0609020204030204" pitchFamily="49" charset="0"/>
-              </a:rPr>
-              <a:t>for</a:t>
-            </a:r>
-            <a:r>
-              <a:rPr lang="en-US" b="0" dirty="0" smtClean="0">
-                <a:solidFill>
-                  <a:srgbClr val="000000"/>
-                </a:solidFill>
-                <a:effectLst/>
-                <a:latin typeface="Consolas" panose="020B0609020204030204" pitchFamily="49" charset="0"/>
-              </a:rPr>
-              <a:t>(</a:t>
-            </a:r>
-            <a:r>
-              <a:rPr lang="en-US" b="0" dirty="0" err="1" smtClean="0">
-                <a:solidFill>
-                  <a:srgbClr val="0000FF"/>
-                </a:solidFill>
-                <a:effectLst/>
-                <a:latin typeface="Consolas" panose="020B0609020204030204" pitchFamily="49" charset="0"/>
-              </a:rPr>
-              <a:t>int</a:t>
-            </a:r>
-            <a:r>
-              <a:rPr lang="en-US" b="0" dirty="0" smtClean="0">
-                <a:solidFill>
-                  <a:srgbClr val="000000"/>
-                </a:solidFill>
-                <a:effectLst/>
-                <a:latin typeface="Consolas" panose="020B0609020204030204" pitchFamily="49" charset="0"/>
-              </a:rPr>
-              <a:t> </a:t>
-            </a:r>
-            <a:r>
-              <a:rPr lang="en-US" b="0" dirty="0" err="1" smtClean="0">
-                <a:solidFill>
-                  <a:srgbClr val="000000"/>
-                </a:solidFill>
-                <a:effectLst/>
-                <a:latin typeface="Consolas" panose="020B0609020204030204" pitchFamily="49" charset="0"/>
-              </a:rPr>
-              <a:t>i</a:t>
-            </a:r>
-            <a:r>
-              <a:rPr lang="en-US" b="0" dirty="0" smtClean="0">
-                <a:solidFill>
-                  <a:srgbClr val="000000"/>
-                </a:solidFill>
-                <a:effectLst/>
-                <a:latin typeface="Consolas" panose="020B0609020204030204" pitchFamily="49" charset="0"/>
-              </a:rPr>
-              <a:t> = </a:t>
-            </a:r>
-            <a:r>
-              <a:rPr lang="en-US" b="0" dirty="0" smtClean="0">
-                <a:solidFill>
-                  <a:srgbClr val="098658"/>
-                </a:solidFill>
-                <a:effectLst/>
-                <a:latin typeface="Consolas" panose="020B0609020204030204" pitchFamily="49" charset="0"/>
-              </a:rPr>
-              <a:t>0</a:t>
-            </a:r>
-            <a:r>
-              <a:rPr lang="en-US" b="0" dirty="0" smtClean="0">
-                <a:solidFill>
-                  <a:srgbClr val="000000"/>
-                </a:solidFill>
-                <a:effectLst/>
-                <a:latin typeface="Consolas" panose="020B0609020204030204" pitchFamily="49" charset="0"/>
-              </a:rPr>
-              <a:t>; </a:t>
-            </a:r>
-            <a:r>
-              <a:rPr lang="en-US" b="0" dirty="0" err="1" smtClean="0">
-                <a:solidFill>
-                  <a:srgbClr val="000000"/>
-                </a:solidFill>
-                <a:effectLst/>
-                <a:latin typeface="Consolas" panose="020B0609020204030204" pitchFamily="49" charset="0"/>
-              </a:rPr>
-              <a:t>i</a:t>
-            </a:r>
-            <a:r>
-              <a:rPr lang="en-US" b="0" dirty="0" smtClean="0">
-                <a:solidFill>
-                  <a:srgbClr val="000000"/>
-                </a:solidFill>
-                <a:effectLst/>
-                <a:latin typeface="Consolas" panose="020B0609020204030204" pitchFamily="49" charset="0"/>
-              </a:rPr>
-              <a:t> &lt; N; </a:t>
-            </a:r>
-            <a:r>
-              <a:rPr lang="en-US" b="0" dirty="0" err="1" smtClean="0">
-                <a:solidFill>
-                  <a:srgbClr val="000000"/>
-                </a:solidFill>
-                <a:effectLst/>
-                <a:latin typeface="Consolas" panose="020B0609020204030204" pitchFamily="49" charset="0"/>
-              </a:rPr>
-              <a:t>i</a:t>
-            </a:r>
-            <a:r>
-              <a:rPr lang="en-US" b="0" dirty="0" smtClean="0">
-                <a:solidFill>
-                  <a:srgbClr val="000000"/>
-                </a:solidFill>
-                <a:effectLst/>
-                <a:latin typeface="Consolas" panose="020B0609020204030204" pitchFamily="49" charset="0"/>
-              </a:rPr>
-              <a:t>++)</a:t>
-            </a:r>
-          </a:p>
-          <a:p>
-            <a:r>
-              <a:rPr lang="en-US" b="0" dirty="0" smtClean="0">
-                <a:solidFill>
-                  <a:srgbClr val="000000"/>
-                </a:solidFill>
-                <a:effectLst/>
-                <a:latin typeface="Consolas" panose="020B0609020204030204" pitchFamily="49" charset="0"/>
-              </a:rPr>
-              <a:t>  new_2D_array[</a:t>
-            </a:r>
-            <a:r>
-              <a:rPr lang="en-US" b="0" dirty="0" err="1" smtClean="0">
-                <a:solidFill>
-                  <a:srgbClr val="000000"/>
-                </a:solidFill>
-                <a:effectLst/>
-                <a:latin typeface="Consolas" panose="020B0609020204030204" pitchFamily="49" charset="0"/>
-              </a:rPr>
-              <a:t>i</a:t>
-            </a:r>
-            <a:r>
-              <a:rPr lang="en-US" b="0" dirty="0" smtClean="0">
-                <a:solidFill>
-                  <a:srgbClr val="000000"/>
-                </a:solidFill>
-                <a:effectLst/>
-                <a:latin typeface="Consolas" panose="020B0609020204030204" pitchFamily="49" charset="0"/>
-              </a:rPr>
-              <a:t>] = </a:t>
-            </a:r>
-            <a:r>
-              <a:rPr lang="en-US" b="0" dirty="0" smtClean="0">
-                <a:solidFill>
-                  <a:srgbClr val="0000FF"/>
-                </a:solidFill>
-                <a:effectLst/>
-                <a:latin typeface="Consolas" panose="020B0609020204030204" pitchFamily="49" charset="0"/>
-              </a:rPr>
-              <a:t>new</a:t>
-            </a:r>
-            <a:r>
-              <a:rPr lang="en-US" b="0" dirty="0" smtClean="0">
-                <a:solidFill>
-                  <a:srgbClr val="000000"/>
-                </a:solidFill>
-                <a:effectLst/>
-                <a:latin typeface="Consolas" panose="020B0609020204030204" pitchFamily="49" charset="0"/>
-              </a:rPr>
-              <a:t> </a:t>
-            </a:r>
-            <a:r>
-              <a:rPr lang="en-US" b="0" dirty="0" err="1" smtClean="0">
-                <a:solidFill>
-                  <a:srgbClr val="0000FF"/>
-                </a:solidFill>
-                <a:effectLst/>
-                <a:latin typeface="Consolas" panose="020B0609020204030204" pitchFamily="49" charset="0"/>
-              </a:rPr>
-              <a:t>int</a:t>
-            </a:r>
-            <a:r>
-              <a:rPr lang="en-US" b="0" dirty="0" smtClean="0">
-                <a:solidFill>
-                  <a:srgbClr val="000000"/>
-                </a:solidFill>
-                <a:effectLst/>
-                <a:latin typeface="Consolas" panose="020B0609020204030204" pitchFamily="49" charset="0"/>
-              </a:rPr>
-              <a:t>[N];</a:t>
-            </a:r>
-          </a:p>
-          <a:p>
-            <a:r>
-              <a:rPr lang="en-US" b="0" dirty="0" smtClean="0">
-                <a:solidFill>
-                  <a:srgbClr val="0000FF"/>
-                </a:solidFill>
-                <a:effectLst/>
-                <a:latin typeface="Consolas" panose="020B0609020204030204" pitchFamily="49" charset="0"/>
-              </a:rPr>
-              <a:t>for</a:t>
-            </a:r>
-            <a:r>
-              <a:rPr lang="en-US" b="0" dirty="0" smtClean="0">
-                <a:solidFill>
-                  <a:srgbClr val="000000"/>
-                </a:solidFill>
-                <a:effectLst/>
-                <a:latin typeface="Consolas" panose="020B0609020204030204" pitchFamily="49" charset="0"/>
-              </a:rPr>
-              <a:t>(</a:t>
-            </a:r>
-            <a:r>
-              <a:rPr lang="en-US" b="0" dirty="0" err="1" smtClean="0">
-                <a:solidFill>
-                  <a:srgbClr val="0000FF"/>
-                </a:solidFill>
-                <a:effectLst/>
-                <a:latin typeface="Consolas" panose="020B0609020204030204" pitchFamily="49" charset="0"/>
-              </a:rPr>
-              <a:t>int</a:t>
-            </a:r>
-            <a:r>
-              <a:rPr lang="en-US" b="0" dirty="0" smtClean="0">
-                <a:solidFill>
-                  <a:srgbClr val="000000"/>
-                </a:solidFill>
-                <a:effectLst/>
-                <a:latin typeface="Consolas" panose="020B0609020204030204" pitchFamily="49" charset="0"/>
-              </a:rPr>
-              <a:t> </a:t>
-            </a:r>
-            <a:r>
-              <a:rPr lang="en-US" b="0" dirty="0" err="1" smtClean="0">
-                <a:solidFill>
-                  <a:srgbClr val="000000"/>
-                </a:solidFill>
-                <a:effectLst/>
-                <a:latin typeface="Consolas" panose="020B0609020204030204" pitchFamily="49" charset="0"/>
-              </a:rPr>
-              <a:t>i</a:t>
-            </a:r>
-            <a:r>
-              <a:rPr lang="en-US" b="0" dirty="0" smtClean="0">
-                <a:solidFill>
-                  <a:srgbClr val="000000"/>
-                </a:solidFill>
-                <a:effectLst/>
-                <a:latin typeface="Consolas" panose="020B0609020204030204" pitchFamily="49" charset="0"/>
-              </a:rPr>
-              <a:t> = </a:t>
-            </a:r>
-            <a:r>
-              <a:rPr lang="en-US" b="0" dirty="0" smtClean="0">
-                <a:solidFill>
-                  <a:srgbClr val="098658"/>
-                </a:solidFill>
-                <a:effectLst/>
-                <a:latin typeface="Consolas" panose="020B0609020204030204" pitchFamily="49" charset="0"/>
-              </a:rPr>
-              <a:t>0</a:t>
-            </a:r>
-            <a:r>
-              <a:rPr lang="en-US" b="0" dirty="0" smtClean="0">
-                <a:solidFill>
-                  <a:srgbClr val="000000"/>
-                </a:solidFill>
-                <a:effectLst/>
-                <a:latin typeface="Consolas" panose="020B0609020204030204" pitchFamily="49" charset="0"/>
-              </a:rPr>
-              <a:t>; </a:t>
-            </a:r>
-            <a:r>
-              <a:rPr lang="en-US" b="0" dirty="0" err="1" smtClean="0">
-                <a:solidFill>
-                  <a:srgbClr val="000000"/>
-                </a:solidFill>
-                <a:effectLst/>
-                <a:latin typeface="Consolas" panose="020B0609020204030204" pitchFamily="49" charset="0"/>
-              </a:rPr>
-              <a:t>i</a:t>
-            </a:r>
-            <a:r>
-              <a:rPr lang="en-US" b="0" dirty="0" smtClean="0">
-                <a:solidFill>
-                  <a:srgbClr val="000000"/>
-                </a:solidFill>
-                <a:effectLst/>
-                <a:latin typeface="Consolas" panose="020B0609020204030204" pitchFamily="49" charset="0"/>
-              </a:rPr>
-              <a:t> &lt; N; </a:t>
-            </a:r>
-            <a:r>
-              <a:rPr lang="en-US" b="0" dirty="0" err="1" smtClean="0">
-                <a:solidFill>
-                  <a:srgbClr val="000000"/>
-                </a:solidFill>
-                <a:effectLst/>
-                <a:latin typeface="Consolas" panose="020B0609020204030204" pitchFamily="49" charset="0"/>
-              </a:rPr>
-              <a:t>i</a:t>
-            </a:r>
-            <a:r>
-              <a:rPr lang="en-US" b="0" dirty="0" smtClean="0">
-                <a:solidFill>
-                  <a:srgbClr val="000000"/>
-                </a:solidFill>
-                <a:effectLst/>
-                <a:latin typeface="Consolas" panose="020B0609020204030204" pitchFamily="49" charset="0"/>
-              </a:rPr>
-              <a:t>++)</a:t>
-            </a:r>
-          </a:p>
-          <a:p>
-            <a:r>
-              <a:rPr lang="en-US" b="0" dirty="0" smtClean="0">
-                <a:solidFill>
-                  <a:srgbClr val="000000"/>
-                </a:solidFill>
-                <a:effectLst/>
-                <a:latin typeface="Consolas" panose="020B0609020204030204" pitchFamily="49" charset="0"/>
-              </a:rPr>
-              <a:t>  delete [] new_2D_array[</a:t>
-            </a:r>
-            <a:r>
-              <a:rPr lang="en-US" b="0" dirty="0" err="1" smtClean="0">
-                <a:solidFill>
-                  <a:srgbClr val="000000"/>
-                </a:solidFill>
-                <a:effectLst/>
-                <a:latin typeface="Consolas" panose="020B0609020204030204" pitchFamily="49" charset="0"/>
-              </a:rPr>
-              <a:t>i</a:t>
-            </a:r>
-            <a:r>
-              <a:rPr lang="en-US" b="0" dirty="0" smtClean="0">
-                <a:solidFill>
-                  <a:srgbClr val="000000"/>
-                </a:solidFill>
-                <a:effectLst/>
-                <a:latin typeface="Consolas" panose="020B0609020204030204" pitchFamily="49" charset="0"/>
-              </a:rPr>
-              <a:t>];</a:t>
-            </a:r>
-          </a:p>
-          <a:p>
-            <a:r>
-              <a:rPr lang="en-US" b="0" dirty="0" smtClean="0">
-                <a:solidFill>
-                  <a:srgbClr val="000000"/>
-                </a:solidFill>
-                <a:effectLst/>
-                <a:latin typeface="Consolas" panose="020B0609020204030204" pitchFamily="49" charset="0"/>
-              </a:rPr>
-              <a:t>delete</a:t>
-            </a:r>
-            <a:r>
-              <a:rPr lang="ru-RU" b="0" dirty="0" smtClean="0">
-                <a:solidFill>
-                  <a:srgbClr val="000000"/>
-                </a:solidFill>
-                <a:effectLst/>
-                <a:latin typeface="Consolas" panose="020B0609020204030204" pitchFamily="49" charset="0"/>
-              </a:rPr>
-              <a:t> </a:t>
-            </a:r>
-            <a:r>
-              <a:rPr lang="en-US" b="0" dirty="0" smtClean="0">
-                <a:solidFill>
-                  <a:srgbClr val="000000"/>
-                </a:solidFill>
-                <a:effectLst/>
-                <a:latin typeface="Consolas" panose="020B0609020204030204" pitchFamily="49" charset="0"/>
-              </a:rPr>
-              <a:t>[] new_2D_array;</a:t>
-            </a:r>
-            <a:endParaRPr lang="en-US" b="0" dirty="0">
-              <a:solidFill>
-                <a:srgbClr val="000000"/>
-              </a:solidFill>
-              <a:effectLst/>
-              <a:latin typeface="Consolas" panose="020B0609020204030204" pitchFamily="49" charset="0"/>
-            </a:endParaRPr>
-          </a:p>
-        </p:txBody>
-      </p:sp>
-      <p:sp>
-        <p:nvSpPr>
-          <p:cNvPr id="8" name="TextBox 7"/>
-          <p:cNvSpPr txBox="1"/>
-          <p:nvPr/>
-        </p:nvSpPr>
-        <p:spPr>
-          <a:xfrm>
-            <a:off x="479058" y="2831814"/>
-            <a:ext cx="11263286" cy="1754326"/>
-          </a:xfrm>
-          <a:prstGeom prst="rect">
-            <a:avLst/>
-          </a:prstGeom>
-          <a:noFill/>
-        </p:spPr>
-        <p:txBody>
-          <a:bodyPr wrap="square" rtlCol="0">
-            <a:spAutoFit/>
-          </a:bodyPr>
-          <a:lstStyle/>
-          <a:p>
-            <a:r>
-              <a:rPr lang="ru-RU" dirty="0" smtClean="0"/>
-              <a:t>Выделение массивов больше одной размерности требует изощренности. Это связано с тем, что при выделение через оператор </a:t>
-            </a:r>
-            <a:r>
-              <a:rPr lang="en-US" dirty="0" smtClean="0"/>
-              <a:t>new </a:t>
-            </a:r>
-            <a:r>
-              <a:rPr lang="ru-RU" dirty="0" smtClean="0"/>
-              <a:t>мы говорим операционной системе выделить область памяти под </a:t>
-            </a:r>
-            <a:r>
-              <a:rPr lang="en-US" dirty="0" smtClean="0"/>
-              <a:t>N </a:t>
-            </a:r>
-            <a:r>
-              <a:rPr lang="ru-RU" dirty="0" smtClean="0"/>
-              <a:t>элементов определенного типа, и в случае когда нам нужны дополнительные размерности, операционная система этого не понимает. Это связано с линейным представлением памяти.  Поэтому мы сначала запрашиваем память на массив указателей и только потом создаем </a:t>
-            </a:r>
-            <a:r>
-              <a:rPr lang="en-US" dirty="0" smtClean="0"/>
-              <a:t>N </a:t>
-            </a:r>
-            <a:r>
-              <a:rPr lang="ru-RU" dirty="0" smtClean="0"/>
-              <a:t>массивов нужного размера помещая в массив указателей наши новые указатели на массивы значений.</a:t>
+              <a:rPr lang="ru-RU" dirty="0"/>
+              <a:t>Выделение массивов больше одной размерности требует изощренности.</a:t>
             </a:r>
           </a:p>
         </p:txBody>
       </p:sp>
       <p:pic>
         <p:nvPicPr>
-          <p:cNvPr id="8194" name="Picture 2" descr="Какой смысл?, Мем Пацан наркоман"/>
+          <p:cNvPr id="1030" name="Picture 6" descr="ИЗИ, Мем Шел бы ты отсюда петушок"/>
           <p:cNvPicPr>
             <a:picLocks noChangeAspect="1" noChangeArrowheads="1"/>
           </p:cNvPicPr>
           <p:nvPr/>
         </p:nvPicPr>
         <p:blipFill>
-          <a:blip r:embed="rId2" cstate="print">
+          <a:blip r:embed="rId3" cstate="print">
             <a:extLst>
               <a:ext uri="{28A0092B-C50C-407E-A947-70E740481C1C}">
                 <a14:useLocalDpi xmlns:a14="http://schemas.microsoft.com/office/drawing/2010/main" val="0"/>
@@ -6178,7 +7383,408 @@
         </p:blipFill>
         <p:spPr bwMode="auto">
           <a:xfrm>
-            <a:off x="5191218" y="4586140"/>
+            <a:off x="10044002" y="1316572"/>
+            <a:ext cx="1680236" cy="1401291"/>
+          </a:xfrm>
+          <a:prstGeom prst="rect">
+            <a:avLst/>
+          </a:prstGeom>
+          <a:noFill/>
+          <a:extLst>
+            <a:ext uri="{909E8E84-426E-40DD-AFC4-6F175D3DCCD1}">
+              <a14:hiddenFill xmlns:a14="http://schemas.microsoft.com/office/drawing/2010/main">
+                <a:solidFill>
+                  <a:srgbClr val="FFFFFF"/>
+                </a:solidFill>
+              </a14:hiddenFill>
+            </a:ext>
+          </a:extLst>
+        </p:spPr>
+      </p:pic>
+    </p:spTree>
+    <p:extLst>
+      <p:ext uri="{BB962C8B-B14F-4D97-AF65-F5344CB8AC3E}">
+        <p14:creationId xmlns:p14="http://schemas.microsoft.com/office/powerpoint/2010/main" val="1693117532"/>
+      </p:ext>
+    </p:extLst>
+  </p:cSld>
+  <p:clrMapOvr>
+    <a:masterClrMapping/>
+  </p:clrMapOvr>
+</p:sld>
+</file>
+
+<file path=ppt/slides/slide14.xml><?xml version="1.0" encoding="utf-8"?>
+<p:sld xmlns:a="http://schemas.openxmlformats.org/drawingml/2006/main" xmlns:r="http://schemas.openxmlformats.org/officeDocument/2006/relationships" xmlns:p="http://schemas.openxmlformats.org/presentationml/2006/main">
+  <p:cSld>
+    <p:spTree>
+      <p:nvGrpSpPr>
+        <p:cNvPr id="1" name=""/>
+        <p:cNvGrpSpPr/>
+        <p:nvPr/>
+      </p:nvGrpSpPr>
+      <p:grpSpPr>
+        <a:xfrm>
+          <a:off x="0" y="0"/>
+          <a:ext cx="0" cy="0"/>
+          <a:chOff x="0" y="0"/>
+          <a:chExt cx="0" cy="0"/>
+        </a:xfrm>
+      </p:grpSpPr>
+      <p:sp>
+        <p:nvSpPr>
+          <p:cNvPr id="2" name="Прямоугольник 1"/>
+          <p:cNvSpPr/>
+          <p:nvPr/>
+        </p:nvSpPr>
+        <p:spPr>
+          <a:xfrm>
+            <a:off x="2354364" y="0"/>
+            <a:ext cx="7483395" cy="523220"/>
+          </a:xfrm>
+          <a:prstGeom prst="rect">
+            <a:avLst/>
+          </a:prstGeom>
+        </p:spPr>
+        <p:txBody>
+          <a:bodyPr wrap="none">
+            <a:spAutoFit/>
+          </a:bodyPr>
+          <a:lstStyle/>
+          <a:p>
+            <a:pPr algn="ctr"/>
+            <a:r>
+              <a:rPr lang="ru-RU" sz="2800" b="1" dirty="0" smtClean="0">
+                <a:latin typeface="Calibri" panose="020F0502020204030204" pitchFamily="34" charset="0"/>
+              </a:rPr>
+              <a:t>Оператор </a:t>
+            </a:r>
+            <a:r>
+              <a:rPr lang="en-US" sz="2800" b="1" dirty="0" smtClean="0">
+                <a:latin typeface="Calibri" panose="020F0502020204030204" pitchFamily="34" charset="0"/>
+              </a:rPr>
+              <a:t>new </a:t>
+            </a:r>
+            <a:r>
+              <a:rPr lang="ru-RU" sz="2800" b="1" dirty="0" smtClean="0">
+                <a:latin typeface="Calibri" panose="020F0502020204030204" pitchFamily="34" charset="0"/>
+              </a:rPr>
+              <a:t>и массив большей размерности</a:t>
+            </a:r>
+            <a:endParaRPr lang="ru-RU" sz="2800" b="1" dirty="0">
+              <a:latin typeface="Calibri" panose="020F0502020204030204" pitchFamily="34" charset="0"/>
+            </a:endParaRPr>
+          </a:p>
+        </p:txBody>
+      </p:sp>
+      <p:sp>
+        <p:nvSpPr>
+          <p:cNvPr id="3" name="Прямоугольник 2"/>
+          <p:cNvSpPr/>
+          <p:nvPr/>
+        </p:nvSpPr>
+        <p:spPr>
+          <a:xfrm>
+            <a:off x="467763" y="680007"/>
+            <a:ext cx="11256474" cy="646331"/>
+          </a:xfrm>
+          <a:prstGeom prst="rect">
+            <a:avLst/>
+          </a:prstGeom>
+        </p:spPr>
+        <p:txBody>
+          <a:bodyPr wrap="square">
+            <a:spAutoFit/>
+          </a:bodyPr>
+          <a:lstStyle/>
+          <a:p>
+            <a:r>
+              <a:rPr lang="ru-RU" dirty="0" smtClean="0">
+                <a:latin typeface="Calibri" panose="020F0502020204030204" pitchFamily="34" charset="0"/>
+              </a:rPr>
+              <a:t>Логично что массивы возможно выделять как в статической памяти, так и в динамической, однако в памяти они хранятся по разному</a:t>
+            </a:r>
+            <a:r>
+              <a:rPr lang="en-US" dirty="0" smtClean="0">
+                <a:latin typeface="Calibri" panose="020F0502020204030204" pitchFamily="34" charset="0"/>
+              </a:rPr>
+              <a:t>:</a:t>
+            </a:r>
+            <a:endParaRPr lang="ru-RU" dirty="0" smtClean="0">
+              <a:latin typeface="Calibri" panose="020F0502020204030204" pitchFamily="34" charset="0"/>
+            </a:endParaRPr>
+          </a:p>
+        </p:txBody>
+      </p:sp>
+      <p:pic>
+        <p:nvPicPr>
+          <p:cNvPr id="4" name="Рисунок 3"/>
+          <p:cNvPicPr>
+            <a:picLocks noChangeAspect="1"/>
+          </p:cNvPicPr>
+          <p:nvPr/>
+        </p:nvPicPr>
+        <p:blipFill>
+          <a:blip r:embed="rId2"/>
+          <a:stretch>
+            <a:fillRect/>
+          </a:stretch>
+        </p:blipFill>
+        <p:spPr>
+          <a:xfrm>
+            <a:off x="4427143" y="2115198"/>
+            <a:ext cx="7297093" cy="3575189"/>
+          </a:xfrm>
+          <a:prstGeom prst="rect">
+            <a:avLst/>
+          </a:prstGeom>
+        </p:spPr>
+      </p:pic>
+      <p:sp>
+        <p:nvSpPr>
+          <p:cNvPr id="6" name="Прямоугольник 5"/>
+          <p:cNvSpPr/>
+          <p:nvPr/>
+        </p:nvSpPr>
+        <p:spPr>
+          <a:xfrm>
+            <a:off x="6079555" y="1128397"/>
+            <a:ext cx="3992270" cy="923330"/>
+          </a:xfrm>
+          <a:prstGeom prst="rect">
+            <a:avLst/>
+          </a:prstGeom>
+        </p:spPr>
+        <p:txBody>
+          <a:bodyPr wrap="square">
+            <a:spAutoFit/>
+          </a:bodyPr>
+          <a:lstStyle/>
+          <a:p>
+            <a:r>
+              <a:rPr lang="nn-NO" dirty="0">
+                <a:solidFill>
+                  <a:srgbClr val="0000FF"/>
+                </a:solidFill>
+                <a:latin typeface="Consolas" panose="020B0609020204030204" pitchFamily="49" charset="0"/>
+              </a:rPr>
+              <a:t>int</a:t>
+            </a:r>
+            <a:r>
+              <a:rPr lang="nn-NO" dirty="0">
+                <a:solidFill>
+                  <a:srgbClr val="000000"/>
+                </a:solidFill>
+                <a:latin typeface="Consolas" panose="020B0609020204030204" pitchFamily="49" charset="0"/>
+              </a:rPr>
+              <a:t>** mass = </a:t>
+            </a:r>
+            <a:r>
+              <a:rPr lang="nn-NO" dirty="0">
+                <a:solidFill>
+                  <a:srgbClr val="0000FF"/>
+                </a:solidFill>
+                <a:latin typeface="Consolas" panose="020B0609020204030204" pitchFamily="49" charset="0"/>
+              </a:rPr>
+              <a:t>new</a:t>
+            </a:r>
+            <a:r>
+              <a:rPr lang="nn-NO" dirty="0">
+                <a:solidFill>
+                  <a:srgbClr val="000000"/>
+                </a:solidFill>
+                <a:latin typeface="Consolas" panose="020B0609020204030204" pitchFamily="49" charset="0"/>
+              </a:rPr>
+              <a:t> </a:t>
+            </a:r>
+            <a:r>
+              <a:rPr lang="nn-NO" dirty="0">
+                <a:solidFill>
+                  <a:srgbClr val="0000FF"/>
+                </a:solidFill>
+                <a:latin typeface="Consolas" panose="020B0609020204030204" pitchFamily="49" charset="0"/>
+              </a:rPr>
+              <a:t>int</a:t>
+            </a:r>
+            <a:r>
+              <a:rPr lang="nn-NO" dirty="0">
+                <a:solidFill>
+                  <a:srgbClr val="000000"/>
+                </a:solidFill>
+                <a:latin typeface="Consolas" panose="020B0609020204030204" pitchFamily="49" charset="0"/>
+              </a:rPr>
+              <a:t>*[N];</a:t>
+            </a:r>
+          </a:p>
+          <a:p>
+            <a:r>
+              <a:rPr lang="nn-NO" dirty="0">
+                <a:solidFill>
+                  <a:srgbClr val="0000FF"/>
+                </a:solidFill>
+                <a:latin typeface="Consolas" panose="020B0609020204030204" pitchFamily="49" charset="0"/>
+              </a:rPr>
+              <a:t>for</a:t>
+            </a:r>
+            <a:r>
+              <a:rPr lang="nn-NO" dirty="0">
+                <a:solidFill>
+                  <a:srgbClr val="000000"/>
+                </a:solidFill>
+                <a:latin typeface="Consolas" panose="020B0609020204030204" pitchFamily="49" charset="0"/>
+              </a:rPr>
+              <a:t>(</a:t>
+            </a:r>
+            <a:r>
+              <a:rPr lang="nn-NO" dirty="0">
+                <a:solidFill>
+                  <a:srgbClr val="0000FF"/>
+                </a:solidFill>
+                <a:latin typeface="Consolas" panose="020B0609020204030204" pitchFamily="49" charset="0"/>
+              </a:rPr>
+              <a:t>int</a:t>
+            </a:r>
+            <a:r>
+              <a:rPr lang="nn-NO" dirty="0">
+                <a:solidFill>
+                  <a:srgbClr val="000000"/>
+                </a:solidFill>
+                <a:latin typeface="Consolas" panose="020B0609020204030204" pitchFamily="49" charset="0"/>
+              </a:rPr>
+              <a:t> i = </a:t>
+            </a:r>
+            <a:r>
+              <a:rPr lang="nn-NO" dirty="0">
+                <a:solidFill>
+                  <a:srgbClr val="098658"/>
+                </a:solidFill>
+                <a:latin typeface="Consolas" panose="020B0609020204030204" pitchFamily="49" charset="0"/>
+              </a:rPr>
+              <a:t>0</a:t>
+            </a:r>
+            <a:r>
+              <a:rPr lang="nn-NO" dirty="0">
+                <a:solidFill>
+                  <a:srgbClr val="000000"/>
+                </a:solidFill>
+                <a:latin typeface="Consolas" panose="020B0609020204030204" pitchFamily="49" charset="0"/>
+              </a:rPr>
+              <a:t>; i &lt; N; i++)</a:t>
+            </a:r>
+          </a:p>
+          <a:p>
+            <a:r>
+              <a:rPr lang="nn-NO" dirty="0">
+                <a:solidFill>
+                  <a:srgbClr val="000000"/>
+                </a:solidFill>
+                <a:latin typeface="Consolas" panose="020B0609020204030204" pitchFamily="49" charset="0"/>
+              </a:rPr>
+              <a:t>    mass[i] = </a:t>
+            </a:r>
+            <a:r>
+              <a:rPr lang="nn-NO" dirty="0">
+                <a:solidFill>
+                  <a:srgbClr val="0000FF"/>
+                </a:solidFill>
+                <a:latin typeface="Consolas" panose="020B0609020204030204" pitchFamily="49" charset="0"/>
+              </a:rPr>
+              <a:t>new</a:t>
+            </a:r>
+            <a:r>
+              <a:rPr lang="nn-NO" dirty="0">
+                <a:solidFill>
+                  <a:srgbClr val="000000"/>
+                </a:solidFill>
+                <a:latin typeface="Consolas" panose="020B0609020204030204" pitchFamily="49" charset="0"/>
+              </a:rPr>
+              <a:t> </a:t>
+            </a:r>
+            <a:r>
+              <a:rPr lang="nn-NO" dirty="0">
+                <a:solidFill>
+                  <a:srgbClr val="0000FF"/>
+                </a:solidFill>
+                <a:latin typeface="Consolas" panose="020B0609020204030204" pitchFamily="49" charset="0"/>
+              </a:rPr>
+              <a:t>int</a:t>
+            </a:r>
+            <a:r>
+              <a:rPr lang="nn-NO" dirty="0">
+                <a:solidFill>
+                  <a:srgbClr val="000000"/>
+                </a:solidFill>
+                <a:latin typeface="Consolas" panose="020B0609020204030204" pitchFamily="49" charset="0"/>
+              </a:rPr>
+              <a:t>[N];</a:t>
+            </a:r>
+            <a:endParaRPr lang="nn-NO" b="0" dirty="0">
+              <a:solidFill>
+                <a:srgbClr val="000000"/>
+              </a:solidFill>
+              <a:effectLst/>
+              <a:latin typeface="Consolas" panose="020B0609020204030204" pitchFamily="49" charset="0"/>
+            </a:endParaRPr>
+          </a:p>
+        </p:txBody>
+      </p:sp>
+      <p:sp>
+        <p:nvSpPr>
+          <p:cNvPr id="8" name="Прямоугольник 7"/>
+          <p:cNvSpPr/>
+          <p:nvPr/>
+        </p:nvSpPr>
+        <p:spPr>
+          <a:xfrm>
+            <a:off x="551502" y="1436958"/>
+            <a:ext cx="3875642" cy="3416320"/>
+          </a:xfrm>
+          <a:prstGeom prst="rect">
+            <a:avLst/>
+          </a:prstGeom>
+        </p:spPr>
+        <p:txBody>
+          <a:bodyPr wrap="square">
+            <a:spAutoFit/>
+          </a:bodyPr>
+          <a:lstStyle/>
+          <a:p>
+            <a:r>
+              <a:rPr lang="ru-RU" dirty="0" smtClean="0">
+                <a:latin typeface="Calibri" panose="020F0502020204030204" pitchFamily="34" charset="0"/>
+              </a:rPr>
+              <a:t>Двумерный массив в отличие от одномерного по сути является не нарезанными друг за другом блоками памяти, а отдельным набором одномерных массивов независимых друг от друга в количестве равном количеству строк в требуемом двумерном, и дополнительным массивом начала элементов каждой строки, от которых можно уже смещаться на нужную величину.</a:t>
+            </a:r>
+            <a:endParaRPr lang="ru-RU" dirty="0" smtClean="0">
+              <a:latin typeface="Calibri" panose="020F0502020204030204" pitchFamily="34" charset="0"/>
+            </a:endParaRPr>
+          </a:p>
+        </p:txBody>
+      </p:sp>
+      <p:pic>
+        <p:nvPicPr>
+          <p:cNvPr id="9" name="Picture 2" descr="Какой смысл?, Мем Пацан наркоман"/>
+          <p:cNvPicPr>
+            <a:picLocks noChangeAspect="1" noChangeArrowheads="1"/>
+          </p:cNvPicPr>
+          <p:nvPr/>
+        </p:nvPicPr>
+        <p:blipFill>
+          <a:blip r:embed="rId3" cstate="print">
+            <a:extLst>
+              <a:ext uri="{28A0092B-C50C-407E-A947-70E740481C1C}">
+                <a14:useLocalDpi xmlns:a14="http://schemas.microsoft.com/office/drawing/2010/main" val="0"/>
+              </a:ext>
+            </a:extLst>
+          </a:blip>
+          <a:srcRect/>
+          <a:stretch>
+            <a:fillRect/>
+          </a:stretch>
+        </p:blipFill>
+        <p:spPr bwMode="auto">
+          <a:xfrm>
+            <a:off x="625807" y="4941061"/>
             <a:ext cx="1863516" cy="1754326"/>
           </a:xfrm>
           <a:prstGeom prst="rect">
@@ -6198,28 +7804,27 @@
       </p:pic>
       <p:sp>
         <p:nvSpPr>
-          <p:cNvPr id="10" name="TextBox 9"/>
-          <p:cNvSpPr txBox="1"/>
+          <p:cNvPr id="11" name="Прямоугольник 10"/>
+          <p:cNvSpPr/>
           <p:nvPr/>
         </p:nvSpPr>
         <p:spPr>
           <a:xfrm>
-            <a:off x="7216856" y="4586140"/>
-            <a:ext cx="4525488" cy="1754326"/>
+            <a:off x="2580237" y="5753858"/>
+            <a:ext cx="9143999" cy="923330"/>
           </a:xfrm>
           <a:prstGeom prst="rect">
             <a:avLst/>
           </a:prstGeom>
-          <a:noFill/>
         </p:spPr>
         <p:txBody>
-          <a:bodyPr wrap="square" rtlCol="0">
+          <a:bodyPr wrap="square">
             <a:spAutoFit/>
           </a:bodyPr>
           <a:lstStyle/>
           <a:p>
             <a:r>
-              <a:rPr lang="ru-RU" dirty="0" smtClean="0"/>
+              <a:rPr lang="ru-RU" dirty="0"/>
               <a:t>Такой извращенный способ выделения памяти позволяет создавать и использовать гораздо больше памяти в процессе работы программы, а так же делать это не на протяжении всего времени работы, а лишь в нужные моменты.</a:t>
             </a:r>
           </a:p>
@@ -6228,7 +7833,7 @@
     </p:spTree>
     <p:extLst>
       <p:ext uri="{BB962C8B-B14F-4D97-AF65-F5344CB8AC3E}">
-        <p14:creationId xmlns:p14="http://schemas.microsoft.com/office/powerpoint/2010/main" val="819081407"/>
+        <p14:creationId xmlns:p14="http://schemas.microsoft.com/office/powerpoint/2010/main" val="3340772771"/>
       </p:ext>
     </p:extLst>
   </p:cSld>
@@ -6238,7 +7843,7 @@
 </p:sld>
 </file>
 
-<file path=ppt/slides/slide13.xml><?xml version="1.0" encoding="utf-8"?>
+<file path=ppt/slides/slide15.xml><?xml version="1.0" encoding="utf-8"?>
 <p:sld xmlns:a="http://schemas.openxmlformats.org/drawingml/2006/main" xmlns:r="http://schemas.openxmlformats.org/officeDocument/2006/relationships" xmlns:p="http://schemas.openxmlformats.org/presentationml/2006/main">
   <p:cSld>
     <p:spTree>
@@ -7497,7 +9102,7 @@
 </p:sld>
 </file>
 
-<file path=ppt/slides/slide14.xml><?xml version="1.0" encoding="utf-8"?>
+<file path=ppt/slides/slide16.xml><?xml version="1.0" encoding="utf-8"?>
 <p:sld xmlns:a="http://schemas.openxmlformats.org/drawingml/2006/main" xmlns:r="http://schemas.openxmlformats.org/officeDocument/2006/relationships" xmlns:p="http://schemas.openxmlformats.org/presentationml/2006/main">
   <p:cSld>
     <p:spTree>
@@ -8687,7 +10292,7 @@
 </p:sld>
 </file>
 
-<file path=ppt/slides/slide15.xml><?xml version="1.0" encoding="utf-8"?>
+<file path=ppt/slides/slide17.xml><?xml version="1.0" encoding="utf-8"?>
 <p:sld xmlns:a="http://schemas.openxmlformats.org/drawingml/2006/main" xmlns:r="http://schemas.openxmlformats.org/officeDocument/2006/relationships" xmlns:p="http://schemas.openxmlformats.org/presentationml/2006/main">
   <p:cSld>
     <p:spTree>
@@ -9405,7 +11010,7 @@
 </p:sld>
 </file>
 
-<file path=ppt/slides/slide16.xml><?xml version="1.0" encoding="utf-8"?>
+<file path=ppt/slides/slide18.xml><?xml version="1.0" encoding="utf-8"?>
 <p:sld xmlns:a="http://schemas.openxmlformats.org/drawingml/2006/main" xmlns:r="http://schemas.openxmlformats.org/officeDocument/2006/relationships" xmlns:p="http://schemas.openxmlformats.org/presentationml/2006/main">
   <p:cSld>
     <p:spTree>
@@ -10619,7 +12224,7 @@
 </p:sld>
 </file>
 
-<file path=ppt/slides/slide17.xml><?xml version="1.0" encoding="utf-8"?>
+<file path=ppt/slides/slide19.xml><?xml version="1.0" encoding="utf-8"?>
 <p:sld xmlns:a="http://schemas.openxmlformats.org/drawingml/2006/main" xmlns:r="http://schemas.openxmlformats.org/officeDocument/2006/relationships" xmlns:p="http://schemas.openxmlformats.org/presentationml/2006/main">
   <p:cSld>
     <p:spTree>
@@ -11136,111 +12741,6 @@
     <p:extLst>
       <p:ext uri="{BB962C8B-B14F-4D97-AF65-F5344CB8AC3E}">
         <p14:creationId xmlns:p14="http://schemas.microsoft.com/office/powerpoint/2010/main" val="2031363438"/>
-      </p:ext>
-    </p:extLst>
-  </p:cSld>
-  <p:clrMapOvr>
-    <a:masterClrMapping/>
-  </p:clrMapOvr>
-</p:sld>
-</file>
-
-<file path=ppt/slides/slide18.xml><?xml version="1.0" encoding="utf-8"?>
-<p:sld xmlns:a="http://schemas.openxmlformats.org/drawingml/2006/main" xmlns:r="http://schemas.openxmlformats.org/officeDocument/2006/relationships" xmlns:p="http://schemas.openxmlformats.org/presentationml/2006/main">
-  <p:cSld>
-    <p:spTree>
-      <p:nvGrpSpPr>
-        <p:cNvPr id="1" name=""/>
-        <p:cNvGrpSpPr/>
-        <p:nvPr/>
-      </p:nvGrpSpPr>
-      <p:grpSpPr>
-        <a:xfrm>
-          <a:off x="0" y="0"/>
-          <a:ext cx="0" cy="0"/>
-          <a:chOff x="0" y="0"/>
-          <a:chExt cx="0" cy="0"/>
-        </a:xfrm>
-      </p:grpSpPr>
-      <p:sp>
-        <p:nvSpPr>
-          <p:cNvPr id="2" name="Прямоугольник 1"/>
-          <p:cNvSpPr/>
-          <p:nvPr/>
-        </p:nvSpPr>
-        <p:spPr>
-          <a:xfrm>
-            <a:off x="4267665" y="0"/>
-            <a:ext cx="3656770" cy="523220"/>
-          </a:xfrm>
-          <a:prstGeom prst="rect">
-            <a:avLst/>
-          </a:prstGeom>
-        </p:spPr>
-        <p:txBody>
-          <a:bodyPr wrap="none">
-            <a:spAutoFit/>
-          </a:bodyPr>
-          <a:lstStyle/>
-          <a:p>
-            <a:pPr algn="ctr"/>
-            <a:r>
-              <a:rPr lang="ru-RU" sz="2800" b="1" dirty="0" smtClean="0">
-                <a:latin typeface="Calibri" panose="020F0502020204030204" pitchFamily="34" charset="0"/>
-              </a:rPr>
-              <a:t>Спасибо за внимание.</a:t>
-            </a:r>
-            <a:endParaRPr lang="ru-RU" sz="2800" b="1" dirty="0">
-              <a:latin typeface="Calibri" panose="020F0502020204030204" pitchFamily="34" charset="0"/>
-            </a:endParaRPr>
-          </a:p>
-        </p:txBody>
-      </p:sp>
-      <p:pic>
-        <p:nvPicPr>
-          <p:cNvPr id="14338" name="Picture 2" descr="Ну всё На сегодня хватит , Мем Фрай из Футурамы"/>
-          <p:cNvPicPr>
-            <a:picLocks noChangeAspect="1" noChangeArrowheads="1"/>
-          </p:cNvPicPr>
-          <p:nvPr/>
-        </p:nvPicPr>
-        <p:blipFill>
-          <a:blip r:embed="rId2">
-            <a:extLst>
-              <a:ext uri="{28A0092B-C50C-407E-A947-70E740481C1C}">
-                <a14:useLocalDpi xmlns:a14="http://schemas.microsoft.com/office/drawing/2010/main" val="0"/>
-              </a:ext>
-            </a:extLst>
-          </a:blip>
-          <a:srcRect/>
-          <a:stretch>
-            <a:fillRect/>
-          </a:stretch>
-        </p:blipFill>
-        <p:spPr bwMode="auto">
-          <a:xfrm>
-            <a:off x="3068449" y="1158337"/>
-            <a:ext cx="6055102" cy="4541327"/>
-          </a:xfrm>
-          <a:prstGeom prst="rect">
-            <a:avLst/>
-          </a:prstGeom>
-          <a:noFill/>
-          <a:extLst>
-            <a:ext uri="{909E8E84-426E-40DD-AFC4-6F175D3DCCD1}">
-              <a14:hiddenFill xmlns:a14="http://schemas.microsoft.com/office/drawing/2010/main">
-                <a:solidFill>
-                  <a:srgbClr val="FFFFFF"/>
-                </a:solidFill>
-              </a14:hiddenFill>
-            </a:ext>
-          </a:extLst>
-        </p:spPr>
-      </p:pic>
-    </p:spTree>
-    <p:extLst>
-      <p:ext uri="{BB962C8B-B14F-4D97-AF65-F5344CB8AC3E}">
-        <p14:creationId xmlns:p14="http://schemas.microsoft.com/office/powerpoint/2010/main" val="3750375880"/>
       </p:ext>
     </p:extLst>
   </p:cSld>
@@ -11358,6 +12858,111 @@
     <p:extLst>
       <p:ext uri="{BB962C8B-B14F-4D97-AF65-F5344CB8AC3E}">
         <p14:creationId xmlns:p14="http://schemas.microsoft.com/office/powerpoint/2010/main" val="3202115306"/>
+      </p:ext>
+    </p:extLst>
+  </p:cSld>
+  <p:clrMapOvr>
+    <a:masterClrMapping/>
+  </p:clrMapOvr>
+</p:sld>
+</file>
+
+<file path=ppt/slides/slide20.xml><?xml version="1.0" encoding="utf-8"?>
+<p:sld xmlns:a="http://schemas.openxmlformats.org/drawingml/2006/main" xmlns:r="http://schemas.openxmlformats.org/officeDocument/2006/relationships" xmlns:p="http://schemas.openxmlformats.org/presentationml/2006/main">
+  <p:cSld>
+    <p:spTree>
+      <p:nvGrpSpPr>
+        <p:cNvPr id="1" name=""/>
+        <p:cNvGrpSpPr/>
+        <p:nvPr/>
+      </p:nvGrpSpPr>
+      <p:grpSpPr>
+        <a:xfrm>
+          <a:off x="0" y="0"/>
+          <a:ext cx="0" cy="0"/>
+          <a:chOff x="0" y="0"/>
+          <a:chExt cx="0" cy="0"/>
+        </a:xfrm>
+      </p:grpSpPr>
+      <p:sp>
+        <p:nvSpPr>
+          <p:cNvPr id="2" name="Прямоугольник 1"/>
+          <p:cNvSpPr/>
+          <p:nvPr/>
+        </p:nvSpPr>
+        <p:spPr>
+          <a:xfrm>
+            <a:off x="4267665" y="0"/>
+            <a:ext cx="3656770" cy="523220"/>
+          </a:xfrm>
+          <a:prstGeom prst="rect">
+            <a:avLst/>
+          </a:prstGeom>
+        </p:spPr>
+        <p:txBody>
+          <a:bodyPr wrap="none">
+            <a:spAutoFit/>
+          </a:bodyPr>
+          <a:lstStyle/>
+          <a:p>
+            <a:pPr algn="ctr"/>
+            <a:r>
+              <a:rPr lang="ru-RU" sz="2800" b="1" dirty="0" smtClean="0">
+                <a:latin typeface="Calibri" panose="020F0502020204030204" pitchFamily="34" charset="0"/>
+              </a:rPr>
+              <a:t>Спасибо за внимание.</a:t>
+            </a:r>
+            <a:endParaRPr lang="ru-RU" sz="2800" b="1" dirty="0">
+              <a:latin typeface="Calibri" panose="020F0502020204030204" pitchFamily="34" charset="0"/>
+            </a:endParaRPr>
+          </a:p>
+        </p:txBody>
+      </p:sp>
+      <p:pic>
+        <p:nvPicPr>
+          <p:cNvPr id="14338" name="Picture 2" descr="Ну всё На сегодня хватит , Мем Фрай из Футурамы"/>
+          <p:cNvPicPr>
+            <a:picLocks noChangeAspect="1" noChangeArrowheads="1"/>
+          </p:cNvPicPr>
+          <p:nvPr/>
+        </p:nvPicPr>
+        <p:blipFill>
+          <a:blip r:embed="rId2">
+            <a:extLst>
+              <a:ext uri="{28A0092B-C50C-407E-A947-70E740481C1C}">
+                <a14:useLocalDpi xmlns:a14="http://schemas.microsoft.com/office/drawing/2010/main" val="0"/>
+              </a:ext>
+            </a:extLst>
+          </a:blip>
+          <a:srcRect/>
+          <a:stretch>
+            <a:fillRect/>
+          </a:stretch>
+        </p:blipFill>
+        <p:spPr bwMode="auto">
+          <a:xfrm>
+            <a:off x="3068449" y="1158337"/>
+            <a:ext cx="6055102" cy="4541327"/>
+          </a:xfrm>
+          <a:prstGeom prst="rect">
+            <a:avLst/>
+          </a:prstGeom>
+          <a:noFill/>
+          <a:extLst>
+            <a:ext uri="{909E8E84-426E-40DD-AFC4-6F175D3DCCD1}">
+              <a14:hiddenFill xmlns:a14="http://schemas.microsoft.com/office/drawing/2010/main">
+                <a:solidFill>
+                  <a:srgbClr val="FFFFFF"/>
+                </a:solidFill>
+              </a14:hiddenFill>
+            </a:ext>
+          </a:extLst>
+        </p:spPr>
+      </p:pic>
+    </p:spTree>
+    <p:extLst>
+      <p:ext uri="{BB962C8B-B14F-4D97-AF65-F5344CB8AC3E}">
+        <p14:creationId xmlns:p14="http://schemas.microsoft.com/office/powerpoint/2010/main" val="3750375880"/>
       </p:ext>
     </p:extLst>
   </p:cSld>
@@ -20579,6 +22184,100 @@
         </p:nvSpPr>
         <p:spPr>
           <a:xfrm>
+            <a:off x="3620441" y="0"/>
+            <a:ext cx="4951164" cy="523220"/>
+          </a:xfrm>
+          <a:prstGeom prst="rect">
+            <a:avLst/>
+          </a:prstGeom>
+        </p:spPr>
+        <p:txBody>
+          <a:bodyPr wrap="none">
+            <a:spAutoFit/>
+          </a:bodyPr>
+          <a:lstStyle/>
+          <a:p>
+            <a:pPr algn="ctr"/>
+            <a:r>
+              <a:rPr lang="ru-RU" sz="2800" b="1" dirty="0" smtClean="0">
+                <a:latin typeface="Calibri" panose="020F0502020204030204" pitchFamily="34" charset="0"/>
+              </a:rPr>
+              <a:t>Просто о указателях и ссылках</a:t>
+            </a:r>
+            <a:endParaRPr lang="ru-RU" sz="2800" b="1" dirty="0">
+              <a:latin typeface="Calibri" panose="020F0502020204030204" pitchFamily="34" charset="0"/>
+            </a:endParaRPr>
+          </a:p>
+        </p:txBody>
+      </p:sp>
+      <p:pic>
+        <p:nvPicPr>
+          <p:cNvPr id="3" name="Рисунок 2"/>
+          <p:cNvPicPr>
+            <a:picLocks noChangeAspect="1"/>
+          </p:cNvPicPr>
+          <p:nvPr/>
+        </p:nvPicPr>
+        <p:blipFill>
+          <a:blip r:embed="rId2">
+            <a:extLst>
+              <a:ext uri="{28A0092B-C50C-407E-A947-70E740481C1C}">
+                <a14:useLocalDpi xmlns:a14="http://schemas.microsoft.com/office/drawing/2010/main" val="0"/>
+              </a:ext>
+            </a:extLst>
+          </a:blip>
+          <a:stretch>
+            <a:fillRect/>
+          </a:stretch>
+        </p:blipFill>
+        <p:spPr>
+          <a:xfrm>
+            <a:off x="1599491" y="523220"/>
+            <a:ext cx="8993064" cy="5995376"/>
+          </a:xfrm>
+          <a:prstGeom prst="rect">
+            <a:avLst/>
+          </a:prstGeom>
+        </p:spPr>
+      </p:pic>
+    </p:spTree>
+    <p:extLst>
+      <p:ext uri="{BB962C8B-B14F-4D97-AF65-F5344CB8AC3E}">
+        <p14:creationId xmlns:p14="http://schemas.microsoft.com/office/powerpoint/2010/main" val="1642337003"/>
+      </p:ext>
+    </p:extLst>
+  </p:cSld>
+  <p:clrMapOvr>
+    <a:masterClrMapping/>
+  </p:clrMapOvr>
+</p:sld>
+</file>
+
+<file path=ppt/slides/slide7.xml><?xml version="1.0" encoding="utf-8"?>
+<p:sld xmlns:a="http://schemas.openxmlformats.org/drawingml/2006/main" xmlns:r="http://schemas.openxmlformats.org/officeDocument/2006/relationships" xmlns:p="http://schemas.openxmlformats.org/presentationml/2006/main">
+  <p:cSld>
+    <p:spTree>
+      <p:nvGrpSpPr>
+        <p:cNvPr id="1" name=""/>
+        <p:cNvGrpSpPr/>
+        <p:nvPr/>
+      </p:nvGrpSpPr>
+      <p:grpSpPr>
+        <a:xfrm>
+          <a:off x="0" y="0"/>
+          <a:ext cx="0" cy="0"/>
+          <a:chOff x="0" y="0"/>
+          <a:chExt cx="0" cy="0"/>
+        </a:xfrm>
+      </p:grpSpPr>
+      <p:sp>
+        <p:nvSpPr>
+          <p:cNvPr id="2" name="Прямоугольник 1"/>
+          <p:cNvSpPr/>
+          <p:nvPr/>
+        </p:nvSpPr>
+        <p:spPr>
+          <a:xfrm>
             <a:off x="5418848" y="0"/>
             <a:ext cx="1354345" cy="523220"/>
           </a:xfrm>
@@ -22907,7 +24606,7 @@
 </p:sld>
 </file>
 
-<file path=ppt/slides/slide7.xml><?xml version="1.0" encoding="utf-8"?>
+<file path=ppt/slides/slide8.xml><?xml version="1.0" encoding="utf-8"?>
 <p:sld xmlns:a="http://schemas.openxmlformats.org/drawingml/2006/main" xmlns:r="http://schemas.openxmlformats.org/officeDocument/2006/relationships" xmlns:p="http://schemas.openxmlformats.org/presentationml/2006/main">
   <p:cSld>
     <p:spTree>
@@ -23850,27 +25549,7 @@
                   <a:effectLst/>
                   <a:latin typeface="Consolas" panose="020B0609020204030204" pitchFamily="49" charset="0"/>
                 </a:rPr>
-                <a:t> &lt;&lt; *(</a:t>
-              </a:r>
-              <a:r>
-                <a:rPr lang="en-US" b="0" dirty="0" smtClean="0">
-                  <a:solidFill>
-                    <a:srgbClr val="000000"/>
-                  </a:solidFill>
-                  <a:effectLst/>
-                  <a:latin typeface="Consolas" panose="020B0609020204030204" pitchFamily="49" charset="0"/>
-                </a:rPr>
-                <a:t>p</a:t>
-              </a:r>
-              <a:r>
-                <a:rPr lang="en-US" b="0" dirty="0" smtClean="0">
-                  <a:solidFill>
-                    <a:srgbClr val="000000"/>
-                  </a:solidFill>
-                  <a:effectLst/>
-                  <a:latin typeface="Consolas" panose="020B0609020204030204" pitchFamily="49" charset="0"/>
-                </a:rPr>
-                <a:t> + </a:t>
+                <a:t> &lt;&lt; *(p + </a:t>
               </a:r>
               <a:r>
                 <a:rPr lang="en-US" b="0" dirty="0" err="1" smtClean="0">
@@ -24145,7 +25824,6 @@
                 <a:rPr lang="ru-RU" dirty="0" smtClean="0"/>
                 <a:t>6422000</a:t>
               </a:r>
-              <a:endParaRPr lang="ru-RU" dirty="0" smtClean="0"/>
             </a:p>
             <a:p>
               <a:r>
@@ -24635,7 +26313,7 @@
 </p:sld>
 </file>
 
-<file path=ppt/slides/slide8.xml><?xml version="1.0" encoding="utf-8"?>
+<file path=ppt/slides/slide9.xml><?xml version="1.0" encoding="utf-8"?>
 <p:sld xmlns:a="http://schemas.openxmlformats.org/drawingml/2006/main" xmlns:r="http://schemas.openxmlformats.org/officeDocument/2006/relationships" xmlns:p="http://schemas.openxmlformats.org/presentationml/2006/main">
   <p:cSld>
     <p:spTree>
@@ -25068,1556 +26746,6 @@
     <p:extLst>
       <p:ext uri="{BB962C8B-B14F-4D97-AF65-F5344CB8AC3E}">
         <p14:creationId xmlns:p14="http://schemas.microsoft.com/office/powerpoint/2010/main" val="1866489608"/>
-      </p:ext>
-    </p:extLst>
-  </p:cSld>
-  <p:clrMapOvr>
-    <a:masterClrMapping/>
-  </p:clrMapOvr>
-</p:sld>
-</file>
-
-<file path=ppt/slides/slide9.xml><?xml version="1.0" encoding="utf-8"?>
-<p:sld xmlns:a="http://schemas.openxmlformats.org/drawingml/2006/main" xmlns:r="http://schemas.openxmlformats.org/officeDocument/2006/relationships" xmlns:p="http://schemas.openxmlformats.org/presentationml/2006/main">
-  <p:cSld>
-    <p:spTree>
-      <p:nvGrpSpPr>
-        <p:cNvPr id="1" name=""/>
-        <p:cNvGrpSpPr/>
-        <p:nvPr/>
-      </p:nvGrpSpPr>
-      <p:grpSpPr>
-        <a:xfrm>
-          <a:off x="0" y="0"/>
-          <a:ext cx="0" cy="0"/>
-          <a:chOff x="0" y="0"/>
-          <a:chExt cx="0" cy="0"/>
-        </a:xfrm>
-      </p:grpSpPr>
-      <p:sp>
-        <p:nvSpPr>
-          <p:cNvPr id="4" name="Прямоугольник 3"/>
-          <p:cNvSpPr/>
-          <p:nvPr/>
-        </p:nvSpPr>
-        <p:spPr>
-          <a:xfrm>
-            <a:off x="4787303" y="776768"/>
-            <a:ext cx="7136112" cy="5355312"/>
-          </a:xfrm>
-          <a:prstGeom prst="rect">
-            <a:avLst/>
-          </a:prstGeom>
-        </p:spPr>
-        <p:txBody>
-          <a:bodyPr wrap="square">
-            <a:spAutoFit/>
-          </a:bodyPr>
-          <a:lstStyle/>
-          <a:p>
-            <a:r>
-              <a:rPr lang="en-US" b="0" dirty="0" err="1" smtClean="0">
-                <a:solidFill>
-                  <a:srgbClr val="0000FF"/>
-                </a:solidFill>
-                <a:effectLst/>
-                <a:latin typeface="Consolas" panose="020B0609020204030204" pitchFamily="49" charset="0"/>
-              </a:rPr>
-              <a:t>int</a:t>
-            </a:r>
-            <a:r>
-              <a:rPr lang="en-US" b="0" dirty="0" smtClean="0">
-                <a:solidFill>
-                  <a:srgbClr val="000000"/>
-                </a:solidFill>
-                <a:effectLst/>
-                <a:latin typeface="Consolas" panose="020B0609020204030204" pitchFamily="49" charset="0"/>
-              </a:rPr>
-              <a:t> buffer[</a:t>
-            </a:r>
-            <a:r>
-              <a:rPr lang="en-US" b="0" dirty="0" smtClean="0">
-                <a:solidFill>
-                  <a:srgbClr val="098658"/>
-                </a:solidFill>
-                <a:effectLst/>
-                <a:latin typeface="Consolas" panose="020B0609020204030204" pitchFamily="49" charset="0"/>
-              </a:rPr>
-              <a:t>10</a:t>
-            </a:r>
-            <a:r>
-              <a:rPr lang="en-US" b="0" dirty="0" smtClean="0">
-                <a:solidFill>
-                  <a:srgbClr val="000000"/>
-                </a:solidFill>
-                <a:effectLst/>
-                <a:latin typeface="Consolas" panose="020B0609020204030204" pitchFamily="49" charset="0"/>
-              </a:rPr>
-              <a:t>] {</a:t>
-            </a:r>
-            <a:r>
-              <a:rPr lang="en-US" b="0" dirty="0" smtClean="0">
-                <a:solidFill>
-                  <a:srgbClr val="098658"/>
-                </a:solidFill>
-                <a:effectLst/>
-                <a:latin typeface="Consolas" panose="020B0609020204030204" pitchFamily="49" charset="0"/>
-              </a:rPr>
-              <a:t>1</a:t>
-            </a:r>
-            <a:r>
-              <a:rPr lang="en-US" b="0" dirty="0" smtClean="0">
-                <a:solidFill>
-                  <a:srgbClr val="000000"/>
-                </a:solidFill>
-                <a:effectLst/>
-                <a:latin typeface="Consolas" panose="020B0609020204030204" pitchFamily="49" charset="0"/>
-              </a:rPr>
-              <a:t>,</a:t>
-            </a:r>
-            <a:r>
-              <a:rPr lang="en-US" b="0" dirty="0" smtClean="0">
-                <a:solidFill>
-                  <a:srgbClr val="098658"/>
-                </a:solidFill>
-                <a:effectLst/>
-                <a:latin typeface="Consolas" panose="020B0609020204030204" pitchFamily="49" charset="0"/>
-              </a:rPr>
-              <a:t>2</a:t>
-            </a:r>
-            <a:r>
-              <a:rPr lang="en-US" b="0" dirty="0" smtClean="0">
-                <a:solidFill>
-                  <a:srgbClr val="000000"/>
-                </a:solidFill>
-                <a:effectLst/>
-                <a:latin typeface="Consolas" panose="020B0609020204030204" pitchFamily="49" charset="0"/>
-              </a:rPr>
-              <a:t>,</a:t>
-            </a:r>
-            <a:r>
-              <a:rPr lang="en-US" b="0" dirty="0" smtClean="0">
-                <a:solidFill>
-                  <a:srgbClr val="098658"/>
-                </a:solidFill>
-                <a:effectLst/>
-                <a:latin typeface="Consolas" panose="020B0609020204030204" pitchFamily="49" charset="0"/>
-              </a:rPr>
-              <a:t>3</a:t>
-            </a:r>
-            <a:r>
-              <a:rPr lang="en-US" b="0" dirty="0" smtClean="0">
-                <a:solidFill>
-                  <a:srgbClr val="000000"/>
-                </a:solidFill>
-                <a:effectLst/>
-                <a:latin typeface="Consolas" panose="020B0609020204030204" pitchFamily="49" charset="0"/>
-              </a:rPr>
-              <a:t>,</a:t>
-            </a:r>
-            <a:r>
-              <a:rPr lang="en-US" b="0" dirty="0" smtClean="0">
-                <a:solidFill>
-                  <a:srgbClr val="098658"/>
-                </a:solidFill>
-                <a:effectLst/>
-                <a:latin typeface="Consolas" panose="020B0609020204030204" pitchFamily="49" charset="0"/>
-              </a:rPr>
-              <a:t>4</a:t>
-            </a:r>
-            <a:r>
-              <a:rPr lang="en-US" b="0" dirty="0" smtClean="0">
-                <a:solidFill>
-                  <a:srgbClr val="000000"/>
-                </a:solidFill>
-                <a:effectLst/>
-                <a:latin typeface="Consolas" panose="020B0609020204030204" pitchFamily="49" charset="0"/>
-              </a:rPr>
-              <a:t>,</a:t>
-            </a:r>
-            <a:r>
-              <a:rPr lang="en-US" b="0" dirty="0" smtClean="0">
-                <a:solidFill>
-                  <a:srgbClr val="098658"/>
-                </a:solidFill>
-                <a:effectLst/>
-                <a:latin typeface="Consolas" panose="020B0609020204030204" pitchFamily="49" charset="0"/>
-              </a:rPr>
-              <a:t>5</a:t>
-            </a:r>
-            <a:r>
-              <a:rPr lang="en-US" b="0" dirty="0" smtClean="0">
-                <a:solidFill>
-                  <a:srgbClr val="000000"/>
-                </a:solidFill>
-                <a:effectLst/>
-                <a:latin typeface="Consolas" panose="020B0609020204030204" pitchFamily="49" charset="0"/>
-              </a:rPr>
-              <a:t>,</a:t>
-            </a:r>
-            <a:r>
-              <a:rPr lang="en-US" b="0" dirty="0" smtClean="0">
-                <a:solidFill>
-                  <a:srgbClr val="098658"/>
-                </a:solidFill>
-                <a:effectLst/>
-                <a:latin typeface="Consolas" panose="020B0609020204030204" pitchFamily="49" charset="0"/>
-              </a:rPr>
-              <a:t>6</a:t>
-            </a:r>
-            <a:r>
-              <a:rPr lang="en-US" b="0" dirty="0" smtClean="0">
-                <a:solidFill>
-                  <a:srgbClr val="000000"/>
-                </a:solidFill>
-                <a:effectLst/>
-                <a:latin typeface="Consolas" panose="020B0609020204030204" pitchFamily="49" charset="0"/>
-              </a:rPr>
-              <a:t>,</a:t>
-            </a:r>
-            <a:r>
-              <a:rPr lang="en-US" b="0" dirty="0" smtClean="0">
-                <a:solidFill>
-                  <a:srgbClr val="098658"/>
-                </a:solidFill>
-                <a:effectLst/>
-                <a:latin typeface="Consolas" panose="020B0609020204030204" pitchFamily="49" charset="0"/>
-              </a:rPr>
-              <a:t>7</a:t>
-            </a:r>
-            <a:r>
-              <a:rPr lang="en-US" b="0" dirty="0" smtClean="0">
-                <a:solidFill>
-                  <a:srgbClr val="000000"/>
-                </a:solidFill>
-                <a:effectLst/>
-                <a:latin typeface="Consolas" panose="020B0609020204030204" pitchFamily="49" charset="0"/>
-              </a:rPr>
-              <a:t>,</a:t>
-            </a:r>
-            <a:r>
-              <a:rPr lang="en-US" b="0" dirty="0" smtClean="0">
-                <a:solidFill>
-                  <a:srgbClr val="098658"/>
-                </a:solidFill>
-                <a:effectLst/>
-                <a:latin typeface="Consolas" panose="020B0609020204030204" pitchFamily="49" charset="0"/>
-              </a:rPr>
-              <a:t>8</a:t>
-            </a:r>
-            <a:r>
-              <a:rPr lang="en-US" b="0" dirty="0" smtClean="0">
-                <a:solidFill>
-                  <a:srgbClr val="000000"/>
-                </a:solidFill>
-                <a:effectLst/>
-                <a:latin typeface="Consolas" panose="020B0609020204030204" pitchFamily="49" charset="0"/>
-              </a:rPr>
-              <a:t>,</a:t>
-            </a:r>
-            <a:r>
-              <a:rPr lang="en-US" b="0" dirty="0" smtClean="0">
-                <a:solidFill>
-                  <a:srgbClr val="098658"/>
-                </a:solidFill>
-                <a:effectLst/>
-                <a:latin typeface="Consolas" panose="020B0609020204030204" pitchFamily="49" charset="0"/>
-              </a:rPr>
-              <a:t>9</a:t>
-            </a:r>
-            <a:r>
-              <a:rPr lang="en-US" b="0" dirty="0" smtClean="0">
-                <a:solidFill>
-                  <a:srgbClr val="000000"/>
-                </a:solidFill>
-                <a:effectLst/>
-                <a:latin typeface="Consolas" panose="020B0609020204030204" pitchFamily="49" charset="0"/>
-              </a:rPr>
-              <a:t>,</a:t>
-            </a:r>
-            <a:r>
-              <a:rPr lang="en-US" b="0" dirty="0" smtClean="0">
-                <a:solidFill>
-                  <a:srgbClr val="098658"/>
-                </a:solidFill>
-                <a:effectLst/>
-                <a:latin typeface="Consolas" panose="020B0609020204030204" pitchFamily="49" charset="0"/>
-              </a:rPr>
-              <a:t>0</a:t>
-            </a:r>
-            <a:r>
-              <a:rPr lang="en-US" b="0" dirty="0" smtClean="0">
-                <a:solidFill>
-                  <a:srgbClr val="000000"/>
-                </a:solidFill>
-                <a:effectLst/>
-                <a:latin typeface="Consolas" panose="020B0609020204030204" pitchFamily="49" charset="0"/>
-              </a:rPr>
-              <a:t>};</a:t>
-            </a:r>
-          </a:p>
-          <a:p>
-            <a:r>
-              <a:rPr lang="en-US" b="0" dirty="0" err="1" smtClean="0">
-                <a:solidFill>
-                  <a:srgbClr val="0000FF"/>
-                </a:solidFill>
-                <a:effectLst/>
-                <a:latin typeface="Consolas" panose="020B0609020204030204" pitchFamily="49" charset="0"/>
-              </a:rPr>
-              <a:t>int</a:t>
-            </a:r>
-            <a:r>
-              <a:rPr lang="en-US" b="0" dirty="0" smtClean="0">
-                <a:solidFill>
-                  <a:srgbClr val="000000"/>
-                </a:solidFill>
-                <a:effectLst/>
-                <a:latin typeface="Consolas" panose="020B0609020204030204" pitchFamily="49" charset="0"/>
-              </a:rPr>
-              <a:t>* </a:t>
-            </a:r>
-            <a:r>
-              <a:rPr lang="en-US" b="0" dirty="0" err="1" smtClean="0">
-                <a:solidFill>
-                  <a:srgbClr val="000000"/>
-                </a:solidFill>
-                <a:effectLst/>
-                <a:latin typeface="Consolas" panose="020B0609020204030204" pitchFamily="49" charset="0"/>
-              </a:rPr>
-              <a:t>p_buffer</a:t>
-            </a:r>
-            <a:r>
-              <a:rPr lang="en-US" b="0" dirty="0" smtClean="0">
-                <a:solidFill>
-                  <a:srgbClr val="000000"/>
-                </a:solidFill>
-                <a:effectLst/>
-                <a:latin typeface="Consolas" panose="020B0609020204030204" pitchFamily="49" charset="0"/>
-              </a:rPr>
-              <a:t> = buffer;</a:t>
-            </a:r>
-          </a:p>
-          <a:p>
-            <a:r>
-              <a:rPr lang="en-US" b="0" dirty="0" smtClean="0">
-                <a:solidFill>
-                  <a:srgbClr val="0000FF"/>
-                </a:solidFill>
-                <a:effectLst/>
-                <a:latin typeface="Consolas" panose="020B0609020204030204" pitchFamily="49" charset="0"/>
-              </a:rPr>
-              <a:t>void</a:t>
-            </a:r>
-            <a:r>
-              <a:rPr lang="en-US" b="0" dirty="0" smtClean="0">
-                <a:solidFill>
-                  <a:srgbClr val="000000"/>
-                </a:solidFill>
-                <a:effectLst/>
-                <a:latin typeface="Consolas" panose="020B0609020204030204" pitchFamily="49" charset="0"/>
-              </a:rPr>
-              <a:t>* </a:t>
-            </a:r>
-            <a:r>
-              <a:rPr lang="en-US" b="0" dirty="0" err="1" smtClean="0">
-                <a:solidFill>
-                  <a:srgbClr val="000000"/>
-                </a:solidFill>
-                <a:effectLst/>
-                <a:latin typeface="Consolas" panose="020B0609020204030204" pitchFamily="49" charset="0"/>
-              </a:rPr>
-              <a:t>p_void_buffer</a:t>
-            </a:r>
-            <a:r>
-              <a:rPr lang="en-US" b="0" dirty="0" smtClean="0">
-                <a:solidFill>
-                  <a:srgbClr val="000000"/>
-                </a:solidFill>
-                <a:effectLst/>
-                <a:latin typeface="Consolas" panose="020B0609020204030204" pitchFamily="49" charset="0"/>
-              </a:rPr>
-              <a:t> = buffer;</a:t>
-            </a:r>
-          </a:p>
-          <a:p>
-            <a:r>
-              <a:rPr lang="en-US" b="0" dirty="0" err="1" smtClean="0">
-                <a:solidFill>
-                  <a:srgbClr val="000000"/>
-                </a:solidFill>
-                <a:effectLst/>
-                <a:latin typeface="Consolas" panose="020B0609020204030204" pitchFamily="49" charset="0"/>
-              </a:rPr>
-              <a:t>cout</a:t>
-            </a:r>
-            <a:r>
-              <a:rPr lang="en-US" b="0" dirty="0" smtClean="0">
-                <a:solidFill>
-                  <a:srgbClr val="000000"/>
-                </a:solidFill>
-                <a:effectLst/>
-                <a:latin typeface="Consolas" panose="020B0609020204030204" pitchFamily="49" charset="0"/>
-              </a:rPr>
-              <a:t> &lt;&lt; *</a:t>
-            </a:r>
-            <a:r>
-              <a:rPr lang="en-US" b="0" dirty="0" err="1" smtClean="0">
-                <a:solidFill>
-                  <a:srgbClr val="000000"/>
-                </a:solidFill>
-                <a:effectLst/>
-                <a:latin typeface="Consolas" panose="020B0609020204030204" pitchFamily="49" charset="0"/>
-              </a:rPr>
-              <a:t>p_buffer</a:t>
-            </a:r>
-            <a:r>
-              <a:rPr lang="en-US" b="0" dirty="0" smtClean="0">
-                <a:solidFill>
-                  <a:srgbClr val="000000"/>
-                </a:solidFill>
-                <a:effectLst/>
-                <a:latin typeface="Consolas" panose="020B0609020204030204" pitchFamily="49" charset="0"/>
-              </a:rPr>
-              <a:t> &lt;&lt; </a:t>
-            </a:r>
-            <a:r>
-              <a:rPr lang="en-US" b="0" dirty="0" err="1" smtClean="0">
-                <a:solidFill>
-                  <a:srgbClr val="000000"/>
-                </a:solidFill>
-                <a:effectLst/>
-                <a:latin typeface="Consolas" panose="020B0609020204030204" pitchFamily="49" charset="0"/>
-              </a:rPr>
-              <a:t>endl</a:t>
-            </a:r>
-            <a:r>
-              <a:rPr lang="en-US" b="0" dirty="0" smtClean="0">
-                <a:solidFill>
-                  <a:srgbClr val="000000"/>
-                </a:solidFill>
-                <a:effectLst/>
-                <a:latin typeface="Consolas" panose="020B0609020204030204" pitchFamily="49" charset="0"/>
-              </a:rPr>
-              <a:t>;</a:t>
-            </a:r>
-          </a:p>
-          <a:p>
-            <a:r>
-              <a:rPr lang="en-US" b="0" dirty="0" err="1" smtClean="0">
-                <a:solidFill>
-                  <a:srgbClr val="000000"/>
-                </a:solidFill>
-                <a:effectLst/>
-                <a:latin typeface="Consolas" panose="020B0609020204030204" pitchFamily="49" charset="0"/>
-              </a:rPr>
-              <a:t>cout</a:t>
-            </a:r>
-            <a:r>
-              <a:rPr lang="en-US" b="0" dirty="0" smtClean="0">
-                <a:solidFill>
-                  <a:srgbClr val="000000"/>
-                </a:solidFill>
-                <a:effectLst/>
-                <a:latin typeface="Consolas" panose="020B0609020204030204" pitchFamily="49" charset="0"/>
-              </a:rPr>
-              <a:t> &lt;&lt; *((</a:t>
-            </a:r>
-            <a:r>
-              <a:rPr lang="en-US" b="0" dirty="0" err="1" smtClean="0">
-                <a:solidFill>
-                  <a:srgbClr val="0000FF"/>
-                </a:solidFill>
-                <a:effectLst/>
-                <a:latin typeface="Consolas" panose="020B0609020204030204" pitchFamily="49" charset="0"/>
-              </a:rPr>
-              <a:t>int</a:t>
-            </a:r>
-            <a:r>
-              <a:rPr lang="en-US" b="0" dirty="0" smtClean="0">
-                <a:solidFill>
-                  <a:srgbClr val="000000"/>
-                </a:solidFill>
-                <a:effectLst/>
-                <a:latin typeface="Consolas" panose="020B0609020204030204" pitchFamily="49" charset="0"/>
-              </a:rPr>
-              <a:t>*)</a:t>
-            </a:r>
-            <a:r>
-              <a:rPr lang="en-US" b="0" dirty="0" err="1" smtClean="0">
-                <a:solidFill>
-                  <a:srgbClr val="000000"/>
-                </a:solidFill>
-                <a:effectLst/>
-                <a:latin typeface="Consolas" panose="020B0609020204030204" pitchFamily="49" charset="0"/>
-              </a:rPr>
-              <a:t>p_void_buffer</a:t>
-            </a:r>
-            <a:r>
-              <a:rPr lang="en-US" b="0" dirty="0" smtClean="0">
-                <a:solidFill>
-                  <a:srgbClr val="000000"/>
-                </a:solidFill>
-                <a:effectLst/>
-                <a:latin typeface="Consolas" panose="020B0609020204030204" pitchFamily="49" charset="0"/>
-              </a:rPr>
-              <a:t>) &lt;&lt; </a:t>
-            </a:r>
-            <a:r>
-              <a:rPr lang="en-US" b="0" dirty="0" smtClean="0">
-                <a:solidFill>
-                  <a:srgbClr val="A31515"/>
-                </a:solidFill>
-                <a:effectLst/>
-                <a:latin typeface="Consolas" panose="020B0609020204030204" pitchFamily="49" charset="0"/>
-              </a:rPr>
-              <a:t>" -&gt; "</a:t>
-            </a:r>
-            <a:r>
-              <a:rPr lang="en-US" b="0" dirty="0" smtClean="0">
-                <a:solidFill>
-                  <a:srgbClr val="000000"/>
-                </a:solidFill>
-                <a:effectLst/>
-                <a:latin typeface="Consolas" panose="020B0609020204030204" pitchFamily="49" charset="0"/>
-              </a:rPr>
-              <a:t> </a:t>
-            </a:r>
-          </a:p>
-          <a:p>
-            <a:r>
-              <a:rPr lang="en-US" b="0" dirty="0" smtClean="0">
-                <a:solidFill>
-                  <a:srgbClr val="000000"/>
-                </a:solidFill>
-                <a:effectLst/>
-                <a:latin typeface="Consolas" panose="020B0609020204030204" pitchFamily="49" charset="0"/>
-              </a:rPr>
-              <a:t>     &lt;&lt; </a:t>
-            </a:r>
-            <a:r>
-              <a:rPr lang="en-US" b="0" dirty="0" err="1" smtClean="0">
-                <a:solidFill>
-                  <a:srgbClr val="0000FF"/>
-                </a:solidFill>
-                <a:effectLst/>
-                <a:latin typeface="Consolas" panose="020B0609020204030204" pitchFamily="49" charset="0"/>
-              </a:rPr>
-              <a:t>sizeof</a:t>
-            </a:r>
-            <a:r>
-              <a:rPr lang="en-US" b="0" dirty="0" smtClean="0">
-                <a:solidFill>
-                  <a:srgbClr val="000000"/>
-                </a:solidFill>
-                <a:effectLst/>
-                <a:latin typeface="Consolas" panose="020B0609020204030204" pitchFamily="49" charset="0"/>
-              </a:rPr>
-              <a:t>(*((</a:t>
-            </a:r>
-            <a:r>
-              <a:rPr lang="en-US" b="0" dirty="0" err="1" smtClean="0">
-                <a:solidFill>
-                  <a:srgbClr val="0000FF"/>
-                </a:solidFill>
-                <a:effectLst/>
-                <a:latin typeface="Consolas" panose="020B0609020204030204" pitchFamily="49" charset="0"/>
-              </a:rPr>
-              <a:t>int</a:t>
-            </a:r>
-            <a:r>
-              <a:rPr lang="en-US" b="0" dirty="0" smtClean="0">
-                <a:solidFill>
-                  <a:srgbClr val="000000"/>
-                </a:solidFill>
-                <a:effectLst/>
-                <a:latin typeface="Consolas" panose="020B0609020204030204" pitchFamily="49" charset="0"/>
-              </a:rPr>
-              <a:t>*)</a:t>
-            </a:r>
-            <a:r>
-              <a:rPr lang="en-US" b="0" dirty="0" err="1" smtClean="0">
-                <a:solidFill>
-                  <a:srgbClr val="000000"/>
-                </a:solidFill>
-                <a:effectLst/>
-                <a:latin typeface="Consolas" panose="020B0609020204030204" pitchFamily="49" charset="0"/>
-              </a:rPr>
-              <a:t>p_void_buffer</a:t>
-            </a:r>
-            <a:r>
-              <a:rPr lang="en-US" b="0" dirty="0" smtClean="0">
-                <a:solidFill>
-                  <a:srgbClr val="000000"/>
-                </a:solidFill>
-                <a:effectLst/>
-                <a:latin typeface="Consolas" panose="020B0609020204030204" pitchFamily="49" charset="0"/>
-              </a:rPr>
-              <a:t>)) &lt;&lt; </a:t>
-            </a:r>
-            <a:r>
-              <a:rPr lang="en-US" b="0" dirty="0" err="1" smtClean="0">
-                <a:solidFill>
-                  <a:srgbClr val="000000"/>
-                </a:solidFill>
-                <a:effectLst/>
-                <a:latin typeface="Consolas" panose="020B0609020204030204" pitchFamily="49" charset="0"/>
-              </a:rPr>
-              <a:t>endl</a:t>
-            </a:r>
-            <a:r>
-              <a:rPr lang="en-US" b="0" dirty="0" smtClean="0">
-                <a:solidFill>
-                  <a:srgbClr val="000000"/>
-                </a:solidFill>
-                <a:effectLst/>
-                <a:latin typeface="Consolas" panose="020B0609020204030204" pitchFamily="49" charset="0"/>
-              </a:rPr>
-              <a:t>;</a:t>
-            </a:r>
-          </a:p>
-          <a:p>
-            <a:r>
-              <a:rPr lang="en-US" b="0" dirty="0" smtClean="0">
-                <a:solidFill>
-                  <a:srgbClr val="008000"/>
-                </a:solidFill>
-                <a:effectLst/>
-                <a:latin typeface="Consolas" panose="020B0609020204030204" pitchFamily="49" charset="0"/>
-              </a:rPr>
-              <a:t>// 1 -&gt; 4</a:t>
-            </a:r>
-            <a:endParaRPr lang="en-US" b="0" dirty="0" smtClean="0">
-              <a:solidFill>
-                <a:srgbClr val="000000"/>
-              </a:solidFill>
-              <a:effectLst/>
-              <a:latin typeface="Consolas" panose="020B0609020204030204" pitchFamily="49" charset="0"/>
-            </a:endParaRPr>
-          </a:p>
-          <a:p>
-            <a:r>
-              <a:rPr lang="en-US" b="0" dirty="0" err="1" smtClean="0">
-                <a:solidFill>
-                  <a:srgbClr val="000000"/>
-                </a:solidFill>
-                <a:effectLst/>
-                <a:latin typeface="Consolas" panose="020B0609020204030204" pitchFamily="49" charset="0"/>
-              </a:rPr>
-              <a:t>cout</a:t>
-            </a:r>
-            <a:r>
-              <a:rPr lang="en-US" b="0" dirty="0" smtClean="0">
-                <a:solidFill>
-                  <a:srgbClr val="000000"/>
-                </a:solidFill>
-                <a:effectLst/>
-                <a:latin typeface="Consolas" panose="020B0609020204030204" pitchFamily="49" charset="0"/>
-              </a:rPr>
-              <a:t> &lt;&lt; *((</a:t>
-            </a:r>
-            <a:r>
-              <a:rPr lang="en-US" b="0" dirty="0" smtClean="0">
-                <a:solidFill>
-                  <a:srgbClr val="0000FF"/>
-                </a:solidFill>
-                <a:effectLst/>
-                <a:latin typeface="Consolas" panose="020B0609020204030204" pitchFamily="49" charset="0"/>
-              </a:rPr>
-              <a:t>long</a:t>
-            </a:r>
-            <a:r>
-              <a:rPr lang="en-US" b="0" dirty="0" smtClean="0">
-                <a:solidFill>
-                  <a:srgbClr val="000000"/>
-                </a:solidFill>
-                <a:effectLst/>
-                <a:latin typeface="Consolas" panose="020B0609020204030204" pitchFamily="49" charset="0"/>
-              </a:rPr>
-              <a:t> </a:t>
-            </a:r>
-            <a:r>
-              <a:rPr lang="en-US" b="0" dirty="0" smtClean="0">
-                <a:solidFill>
-                  <a:srgbClr val="0000FF"/>
-                </a:solidFill>
-                <a:effectLst/>
-                <a:latin typeface="Consolas" panose="020B0609020204030204" pitchFamily="49" charset="0"/>
-              </a:rPr>
-              <a:t>long</a:t>
-            </a:r>
-            <a:r>
-              <a:rPr lang="en-US" b="0" dirty="0" smtClean="0">
-                <a:solidFill>
-                  <a:srgbClr val="000000"/>
-                </a:solidFill>
-                <a:effectLst/>
-                <a:latin typeface="Consolas" panose="020B0609020204030204" pitchFamily="49" charset="0"/>
-              </a:rPr>
-              <a:t>*)</a:t>
-            </a:r>
-            <a:r>
-              <a:rPr lang="en-US" b="0" dirty="0" err="1" smtClean="0">
-                <a:solidFill>
-                  <a:srgbClr val="000000"/>
-                </a:solidFill>
-                <a:effectLst/>
-                <a:latin typeface="Consolas" panose="020B0609020204030204" pitchFamily="49" charset="0"/>
-              </a:rPr>
-              <a:t>p_void_buffer</a:t>
-            </a:r>
-            <a:r>
-              <a:rPr lang="en-US" b="0" dirty="0" smtClean="0">
-                <a:solidFill>
-                  <a:srgbClr val="000000"/>
-                </a:solidFill>
-                <a:effectLst/>
-                <a:latin typeface="Consolas" panose="020B0609020204030204" pitchFamily="49" charset="0"/>
-              </a:rPr>
-              <a:t>) &lt;&lt; </a:t>
-            </a:r>
-            <a:r>
-              <a:rPr lang="en-US" b="0" dirty="0" smtClean="0">
-                <a:solidFill>
-                  <a:srgbClr val="A31515"/>
-                </a:solidFill>
-                <a:effectLst/>
-                <a:latin typeface="Consolas" panose="020B0609020204030204" pitchFamily="49" charset="0"/>
-              </a:rPr>
-              <a:t>" -&gt; "</a:t>
-            </a:r>
-            <a:r>
-              <a:rPr lang="en-US" b="0" dirty="0" smtClean="0">
-                <a:solidFill>
-                  <a:srgbClr val="000000"/>
-                </a:solidFill>
-                <a:effectLst/>
-                <a:latin typeface="Consolas" panose="020B0609020204030204" pitchFamily="49" charset="0"/>
-              </a:rPr>
-              <a:t> </a:t>
-            </a:r>
-          </a:p>
-          <a:p>
-            <a:r>
-              <a:rPr lang="en-US" b="0" dirty="0" smtClean="0">
-                <a:solidFill>
-                  <a:srgbClr val="000000"/>
-                </a:solidFill>
-                <a:effectLst/>
-                <a:latin typeface="Consolas" panose="020B0609020204030204" pitchFamily="49" charset="0"/>
-              </a:rPr>
-              <a:t>     &lt;&lt; </a:t>
-            </a:r>
-            <a:r>
-              <a:rPr lang="en-US" b="0" dirty="0" err="1" smtClean="0">
-                <a:solidFill>
-                  <a:srgbClr val="0000FF"/>
-                </a:solidFill>
-                <a:effectLst/>
-                <a:latin typeface="Consolas" panose="020B0609020204030204" pitchFamily="49" charset="0"/>
-              </a:rPr>
-              <a:t>sizeof</a:t>
-            </a:r>
-            <a:r>
-              <a:rPr lang="en-US" b="0" dirty="0" smtClean="0">
-                <a:solidFill>
-                  <a:srgbClr val="000000"/>
-                </a:solidFill>
-                <a:effectLst/>
-                <a:latin typeface="Consolas" panose="020B0609020204030204" pitchFamily="49" charset="0"/>
-              </a:rPr>
-              <a:t>(*((</a:t>
-            </a:r>
-            <a:r>
-              <a:rPr lang="en-US" b="0" dirty="0" smtClean="0">
-                <a:solidFill>
-                  <a:srgbClr val="0000FF"/>
-                </a:solidFill>
-                <a:effectLst/>
-                <a:latin typeface="Consolas" panose="020B0609020204030204" pitchFamily="49" charset="0"/>
-              </a:rPr>
-              <a:t>long</a:t>
-            </a:r>
-            <a:r>
-              <a:rPr lang="en-US" b="0" dirty="0" smtClean="0">
-                <a:solidFill>
-                  <a:srgbClr val="000000"/>
-                </a:solidFill>
-                <a:effectLst/>
-                <a:latin typeface="Consolas" panose="020B0609020204030204" pitchFamily="49" charset="0"/>
-              </a:rPr>
-              <a:t> </a:t>
-            </a:r>
-            <a:r>
-              <a:rPr lang="en-US" b="0" dirty="0" smtClean="0">
-                <a:solidFill>
-                  <a:srgbClr val="0000FF"/>
-                </a:solidFill>
-                <a:effectLst/>
-                <a:latin typeface="Consolas" panose="020B0609020204030204" pitchFamily="49" charset="0"/>
-              </a:rPr>
-              <a:t>long</a:t>
-            </a:r>
-            <a:r>
-              <a:rPr lang="en-US" b="0" dirty="0" smtClean="0">
-                <a:solidFill>
-                  <a:srgbClr val="000000"/>
-                </a:solidFill>
-                <a:effectLst/>
-                <a:latin typeface="Consolas" panose="020B0609020204030204" pitchFamily="49" charset="0"/>
-              </a:rPr>
-              <a:t>*)</a:t>
-            </a:r>
-            <a:r>
-              <a:rPr lang="en-US" b="0" dirty="0" err="1" smtClean="0">
-                <a:solidFill>
-                  <a:srgbClr val="000000"/>
-                </a:solidFill>
-                <a:effectLst/>
-                <a:latin typeface="Consolas" panose="020B0609020204030204" pitchFamily="49" charset="0"/>
-              </a:rPr>
-              <a:t>p_void_buffer</a:t>
-            </a:r>
-            <a:r>
-              <a:rPr lang="en-US" b="0" dirty="0" smtClean="0">
-                <a:solidFill>
-                  <a:srgbClr val="000000"/>
-                </a:solidFill>
-                <a:effectLst/>
-                <a:latin typeface="Consolas" panose="020B0609020204030204" pitchFamily="49" charset="0"/>
-              </a:rPr>
-              <a:t>)) &lt;&lt; </a:t>
-            </a:r>
-            <a:r>
-              <a:rPr lang="en-US" b="0" dirty="0" err="1" smtClean="0">
-                <a:solidFill>
-                  <a:srgbClr val="000000"/>
-                </a:solidFill>
-                <a:effectLst/>
-                <a:latin typeface="Consolas" panose="020B0609020204030204" pitchFamily="49" charset="0"/>
-              </a:rPr>
-              <a:t>endl</a:t>
-            </a:r>
-            <a:r>
-              <a:rPr lang="en-US" b="0" dirty="0" smtClean="0">
-                <a:solidFill>
-                  <a:srgbClr val="000000"/>
-                </a:solidFill>
-                <a:effectLst/>
-                <a:latin typeface="Consolas" panose="020B0609020204030204" pitchFamily="49" charset="0"/>
-              </a:rPr>
-              <a:t>;</a:t>
-            </a:r>
-          </a:p>
-          <a:p>
-            <a:r>
-              <a:rPr lang="en-US" b="0" dirty="0" smtClean="0">
-                <a:solidFill>
-                  <a:srgbClr val="008000"/>
-                </a:solidFill>
-                <a:effectLst/>
-                <a:latin typeface="Consolas" panose="020B0609020204030204" pitchFamily="49" charset="0"/>
-              </a:rPr>
-              <a:t>// 8589934593 -&gt; 8</a:t>
-            </a:r>
-            <a:endParaRPr lang="en-US" b="0" dirty="0" smtClean="0">
-              <a:solidFill>
-                <a:srgbClr val="000000"/>
-              </a:solidFill>
-              <a:effectLst/>
-              <a:latin typeface="Consolas" panose="020B0609020204030204" pitchFamily="49" charset="0"/>
-            </a:endParaRPr>
-          </a:p>
-          <a:p>
-            <a:r>
-              <a:rPr lang="en-US" b="0" dirty="0" err="1" smtClean="0">
-                <a:solidFill>
-                  <a:srgbClr val="000000"/>
-                </a:solidFill>
-                <a:effectLst/>
-                <a:latin typeface="Consolas" panose="020B0609020204030204" pitchFamily="49" charset="0"/>
-              </a:rPr>
-              <a:t>cout</a:t>
-            </a:r>
-            <a:r>
-              <a:rPr lang="en-US" b="0" dirty="0" smtClean="0">
-                <a:solidFill>
-                  <a:srgbClr val="000000"/>
-                </a:solidFill>
-                <a:effectLst/>
-                <a:latin typeface="Consolas" panose="020B0609020204030204" pitchFamily="49" charset="0"/>
-              </a:rPr>
-              <a:t> &lt;&lt; *((</a:t>
-            </a:r>
-            <a:r>
-              <a:rPr lang="en-US" b="0" dirty="0" smtClean="0">
-                <a:solidFill>
-                  <a:srgbClr val="0000FF"/>
-                </a:solidFill>
-                <a:effectLst/>
-                <a:latin typeface="Consolas" panose="020B0609020204030204" pitchFamily="49" charset="0"/>
-              </a:rPr>
-              <a:t>char</a:t>
-            </a:r>
-            <a:r>
-              <a:rPr lang="en-US" b="0" dirty="0" smtClean="0">
-                <a:solidFill>
-                  <a:srgbClr val="000000"/>
-                </a:solidFill>
-                <a:effectLst/>
-                <a:latin typeface="Consolas" panose="020B0609020204030204" pitchFamily="49" charset="0"/>
-              </a:rPr>
-              <a:t>*)</a:t>
-            </a:r>
-            <a:r>
-              <a:rPr lang="en-US" b="0" dirty="0" err="1" smtClean="0">
-                <a:solidFill>
-                  <a:srgbClr val="000000"/>
-                </a:solidFill>
-                <a:effectLst/>
-                <a:latin typeface="Consolas" panose="020B0609020204030204" pitchFamily="49" charset="0"/>
-              </a:rPr>
-              <a:t>p_void_buffer</a:t>
-            </a:r>
-            <a:r>
-              <a:rPr lang="en-US" b="0" dirty="0" smtClean="0">
-                <a:solidFill>
-                  <a:srgbClr val="000000"/>
-                </a:solidFill>
-                <a:effectLst/>
-                <a:latin typeface="Consolas" panose="020B0609020204030204" pitchFamily="49" charset="0"/>
-              </a:rPr>
-              <a:t>) &lt;&lt; </a:t>
-            </a:r>
-            <a:r>
-              <a:rPr lang="en-US" b="0" dirty="0" smtClean="0">
-                <a:solidFill>
-                  <a:srgbClr val="A31515"/>
-                </a:solidFill>
-                <a:effectLst/>
-                <a:latin typeface="Consolas" panose="020B0609020204030204" pitchFamily="49" charset="0"/>
-              </a:rPr>
-              <a:t>" -&gt; "</a:t>
-            </a:r>
-            <a:r>
-              <a:rPr lang="en-US" b="0" dirty="0" smtClean="0">
-                <a:solidFill>
-                  <a:srgbClr val="000000"/>
-                </a:solidFill>
-                <a:effectLst/>
-                <a:latin typeface="Consolas" panose="020B0609020204030204" pitchFamily="49" charset="0"/>
-              </a:rPr>
-              <a:t> </a:t>
-            </a:r>
-          </a:p>
-          <a:p>
-            <a:r>
-              <a:rPr lang="en-US" b="0" dirty="0" smtClean="0">
-                <a:solidFill>
-                  <a:srgbClr val="000000"/>
-                </a:solidFill>
-                <a:effectLst/>
-                <a:latin typeface="Consolas" panose="020B0609020204030204" pitchFamily="49" charset="0"/>
-              </a:rPr>
-              <a:t>     &lt;&lt; </a:t>
-            </a:r>
-            <a:r>
-              <a:rPr lang="en-US" b="0" dirty="0" err="1" smtClean="0">
-                <a:solidFill>
-                  <a:srgbClr val="0000FF"/>
-                </a:solidFill>
-                <a:effectLst/>
-                <a:latin typeface="Consolas" panose="020B0609020204030204" pitchFamily="49" charset="0"/>
-              </a:rPr>
-              <a:t>sizeof</a:t>
-            </a:r>
-            <a:r>
-              <a:rPr lang="en-US" b="0" dirty="0" smtClean="0">
-                <a:solidFill>
-                  <a:srgbClr val="000000"/>
-                </a:solidFill>
-                <a:effectLst/>
-                <a:latin typeface="Consolas" panose="020B0609020204030204" pitchFamily="49" charset="0"/>
-              </a:rPr>
-              <a:t>(*((</a:t>
-            </a:r>
-            <a:r>
-              <a:rPr lang="en-US" b="0" dirty="0" smtClean="0">
-                <a:solidFill>
-                  <a:srgbClr val="0000FF"/>
-                </a:solidFill>
-                <a:effectLst/>
-                <a:latin typeface="Consolas" panose="020B0609020204030204" pitchFamily="49" charset="0"/>
-              </a:rPr>
-              <a:t>char</a:t>
-            </a:r>
-            <a:r>
-              <a:rPr lang="en-US" b="0" dirty="0" smtClean="0">
-                <a:solidFill>
-                  <a:srgbClr val="000000"/>
-                </a:solidFill>
-                <a:effectLst/>
-                <a:latin typeface="Consolas" panose="020B0609020204030204" pitchFamily="49" charset="0"/>
-              </a:rPr>
-              <a:t>*)</a:t>
-            </a:r>
-            <a:r>
-              <a:rPr lang="en-US" b="0" dirty="0" err="1" smtClean="0">
-                <a:solidFill>
-                  <a:srgbClr val="000000"/>
-                </a:solidFill>
-                <a:effectLst/>
-                <a:latin typeface="Consolas" panose="020B0609020204030204" pitchFamily="49" charset="0"/>
-              </a:rPr>
-              <a:t>p_void_buffer</a:t>
-            </a:r>
-            <a:r>
-              <a:rPr lang="en-US" b="0" dirty="0" smtClean="0">
-                <a:solidFill>
-                  <a:srgbClr val="000000"/>
-                </a:solidFill>
-                <a:effectLst/>
-                <a:latin typeface="Consolas" panose="020B0609020204030204" pitchFamily="49" charset="0"/>
-              </a:rPr>
-              <a:t>)) &lt;&lt; </a:t>
-            </a:r>
-            <a:r>
-              <a:rPr lang="en-US" b="0" dirty="0" err="1" smtClean="0">
-                <a:solidFill>
-                  <a:srgbClr val="000000"/>
-                </a:solidFill>
-                <a:effectLst/>
-                <a:latin typeface="Consolas" panose="020B0609020204030204" pitchFamily="49" charset="0"/>
-              </a:rPr>
-              <a:t>endl</a:t>
-            </a:r>
-            <a:r>
-              <a:rPr lang="en-US" b="0" dirty="0" smtClean="0">
-                <a:solidFill>
-                  <a:srgbClr val="000000"/>
-                </a:solidFill>
-                <a:effectLst/>
-                <a:latin typeface="Consolas" panose="020B0609020204030204" pitchFamily="49" charset="0"/>
-              </a:rPr>
-              <a:t>;</a:t>
-            </a:r>
-          </a:p>
-          <a:p>
-            <a:r>
-              <a:rPr lang="en-US" b="0" dirty="0" smtClean="0">
-                <a:solidFill>
-                  <a:srgbClr val="008000"/>
-                </a:solidFill>
-                <a:effectLst/>
-                <a:latin typeface="Consolas" panose="020B0609020204030204" pitchFamily="49" charset="0"/>
-              </a:rPr>
-              <a:t>// -&gt; 1</a:t>
-            </a:r>
-            <a:endParaRPr lang="en-US" b="0" dirty="0" smtClean="0">
-              <a:solidFill>
-                <a:srgbClr val="000000"/>
-              </a:solidFill>
-              <a:effectLst/>
-              <a:latin typeface="Consolas" panose="020B0609020204030204" pitchFamily="49" charset="0"/>
-            </a:endParaRPr>
-          </a:p>
-          <a:p>
-            <a:r>
-              <a:rPr lang="en-US" b="0" dirty="0" err="1" smtClean="0">
-                <a:solidFill>
-                  <a:srgbClr val="000000"/>
-                </a:solidFill>
-                <a:effectLst/>
-                <a:latin typeface="Consolas" panose="020B0609020204030204" pitchFamily="49" charset="0"/>
-              </a:rPr>
-              <a:t>cout</a:t>
-            </a:r>
-            <a:r>
-              <a:rPr lang="en-US" b="0" dirty="0" smtClean="0">
-                <a:solidFill>
-                  <a:srgbClr val="000000"/>
-                </a:solidFill>
-                <a:effectLst/>
-                <a:latin typeface="Consolas" panose="020B0609020204030204" pitchFamily="49" charset="0"/>
-              </a:rPr>
-              <a:t> &lt;&lt; *((</a:t>
-            </a:r>
-            <a:r>
-              <a:rPr lang="en-US" b="0" dirty="0" smtClean="0">
-                <a:solidFill>
-                  <a:srgbClr val="0000FF"/>
-                </a:solidFill>
-                <a:effectLst/>
-                <a:latin typeface="Consolas" panose="020B0609020204030204" pitchFamily="49" charset="0"/>
-              </a:rPr>
-              <a:t>bool</a:t>
-            </a:r>
-            <a:r>
-              <a:rPr lang="en-US" b="0" dirty="0" smtClean="0">
-                <a:solidFill>
-                  <a:srgbClr val="000000"/>
-                </a:solidFill>
-                <a:effectLst/>
-                <a:latin typeface="Consolas" panose="020B0609020204030204" pitchFamily="49" charset="0"/>
-              </a:rPr>
-              <a:t>*)</a:t>
-            </a:r>
-            <a:r>
-              <a:rPr lang="en-US" b="0" dirty="0" err="1" smtClean="0">
-                <a:solidFill>
-                  <a:srgbClr val="000000"/>
-                </a:solidFill>
-                <a:effectLst/>
-                <a:latin typeface="Consolas" panose="020B0609020204030204" pitchFamily="49" charset="0"/>
-              </a:rPr>
-              <a:t>p_void_buffer</a:t>
-            </a:r>
-            <a:r>
-              <a:rPr lang="en-US" b="0" dirty="0" smtClean="0">
-                <a:solidFill>
-                  <a:srgbClr val="000000"/>
-                </a:solidFill>
-                <a:effectLst/>
-                <a:latin typeface="Consolas" panose="020B0609020204030204" pitchFamily="49" charset="0"/>
-              </a:rPr>
-              <a:t>) &lt;&lt; </a:t>
-            </a:r>
-            <a:r>
-              <a:rPr lang="en-US" b="0" dirty="0" smtClean="0">
-                <a:solidFill>
-                  <a:srgbClr val="A31515"/>
-                </a:solidFill>
-                <a:effectLst/>
-                <a:latin typeface="Consolas" panose="020B0609020204030204" pitchFamily="49" charset="0"/>
-              </a:rPr>
-              <a:t>" -&gt; "</a:t>
-            </a:r>
-            <a:r>
-              <a:rPr lang="en-US" b="0" dirty="0" smtClean="0">
-                <a:solidFill>
-                  <a:srgbClr val="000000"/>
-                </a:solidFill>
-                <a:effectLst/>
-                <a:latin typeface="Consolas" panose="020B0609020204030204" pitchFamily="49" charset="0"/>
-              </a:rPr>
-              <a:t> </a:t>
-            </a:r>
-          </a:p>
-          <a:p>
-            <a:r>
-              <a:rPr lang="en-US" b="0" dirty="0" smtClean="0">
-                <a:solidFill>
-                  <a:srgbClr val="000000"/>
-                </a:solidFill>
-                <a:effectLst/>
-                <a:latin typeface="Consolas" panose="020B0609020204030204" pitchFamily="49" charset="0"/>
-              </a:rPr>
-              <a:t>     &lt;&lt; </a:t>
-            </a:r>
-            <a:r>
-              <a:rPr lang="en-US" b="0" dirty="0" err="1" smtClean="0">
-                <a:solidFill>
-                  <a:srgbClr val="0000FF"/>
-                </a:solidFill>
-                <a:effectLst/>
-                <a:latin typeface="Consolas" panose="020B0609020204030204" pitchFamily="49" charset="0"/>
-              </a:rPr>
-              <a:t>sizeof</a:t>
-            </a:r>
-            <a:r>
-              <a:rPr lang="en-US" b="0" dirty="0" smtClean="0">
-                <a:solidFill>
-                  <a:srgbClr val="000000"/>
-                </a:solidFill>
-                <a:effectLst/>
-                <a:latin typeface="Consolas" panose="020B0609020204030204" pitchFamily="49" charset="0"/>
-              </a:rPr>
-              <a:t>(*((</a:t>
-            </a:r>
-            <a:r>
-              <a:rPr lang="en-US" b="0" dirty="0" smtClean="0">
-                <a:solidFill>
-                  <a:srgbClr val="0000FF"/>
-                </a:solidFill>
-                <a:effectLst/>
-                <a:latin typeface="Consolas" panose="020B0609020204030204" pitchFamily="49" charset="0"/>
-              </a:rPr>
-              <a:t>bool</a:t>
-            </a:r>
-            <a:r>
-              <a:rPr lang="en-US" b="0" dirty="0" smtClean="0">
-                <a:solidFill>
-                  <a:srgbClr val="000000"/>
-                </a:solidFill>
-                <a:effectLst/>
-                <a:latin typeface="Consolas" panose="020B0609020204030204" pitchFamily="49" charset="0"/>
-              </a:rPr>
-              <a:t>*)</a:t>
-            </a:r>
-            <a:r>
-              <a:rPr lang="en-US" b="0" dirty="0" err="1" smtClean="0">
-                <a:solidFill>
-                  <a:srgbClr val="000000"/>
-                </a:solidFill>
-                <a:effectLst/>
-                <a:latin typeface="Consolas" panose="020B0609020204030204" pitchFamily="49" charset="0"/>
-              </a:rPr>
-              <a:t>p_void_buffer</a:t>
-            </a:r>
-            <a:r>
-              <a:rPr lang="en-US" b="0" dirty="0" smtClean="0">
-                <a:solidFill>
-                  <a:srgbClr val="000000"/>
-                </a:solidFill>
-                <a:effectLst/>
-                <a:latin typeface="Consolas" panose="020B0609020204030204" pitchFamily="49" charset="0"/>
-              </a:rPr>
-              <a:t>)) &lt;&lt; </a:t>
-            </a:r>
-            <a:r>
-              <a:rPr lang="en-US" b="0" dirty="0" err="1" smtClean="0">
-                <a:solidFill>
-                  <a:srgbClr val="000000"/>
-                </a:solidFill>
-                <a:effectLst/>
-                <a:latin typeface="Consolas" panose="020B0609020204030204" pitchFamily="49" charset="0"/>
-              </a:rPr>
-              <a:t>endl</a:t>
-            </a:r>
-            <a:r>
-              <a:rPr lang="en-US" b="0" dirty="0" smtClean="0">
-                <a:solidFill>
-                  <a:srgbClr val="000000"/>
-                </a:solidFill>
-                <a:effectLst/>
-                <a:latin typeface="Consolas" panose="020B0609020204030204" pitchFamily="49" charset="0"/>
-              </a:rPr>
-              <a:t>;</a:t>
-            </a:r>
-          </a:p>
-          <a:p>
-            <a:r>
-              <a:rPr lang="en-US" b="0" dirty="0" smtClean="0">
-                <a:solidFill>
-                  <a:srgbClr val="008000"/>
-                </a:solidFill>
-                <a:effectLst/>
-                <a:latin typeface="Consolas" panose="020B0609020204030204" pitchFamily="49" charset="0"/>
-              </a:rPr>
-              <a:t>// 1 -&gt; 1</a:t>
-            </a:r>
-            <a:endParaRPr lang="en-US" b="0" dirty="0" smtClean="0">
-              <a:solidFill>
-                <a:srgbClr val="000000"/>
-              </a:solidFill>
-              <a:effectLst/>
-              <a:latin typeface="Consolas" panose="020B0609020204030204" pitchFamily="49" charset="0"/>
-            </a:endParaRPr>
-          </a:p>
-          <a:p>
-            <a:r>
-              <a:rPr lang="en-US" b="0" dirty="0" err="1" smtClean="0">
-                <a:solidFill>
-                  <a:srgbClr val="000000"/>
-                </a:solidFill>
-                <a:effectLst/>
-                <a:latin typeface="Consolas" panose="020B0609020204030204" pitchFamily="49" charset="0"/>
-              </a:rPr>
-              <a:t>cout</a:t>
-            </a:r>
-            <a:r>
-              <a:rPr lang="en-US" b="0" dirty="0" smtClean="0">
-                <a:solidFill>
-                  <a:srgbClr val="000000"/>
-                </a:solidFill>
-                <a:effectLst/>
-                <a:latin typeface="Consolas" panose="020B0609020204030204" pitchFamily="49" charset="0"/>
-              </a:rPr>
-              <a:t> &lt;&lt; *((</a:t>
-            </a:r>
-            <a:r>
-              <a:rPr lang="en-US" b="0" dirty="0" smtClean="0">
-                <a:solidFill>
-                  <a:srgbClr val="0000FF"/>
-                </a:solidFill>
-                <a:effectLst/>
-                <a:latin typeface="Consolas" panose="020B0609020204030204" pitchFamily="49" charset="0"/>
-              </a:rPr>
-              <a:t>double</a:t>
-            </a:r>
-            <a:r>
-              <a:rPr lang="en-US" b="0" dirty="0" smtClean="0">
-                <a:solidFill>
-                  <a:srgbClr val="000000"/>
-                </a:solidFill>
-                <a:effectLst/>
-                <a:latin typeface="Consolas" panose="020B0609020204030204" pitchFamily="49" charset="0"/>
-              </a:rPr>
-              <a:t>*)</a:t>
-            </a:r>
-            <a:r>
-              <a:rPr lang="en-US" b="0" dirty="0" err="1" smtClean="0">
-                <a:solidFill>
-                  <a:srgbClr val="000000"/>
-                </a:solidFill>
-                <a:effectLst/>
-                <a:latin typeface="Consolas" panose="020B0609020204030204" pitchFamily="49" charset="0"/>
-              </a:rPr>
-              <a:t>p_void_buffer</a:t>
-            </a:r>
-            <a:r>
-              <a:rPr lang="en-US" b="0" dirty="0" smtClean="0">
-                <a:solidFill>
-                  <a:srgbClr val="000000"/>
-                </a:solidFill>
-                <a:effectLst/>
-                <a:latin typeface="Consolas" panose="020B0609020204030204" pitchFamily="49" charset="0"/>
-              </a:rPr>
-              <a:t>) &lt;&lt; </a:t>
-            </a:r>
-            <a:r>
-              <a:rPr lang="en-US" b="0" dirty="0" smtClean="0">
-                <a:solidFill>
-                  <a:srgbClr val="A31515"/>
-                </a:solidFill>
-                <a:effectLst/>
-                <a:latin typeface="Consolas" panose="020B0609020204030204" pitchFamily="49" charset="0"/>
-              </a:rPr>
-              <a:t>" -&gt; "</a:t>
-            </a:r>
-            <a:r>
-              <a:rPr lang="en-US" b="0" dirty="0" smtClean="0">
-                <a:solidFill>
-                  <a:srgbClr val="000000"/>
-                </a:solidFill>
-                <a:effectLst/>
-                <a:latin typeface="Consolas" panose="020B0609020204030204" pitchFamily="49" charset="0"/>
-              </a:rPr>
-              <a:t> </a:t>
-            </a:r>
-          </a:p>
-          <a:p>
-            <a:r>
-              <a:rPr lang="en-US" b="0" dirty="0" smtClean="0">
-                <a:solidFill>
-                  <a:srgbClr val="000000"/>
-                </a:solidFill>
-                <a:effectLst/>
-                <a:latin typeface="Consolas" panose="020B0609020204030204" pitchFamily="49" charset="0"/>
-              </a:rPr>
-              <a:t>     &lt;&lt; </a:t>
-            </a:r>
-            <a:r>
-              <a:rPr lang="en-US" b="0" dirty="0" err="1" smtClean="0">
-                <a:solidFill>
-                  <a:srgbClr val="0000FF"/>
-                </a:solidFill>
-                <a:effectLst/>
-                <a:latin typeface="Consolas" panose="020B0609020204030204" pitchFamily="49" charset="0"/>
-              </a:rPr>
-              <a:t>sizeof</a:t>
-            </a:r>
-            <a:r>
-              <a:rPr lang="en-US" b="0" dirty="0" smtClean="0">
-                <a:solidFill>
-                  <a:srgbClr val="000000"/>
-                </a:solidFill>
-                <a:effectLst/>
-                <a:latin typeface="Consolas" panose="020B0609020204030204" pitchFamily="49" charset="0"/>
-              </a:rPr>
-              <a:t>(*((</a:t>
-            </a:r>
-            <a:r>
-              <a:rPr lang="en-US" b="0" dirty="0" smtClean="0">
-                <a:solidFill>
-                  <a:srgbClr val="0000FF"/>
-                </a:solidFill>
-                <a:effectLst/>
-                <a:latin typeface="Consolas" panose="020B0609020204030204" pitchFamily="49" charset="0"/>
-              </a:rPr>
-              <a:t>double</a:t>
-            </a:r>
-            <a:r>
-              <a:rPr lang="en-US" b="0" dirty="0" smtClean="0">
-                <a:solidFill>
-                  <a:srgbClr val="000000"/>
-                </a:solidFill>
-                <a:effectLst/>
-                <a:latin typeface="Consolas" panose="020B0609020204030204" pitchFamily="49" charset="0"/>
-              </a:rPr>
-              <a:t>*)</a:t>
-            </a:r>
-            <a:r>
-              <a:rPr lang="en-US" b="0" dirty="0" err="1" smtClean="0">
-                <a:solidFill>
-                  <a:srgbClr val="000000"/>
-                </a:solidFill>
-                <a:effectLst/>
-                <a:latin typeface="Consolas" panose="020B0609020204030204" pitchFamily="49" charset="0"/>
-              </a:rPr>
-              <a:t>p_void_buffer</a:t>
-            </a:r>
-            <a:r>
-              <a:rPr lang="en-US" b="0" dirty="0" smtClean="0">
-                <a:solidFill>
-                  <a:srgbClr val="000000"/>
-                </a:solidFill>
-                <a:effectLst/>
-                <a:latin typeface="Consolas" panose="020B0609020204030204" pitchFamily="49" charset="0"/>
-              </a:rPr>
-              <a:t>)) &lt;&lt; </a:t>
-            </a:r>
-            <a:r>
-              <a:rPr lang="en-US" b="0" dirty="0" err="1" smtClean="0">
-                <a:solidFill>
-                  <a:srgbClr val="000000"/>
-                </a:solidFill>
-                <a:effectLst/>
-                <a:latin typeface="Consolas" panose="020B0609020204030204" pitchFamily="49" charset="0"/>
-              </a:rPr>
-              <a:t>endl</a:t>
-            </a:r>
-            <a:r>
-              <a:rPr lang="en-US" b="0" dirty="0" smtClean="0">
-                <a:solidFill>
-                  <a:srgbClr val="000000"/>
-                </a:solidFill>
-                <a:effectLst/>
-                <a:latin typeface="Consolas" panose="020B0609020204030204" pitchFamily="49" charset="0"/>
-              </a:rPr>
-              <a:t>;</a:t>
-            </a:r>
-          </a:p>
-          <a:p>
-            <a:r>
-              <a:rPr lang="en-US" b="0" dirty="0" smtClean="0">
-                <a:solidFill>
-                  <a:srgbClr val="008000"/>
-                </a:solidFill>
-                <a:effectLst/>
-                <a:latin typeface="Consolas" panose="020B0609020204030204" pitchFamily="49" charset="0"/>
-              </a:rPr>
-              <a:t>// 4.24399e-314 -&gt; 8</a:t>
-            </a:r>
-            <a:endParaRPr lang="en-US" b="0" dirty="0">
-              <a:solidFill>
-                <a:srgbClr val="000000"/>
-              </a:solidFill>
-              <a:effectLst/>
-              <a:latin typeface="Consolas" panose="020B0609020204030204" pitchFamily="49" charset="0"/>
-            </a:endParaRPr>
-          </a:p>
-        </p:txBody>
-      </p:sp>
-      <p:sp>
-        <p:nvSpPr>
-          <p:cNvPr id="5" name="Прямоугольник 4"/>
-          <p:cNvSpPr/>
-          <p:nvPr/>
-        </p:nvSpPr>
-        <p:spPr>
-          <a:xfrm>
-            <a:off x="4012744" y="0"/>
-            <a:ext cx="4166590" cy="523220"/>
-          </a:xfrm>
-          <a:prstGeom prst="rect">
-            <a:avLst/>
-          </a:prstGeom>
-        </p:spPr>
-        <p:txBody>
-          <a:bodyPr wrap="none">
-            <a:spAutoFit/>
-          </a:bodyPr>
-          <a:lstStyle/>
-          <a:p>
-            <a:pPr algn="ctr"/>
-            <a:r>
-              <a:rPr lang="ru-RU" sz="2800" b="1" dirty="0" smtClean="0">
-                <a:latin typeface="Calibri" panose="020F0502020204030204" pitchFamily="34" charset="0"/>
-              </a:rPr>
-              <a:t>Тип </a:t>
-            </a:r>
-            <a:r>
-              <a:rPr lang="en-US" sz="2800" b="1" dirty="0" smtClean="0">
-                <a:latin typeface="Calibri" panose="020F0502020204030204" pitchFamily="34" charset="0"/>
-              </a:rPr>
-              <a:t>void</a:t>
-            </a:r>
-            <a:r>
-              <a:rPr lang="ru-RU" sz="2800" b="1" dirty="0">
-                <a:latin typeface="Calibri" panose="020F0502020204030204" pitchFamily="34" charset="0"/>
-              </a:rPr>
-              <a:t> </a:t>
-            </a:r>
-            <a:r>
-              <a:rPr lang="ru-RU" sz="2800" b="1" dirty="0" smtClean="0">
-                <a:latin typeface="Calibri" panose="020F0502020204030204" pitchFamily="34" charset="0"/>
-              </a:rPr>
-              <a:t>и </a:t>
-            </a:r>
-            <a:r>
-              <a:rPr lang="en-US" sz="2800" b="1" dirty="0" smtClean="0">
-                <a:latin typeface="Calibri" panose="020F0502020204030204" pitchFamily="34" charset="0"/>
-              </a:rPr>
-              <a:t>void*: </a:t>
-            </a:r>
-            <a:r>
-              <a:rPr lang="ru-RU" sz="2800" b="1" dirty="0" smtClean="0">
-                <a:latin typeface="Calibri" panose="020F0502020204030204" pitchFamily="34" charset="0"/>
-              </a:rPr>
-              <a:t>Пример.</a:t>
-            </a:r>
-            <a:endParaRPr lang="ru-RU" sz="2800" b="1" dirty="0">
-              <a:latin typeface="Calibri" panose="020F0502020204030204" pitchFamily="34" charset="0"/>
-            </a:endParaRPr>
-          </a:p>
-        </p:txBody>
-      </p:sp>
-      <p:pic>
-        <p:nvPicPr>
-          <p:cNvPr id="6146" name="Picture 2" descr="My new little business... Или как я парикмахерскую открывать собрался.  Часть 4 | Пикабу"/>
-          <p:cNvPicPr>
-            <a:picLocks noChangeAspect="1" noChangeArrowheads="1"/>
-          </p:cNvPicPr>
-          <p:nvPr/>
-        </p:nvPicPr>
-        <p:blipFill>
-          <a:blip r:embed="rId2">
-            <a:extLst>
-              <a:ext uri="{28A0092B-C50C-407E-A947-70E740481C1C}">
-                <a14:useLocalDpi xmlns:a14="http://schemas.microsoft.com/office/drawing/2010/main" val="0"/>
-              </a:ext>
-            </a:extLst>
-          </a:blip>
-          <a:srcRect/>
-          <a:stretch>
-            <a:fillRect/>
-          </a:stretch>
-        </p:blipFill>
-        <p:spPr bwMode="auto">
-          <a:xfrm>
-            <a:off x="316872" y="1644416"/>
-            <a:ext cx="4470431" cy="3620016"/>
-          </a:xfrm>
-          <a:prstGeom prst="rect">
-            <a:avLst/>
-          </a:prstGeom>
-          <a:noFill/>
-          <a:extLst>
-            <a:ext uri="{909E8E84-426E-40DD-AFC4-6F175D3DCCD1}">
-              <a14:hiddenFill xmlns:a14="http://schemas.microsoft.com/office/drawing/2010/main">
-                <a:solidFill>
-                  <a:srgbClr val="FFFFFF"/>
-                </a:solidFill>
-              </a14:hiddenFill>
-            </a:ext>
-          </a:extLst>
-        </p:spPr>
-      </p:pic>
-    </p:spTree>
-    <p:extLst>
-      <p:ext uri="{BB962C8B-B14F-4D97-AF65-F5344CB8AC3E}">
-        <p14:creationId xmlns:p14="http://schemas.microsoft.com/office/powerpoint/2010/main" val="2385823335"/>
       </p:ext>
     </p:extLst>
   </p:cSld>
